--- a/Project-01/Group Project Presentation.pptx
+++ b/Project-01/Group Project Presentation.pptx
@@ -8364,7 +8364,7 @@
                   <a:srgbClr val="000000"/>
                 </a:solidFill>
               </a:rPr>
-              <a:t>When investers were expecting a bear market, they sell shares in stock market and buy gold, causing decline in stock market indices and rise in gold prices.</a:t>
+              <a:t>When investors were expecting a bear market, they sell shares in stock market and buy gold, causing decline in stock market indices and rise in gold prices.</a:t>
             </a:r>
             <a:endParaRPr sz="800">
               <a:solidFill>
@@ -8444,7 +8444,7 @@
                   <a:srgbClr val="000000"/>
                 </a:solidFill>
               </a:rPr>
-              <a:t>The invention of paper gold and founding of commodities futures allowed investors to speculate on several types of commodites including gold. As a result, gold price loses some of it's property to suggest market direction as it is driven by investor's speculation.</a:t>
+              <a:t>The invention of paper gold and founding of commodities futures allowed investors to speculate on several types of commodities including gold. As a result, gold price loses some of it's property to suggest market direction as it is driven by investor's speculation.</a:t>
             </a:r>
             <a:endParaRPr sz="800">
               <a:solidFill>
@@ -8639,14 +8639,14 @@
               <a:buNone/>
             </a:pPr>
             <a:r>
-              <a:rPr b="1" lang="en-GB" sz="800">
+              <a:rPr b="1" lang="en-GB" sz="1000">
                 <a:solidFill>
                   <a:srgbClr val="000000"/>
                 </a:solidFill>
               </a:rPr>
               <a:t>Questions for Analysis:</a:t>
             </a:r>
-            <a:endParaRPr b="1" sz="800">
+            <a:endParaRPr b="1" sz="1000">
               <a:solidFill>
                 <a:srgbClr val="000000"/>
               </a:solidFill>
@@ -8672,7 +8672,7 @@
                   <a:srgbClr val="000000"/>
                 </a:solidFill>
               </a:rPr>
-              <a:t>Explore the relationship between S&amp;P 500, Dow Jones, Nasdaq, Gold, Silver, Oil, GDP, House Price Index, Interest and Inflation Rates</a:t>
+              <a:t>Explore the relationship between S&amp;P 500, Dow Jones, Nasdaq, Gold, Silver, Oil, Crypo, GDP, House Price Index, Interest and Inflation Rates</a:t>
             </a:r>
             <a:endParaRPr sz="1000">
               <a:solidFill>
@@ -8917,14 +8917,41 @@
               <a:spcAft>
                 <a:spcPts val="0"/>
               </a:spcAft>
+              <a:buClr>
+                <a:srgbClr val="000000"/>
+              </a:buClr>
               <a:buSzPct val="100000"/>
               <a:buChar char="●"/>
             </a:pPr>
             <a:r>
-              <a:rPr lang="en-GB"/>
-              <a:t>Data cleaning was challenging due to mixed labels in different files. Resulted in team reformating csv files for consistency</a:t>
+              <a:rPr lang="en-GB">
+                <a:solidFill>
+                  <a:srgbClr val="000000"/>
+                </a:solidFill>
+              </a:rPr>
+              <a:t>Data cleaning was challenging due to mixed labels in different files. Resulted in team re-</a:t>
             </a:r>
-            <a:endParaRPr/>
+            <a:r>
+              <a:rPr lang="en-GB">
+                <a:solidFill>
+                  <a:srgbClr val="000000"/>
+                </a:solidFill>
+              </a:rPr>
+              <a:t>formatting</a:t>
+            </a:r>
+            <a:r>
+              <a:rPr lang="en-GB">
+                <a:solidFill>
+                  <a:srgbClr val="000000"/>
+                </a:solidFill>
+              </a:rPr>
+              <a:t> .csv files for consistency</a:t>
+            </a:r>
+            <a:endParaRPr>
+              <a:solidFill>
+                <a:srgbClr val="000000"/>
+              </a:solidFill>
+            </a:endParaRPr>
           </a:p>
           <a:p>
             <a:pPr indent="-298767" lvl="0" marL="457200" rtl="0" algn="l">
@@ -8934,14 +8961,25 @@
               <a:spcAft>
                 <a:spcPts val="0"/>
               </a:spcAft>
+              <a:buClr>
+                <a:srgbClr val="000000"/>
+              </a:buClr>
               <a:buSzPct val="100000"/>
               <a:buChar char="●"/>
             </a:pPr>
             <a:r>
-              <a:rPr lang="en-GB"/>
+              <a:rPr lang="en-GB">
+                <a:solidFill>
+                  <a:srgbClr val="000000"/>
+                </a:solidFill>
+              </a:rPr>
               <a:t>Different datasets with same data have different formatting, so pulling S&amp;P 500 data from multiple sources leads to consistency issues</a:t>
             </a:r>
-            <a:endParaRPr/>
+            <a:endParaRPr>
+              <a:solidFill>
+                <a:srgbClr val="000000"/>
+              </a:solidFill>
+            </a:endParaRPr>
           </a:p>
           <a:p>
             <a:pPr indent="-287972" lvl="1" marL="914400" rtl="0" algn="l">
@@ -8951,14 +8989,25 @@
               <a:spcAft>
                 <a:spcPts val="0"/>
               </a:spcAft>
+              <a:buClr>
+                <a:srgbClr val="000000"/>
+              </a:buClr>
               <a:buSzPct val="100000"/>
               <a:buChar char="○"/>
             </a:pPr>
             <a:r>
-              <a:rPr lang="en-GB"/>
+              <a:rPr lang="en-GB">
+                <a:solidFill>
+                  <a:srgbClr val="000000"/>
+                </a:solidFill>
+              </a:rPr>
               <a:t>Recommendation: create master file for variables or ensure team is only editing to most recent version of master file</a:t>
             </a:r>
-            <a:endParaRPr/>
+            <a:endParaRPr>
+              <a:solidFill>
+                <a:srgbClr val="000000"/>
+              </a:solidFill>
+            </a:endParaRPr>
           </a:p>
           <a:p>
             <a:pPr indent="-298767" lvl="0" marL="457200" rtl="0" algn="l">
@@ -8968,14 +9017,25 @@
               <a:spcAft>
                 <a:spcPts val="0"/>
               </a:spcAft>
+              <a:buClr>
+                <a:srgbClr val="000000"/>
+              </a:buClr>
               <a:buSzPct val="100000"/>
               <a:buChar char="●"/>
             </a:pPr>
             <a:r>
-              <a:rPr lang="en-GB"/>
+              <a:rPr lang="en-GB">
+                <a:solidFill>
+                  <a:srgbClr val="000000"/>
+                </a:solidFill>
+              </a:rPr>
               <a:t>Interestingly, noticed that libraries and dependencies ordering is important, otherwise may result in an error message:</a:t>
             </a:r>
-            <a:endParaRPr/>
+            <a:endParaRPr>
+              <a:solidFill>
+                <a:srgbClr val="000000"/>
+              </a:solidFill>
+            </a:endParaRPr>
           </a:p>
           <a:p>
             <a:pPr indent="-287972" lvl="1" marL="914400" rtl="0" algn="l">
@@ -8985,26 +9045,49 @@
               <a:spcAft>
                 <a:spcPts val="0"/>
               </a:spcAft>
+              <a:buClr>
+                <a:srgbClr val="000000"/>
+              </a:buClr>
               <a:buSzPct val="100000"/>
               <a:buChar char="○"/>
             </a:pPr>
             <a:r>
-              <a:rPr lang="en-GB"/>
+              <a:rPr lang="en-GB">
+                <a:solidFill>
+                  <a:srgbClr val="000000"/>
+                </a:solidFill>
+              </a:rPr>
               <a:t>E</a:t>
             </a:r>
             <a:r>
-              <a:rPr lang="en-GB"/>
+              <a:rPr lang="en-GB">
+                <a:solidFill>
+                  <a:srgbClr val="000000"/>
+                </a:solidFill>
+              </a:rPr>
               <a:t>.g. </a:t>
             </a:r>
             <a:r>
-              <a:rPr lang="en-GB"/>
+              <a:rPr lang="en-GB">
+                <a:solidFill>
+                  <a:srgbClr val="000000"/>
+                </a:solidFill>
+              </a:rPr>
               <a:t>“</a:t>
             </a:r>
             <a:r>
-              <a:rPr lang="en-GB"/>
+              <a:rPr lang="en-GB">
+                <a:solidFill>
+                  <a:srgbClr val="000000"/>
+                </a:solidFill>
+              </a:rPr>
               <a:t>WARNING:param.panel_extension: A HoloViz extension was loaded previously. This means the extension is already initialized and the following Panel extensions could not be properly loaded: ['plotly']. If you are loading custom extensions with pn.extension(...) ensure that this is called before any other HoloViz extension such as hvPlot or HoloViews.”</a:t>
             </a:r>
-            <a:endParaRPr/>
+            <a:endParaRPr>
+              <a:solidFill>
+                <a:srgbClr val="000000"/>
+              </a:solidFill>
+            </a:endParaRPr>
           </a:p>
           <a:p>
             <a:pPr indent="-298767" lvl="0" marL="457200" rtl="0" algn="l">
@@ -9014,14 +9097,25 @@
               <a:spcAft>
                 <a:spcPts val="0"/>
               </a:spcAft>
+              <a:buClr>
+                <a:srgbClr val="000000"/>
+              </a:buClr>
               <a:buSzPct val="100000"/>
               <a:buChar char="●"/>
             </a:pPr>
             <a:r>
-              <a:rPr lang="en-GB"/>
+              <a:rPr lang="en-GB">
+                <a:solidFill>
+                  <a:srgbClr val="000000"/>
+                </a:solidFill>
+              </a:rPr>
               <a:t>Multi-indexing is helpful to demonstrate changes when there is a significant different in variable values</a:t>
             </a:r>
-            <a:endParaRPr/>
+            <a:endParaRPr>
+              <a:solidFill>
+                <a:srgbClr val="000000"/>
+              </a:solidFill>
+            </a:endParaRPr>
           </a:p>
         </p:txBody>
       </p:sp>
@@ -9160,7 +9254,7 @@
                   <a:srgbClr val="000000"/>
                 </a:solidFill>
               </a:rPr>
-              <a:t>When investers were expecting a bear market, they sell shares in stock market and buy gold, causing decline in stock market indices and rise in gold prices. </a:t>
+              <a:t>When investors were expecting a bear market, they sell shares in stock market and buy gold, causing decline in stock market indices and rise in gold prices. </a:t>
             </a:r>
             <a:endParaRPr sz="1000">
               <a:solidFill>
@@ -9188,7 +9282,7 @@
                   <a:srgbClr val="000000"/>
                 </a:solidFill>
               </a:rPr>
-              <a:t>Hence, gold price moved in the opposite direction of S&amp;P500 index. This is shown as negative (inverse) correlation until early 2000. </a:t>
+              <a:t>Hence, gold price moved in the opposite direction of S&amp;P 500 index. This is shown as negative (inverse) correlation until early 2000. </a:t>
             </a:r>
             <a:endParaRPr sz="1000">
               <a:solidFill>
@@ -9244,7 +9338,7 @@
                   <a:srgbClr val="000000"/>
                 </a:solidFill>
               </a:rPr>
-              <a:t>However, it took some time for the paper gold and commdities futures market to be popularized and accessible to retail investors; therefore, the transition was not apparent until mid 2000's. </a:t>
+              <a:t>However, it took some time for the paper gold and commodities futures market to be popularized and accessible to retail investors; therefore, the transition was not apparent until mid 2000's. </a:t>
             </a:r>
             <a:endParaRPr sz="1000">
               <a:solidFill>
@@ -9272,7 +9366,7 @@
                   <a:srgbClr val="000000"/>
                 </a:solidFill>
               </a:rPr>
-              <a:t>The commodities market allowed traders and investors to speculate on future commodities prices. As a result, the gold price correlation began to shift to possitive territory. </a:t>
+              <a:t>The commodities market allowed traders and investors to speculate on future commodities prices. As a result, the gold price correlation began to shift to positive territory. </a:t>
             </a:r>
             <a:endParaRPr sz="1000">
               <a:solidFill>
@@ -9300,7 +9394,7 @@
                   <a:srgbClr val="000000"/>
                 </a:solidFill>
               </a:rPr>
-              <a:t>Since 2007, we noticed that Crude Oil has become more correlated to S&amp;P500.</a:t>
+              <a:t>Since 2007, we noticed that Crude Oil has become more correlated to S&amp;P 500.</a:t>
             </a:r>
             <a:endParaRPr sz="1000">
               <a:solidFill>
@@ -9328,7 +9422,7 @@
                   <a:srgbClr val="000000"/>
                 </a:solidFill>
               </a:rPr>
-              <a:t>Cryptocurrencies have weak correlation to S&amp;P500.</a:t>
+              <a:t>Cryptocurrencies have weak correlation to S&amp;P 500.</a:t>
             </a:r>
             <a:endParaRPr sz="1000">
               <a:solidFill>
@@ -9532,7 +9626,7 @@
                 <a:cs typeface="Trebuchet MS"/>
                 <a:sym typeface="Trebuchet MS"/>
               </a:rPr>
-              <a:t>The West Texes Intermiediate (WTI) is more correlated to the S&amp;P 500 index and the WTI stock has become more so in the more recent years. </a:t>
+              <a:t>The West Texas Intermediate (WTI) is more correlated to the S&amp;P 500 index and the WTI stock has become more so in the more recent years. </a:t>
             </a:r>
             <a:endParaRPr sz="1000">
               <a:solidFill>
@@ -9787,7 +9881,7 @@
                   <a:srgbClr val="000000"/>
                 </a:solidFill>
               </a:rPr>
-              <a:t>GDP seems similar to S&amp;P500, line trends positively for both and heat map shows some correlation between them as well.</a:t>
+              <a:t>GDP seems similar to S&amp;P 500, line trends positively for both and heat map shows some correlation between them as well.</a:t>
             </a:r>
             <a:endParaRPr sz="1000">
               <a:solidFill>
@@ -9839,7 +9933,7 @@
                   <a:srgbClr val="000000"/>
                 </a:solidFill>
               </a:rPr>
-              <a:t>President’s impact on the economy (Stock market) has a little impact on growth and changes in stock market. Observing the S&amp;P500 growing positively through all year regardless of the president. </a:t>
+              <a:t>President’s impact on the economy (Stock market) has a little impact on growth and changes in stock market. Observing the S&amp;P 500 growing positively through all year regardless of the president. </a:t>
             </a:r>
             <a:endParaRPr sz="1000">
               <a:solidFill>
@@ -10070,7 +10164,7 @@
                   <a:srgbClr val="000000"/>
                 </a:solidFill>
               </a:rPr>
-              <a:t>The commodity with highest correlation to S&amp;P500 is crude oil (0.14). The second highest correlation is silver (0.1).</a:t>
+              <a:t>The commodity with highest correlation to S&amp;P 500 is crude oil (0.14). The second highest correlation is silver (0.1).</a:t>
             </a:r>
             <a:endParaRPr sz="1000">
               <a:solidFill>
@@ -10182,7 +10276,7 @@
                   <a:srgbClr val="000000"/>
                 </a:solidFill>
               </a:rPr>
-              <a:t>When looking at beta graphs, I noticed that crude oil and silver have lower beta than other commodities indicating lower volatility to S&amp;P500.</a:t>
+              <a:t>When looking at beta graphs, I noticed that crude oil and silver have lower beta than other commodities indicating lower volatility to S&amp;P 500.</a:t>
             </a:r>
             <a:endParaRPr sz="1000">
               <a:solidFill>
@@ -10282,7 +10376,7 @@
         </p:nvSpPr>
         <p:spPr>
           <a:xfrm>
-            <a:off x="729450" y="2078875"/>
+            <a:off x="727650" y="2065150"/>
             <a:ext cx="7688700" cy="2261100"/>
           </a:xfrm>
           <a:prstGeom prst="rect">
@@ -10315,7 +10409,7 @@
                   <a:srgbClr val="000000"/>
                 </a:solidFill>
               </a:rPr>
-              <a:t>Crude Oil has become more correlated to S&amp;P500.</a:t>
+              <a:t>Crude Oil has become more correlated to S&amp;P 500 than gold.</a:t>
             </a:r>
             <a:endParaRPr sz="1000">
               <a:solidFill>
@@ -10348,7 +10442,7 @@
                 <a:cs typeface="Trebuchet MS"/>
                 <a:sym typeface="Trebuchet MS"/>
               </a:rPr>
-              <a:t>Very little</a:t>
+              <a:t>USD has v</a:t>
             </a:r>
             <a:r>
               <a:rPr lang="en-GB" sz="1000">
@@ -10360,7 +10454,19 @@
                 <a:cs typeface="Trebuchet MS"/>
                 <a:sym typeface="Trebuchet MS"/>
               </a:rPr>
-              <a:t> correlation the USD had to the S&amp;P 500</a:t>
+              <a:t>ery little</a:t>
+            </a:r>
+            <a:r>
+              <a:rPr lang="en-GB" sz="1000">
+                <a:solidFill>
+                  <a:srgbClr val="000000"/>
+                </a:solidFill>
+                <a:latin typeface="Trebuchet MS"/>
+                <a:ea typeface="Trebuchet MS"/>
+                <a:cs typeface="Trebuchet MS"/>
+                <a:sym typeface="Trebuchet MS"/>
+              </a:rPr>
+              <a:t> correlation to the S&amp;P 500.</a:t>
             </a:r>
             <a:endParaRPr sz="1000">
               <a:solidFill>
@@ -10397,7 +10503,7 @@
                 <a:cs typeface="Trebuchet MS"/>
                 <a:sym typeface="Trebuchet MS"/>
               </a:rPr>
-              <a:t>No correlation with presidency and market indicators</a:t>
+              <a:t>No correlation with presidency and market indicators.</a:t>
             </a:r>
             <a:endParaRPr sz="1000">
               <a:solidFill>
@@ -10434,7 +10540,7 @@
                 <a:cs typeface="Trebuchet MS"/>
                 <a:sym typeface="Trebuchet MS"/>
               </a:rPr>
-              <a:t>No correlation with housing price index or inflation rate</a:t>
+              <a:t>No correlation with housing price index or inflation rate.</a:t>
             </a:r>
             <a:endParaRPr sz="1000">
               <a:solidFill>
@@ -10467,7 +10573,7 @@
                   <a:srgbClr val="000000"/>
                 </a:solidFill>
               </a:rPr>
-              <a:t>Cryptocurrencies have weak correlation to S&amp;P500.</a:t>
+              <a:t>Cryptocurrencies have weak correlation to S&amp;P 500.</a:t>
             </a:r>
             <a:endParaRPr sz="1000">
               <a:solidFill>
@@ -10505,6 +10611,285 @@
 </file>
 
 <file path=ppt/theme/theme1.xml><?xml version="1.0" encoding="utf-8"?>
+<a:theme xmlns:a="http://schemas.openxmlformats.org/drawingml/2006/main" xmlns:r="http://schemas.openxmlformats.org/officeDocument/2006/relationships" name="Streamline">
+  <a:themeElements>
+    <a:clrScheme name="Streamline">
+      <a:dk1>
+        <a:srgbClr val="1A9988"/>
+      </a:dk1>
+      <a:lt1>
+        <a:srgbClr val="FFFFFF"/>
+      </a:lt1>
+      <a:dk2>
+        <a:srgbClr val="1A1A1A"/>
+      </a:dk2>
+      <a:lt2>
+        <a:srgbClr val="E9EDEE"/>
+      </a:lt2>
+      <a:accent1>
+        <a:srgbClr val="595959"/>
+      </a:accent1>
+      <a:accent2>
+        <a:srgbClr val="6AA4C8"/>
+      </a:accent2>
+      <a:accent3>
+        <a:srgbClr val="EB5600"/>
+      </a:accent3>
+      <a:accent4>
+        <a:srgbClr val="A2FFE8"/>
+      </a:accent4>
+      <a:accent5>
+        <a:srgbClr val="1C3678"/>
+      </a:accent5>
+      <a:accent6>
+        <a:srgbClr val="FFB8A2"/>
+      </a:accent6>
+      <a:hlink>
+        <a:srgbClr val="1C3678"/>
+      </a:hlink>
+      <a:folHlink>
+        <a:srgbClr val="1C3678"/>
+      </a:folHlink>
+    </a:clrScheme>
+    <a:fontScheme name="Office">
+      <a:majorFont>
+        <a:latin typeface="Arial"/>
+        <a:ea typeface=""/>
+        <a:cs typeface=""/>
+        <a:font script="Jpan" typeface="ＭＳ Ｐゴシック"/>
+        <a:font script="Hang" typeface="맑은 고딕"/>
+        <a:font script="Hans" typeface="宋体"/>
+        <a:font script="Hant" typeface="新細明體"/>
+        <a:font script="Arab" typeface="Times New Roman"/>
+        <a:font script="Hebr" typeface="Times New Roman"/>
+        <a:font script="Thai" typeface="Angsana New"/>
+        <a:font script="Ethi" typeface="Nyala"/>
+        <a:font script="Beng" typeface="Vrinda"/>
+        <a:font script="Gujr" typeface="Shruti"/>
+        <a:font script="Khmr" typeface="MoolBoran"/>
+        <a:font script="Knda" typeface="Tunga"/>
+        <a:font script="Guru" typeface="Raavi"/>
+        <a:font script="Cans" typeface="Euphemia"/>
+        <a:font script="Cher" typeface="Plantagenet Cherokee"/>
+        <a:font script="Yiii" typeface="Microsoft Yi Baiti"/>
+        <a:font script="Tibt" typeface="Microsoft Himalaya"/>
+        <a:font script="Thaa" typeface="MV Boli"/>
+        <a:font script="Deva" typeface="Mangal"/>
+        <a:font script="Telu" typeface="Gautami"/>
+        <a:font script="Taml" typeface="Latha"/>
+        <a:font script="Syrc" typeface="Estrangelo Edessa"/>
+        <a:font script="Orya" typeface="Kalinga"/>
+        <a:font script="Mlym" typeface="Kartika"/>
+        <a:font script="Laoo" typeface="DokChampa"/>
+        <a:font script="Sinh" typeface="Iskoola Pota"/>
+        <a:font script="Mong" typeface="Mongolian Baiti"/>
+        <a:font script="Viet" typeface="Times New Roman"/>
+        <a:font script="Uigh" typeface="Microsoft Uighur"/>
+        <a:font script="Geor" typeface="Sylfaen"/>
+      </a:majorFont>
+      <a:minorFont>
+        <a:latin typeface="Arial"/>
+        <a:ea typeface=""/>
+        <a:cs typeface=""/>
+        <a:font script="Jpan" typeface="ＭＳ Ｐゴシック"/>
+        <a:font script="Hang" typeface="맑은 고딕"/>
+        <a:font script="Hans" typeface="宋体"/>
+        <a:font script="Hant" typeface="新細明體"/>
+        <a:font script="Arab" typeface="Arial"/>
+        <a:font script="Hebr" typeface="Arial"/>
+        <a:font script="Thai" typeface="Cordia New"/>
+        <a:font script="Ethi" typeface="Nyala"/>
+        <a:font script="Beng" typeface="Vrinda"/>
+        <a:font script="Gujr" typeface="Shruti"/>
+        <a:font script="Khmr" typeface="DaunPenh"/>
+        <a:font script="Knda" typeface="Tunga"/>
+        <a:font script="Guru" typeface="Raavi"/>
+        <a:font script="Cans" typeface="Euphemia"/>
+        <a:font script="Cher" typeface="Plantagenet Cherokee"/>
+        <a:font script="Yiii" typeface="Microsoft Yi Baiti"/>
+        <a:font script="Tibt" typeface="Microsoft Himalaya"/>
+        <a:font script="Thaa" typeface="MV Boli"/>
+        <a:font script="Deva" typeface="Mangal"/>
+        <a:font script="Telu" typeface="Gautami"/>
+        <a:font script="Taml" typeface="Latha"/>
+        <a:font script="Syrc" typeface="Estrangelo Edessa"/>
+        <a:font script="Orya" typeface="Kalinga"/>
+        <a:font script="Mlym" typeface="Kartika"/>
+        <a:font script="Laoo" typeface="DokChampa"/>
+        <a:font script="Sinh" typeface="Iskoola Pota"/>
+        <a:font script="Mong" typeface="Mongolian Baiti"/>
+        <a:font script="Viet" typeface="Arial"/>
+        <a:font script="Uigh" typeface="Microsoft Uighur"/>
+        <a:font script="Geor" typeface="Sylfaen"/>
+      </a:minorFont>
+    </a:fontScheme>
+    <a:fmtScheme name="Office">
+      <a:fillStyleLst>
+        <a:solidFill>
+          <a:schemeClr val="phClr"/>
+        </a:solidFill>
+        <a:gradFill rotWithShape="1">
+          <a:gsLst>
+            <a:gs pos="0">
+              <a:schemeClr val="phClr">
+                <a:tint val="50000"/>
+                <a:satMod val="300000"/>
+              </a:schemeClr>
+            </a:gs>
+            <a:gs pos="35000">
+              <a:schemeClr val="phClr">
+                <a:tint val="37000"/>
+                <a:satMod val="300000"/>
+              </a:schemeClr>
+            </a:gs>
+            <a:gs pos="100000">
+              <a:schemeClr val="phClr">
+                <a:tint val="15000"/>
+                <a:satMod val="350000"/>
+              </a:schemeClr>
+            </a:gs>
+          </a:gsLst>
+          <a:lin ang="16200000" scaled="1"/>
+        </a:gradFill>
+        <a:gradFill rotWithShape="1">
+          <a:gsLst>
+            <a:gs pos="0">
+              <a:schemeClr val="phClr">
+                <a:tint val="100000"/>
+                <a:shade val="100000"/>
+                <a:satMod val="130000"/>
+              </a:schemeClr>
+            </a:gs>
+            <a:gs pos="100000">
+              <a:schemeClr val="phClr">
+                <a:tint val="50000"/>
+                <a:shade val="100000"/>
+                <a:satMod val="350000"/>
+              </a:schemeClr>
+            </a:gs>
+          </a:gsLst>
+          <a:lin ang="16200000" scaled="0"/>
+        </a:gradFill>
+      </a:fillStyleLst>
+      <a:lnStyleLst>
+        <a:ln w="9525" cap="flat" cmpd="sng" algn="ctr">
+          <a:solidFill>
+            <a:schemeClr val="phClr">
+              <a:shade val="95000"/>
+              <a:satMod val="105000"/>
+            </a:schemeClr>
+          </a:solidFill>
+          <a:prstDash val="solid"/>
+        </a:ln>
+        <a:ln w="25400" cap="flat" cmpd="sng" algn="ctr">
+          <a:solidFill>
+            <a:schemeClr val="phClr"/>
+          </a:solidFill>
+          <a:prstDash val="solid"/>
+        </a:ln>
+        <a:ln w="38100" cap="flat" cmpd="sng" algn="ctr">
+          <a:solidFill>
+            <a:schemeClr val="phClr"/>
+          </a:solidFill>
+          <a:prstDash val="solid"/>
+        </a:ln>
+      </a:lnStyleLst>
+      <a:effectStyleLst>
+        <a:effectStyle>
+          <a:effectLst>
+            <a:outerShdw blurRad="40000" dist="20000" dir="5400000" rotWithShape="0">
+              <a:srgbClr val="000000">
+                <a:alpha val="38000"/>
+              </a:srgbClr>
+            </a:outerShdw>
+          </a:effectLst>
+        </a:effectStyle>
+        <a:effectStyle>
+          <a:effectLst>
+            <a:outerShdw blurRad="40000" dist="23000" dir="5400000" rotWithShape="0">
+              <a:srgbClr val="000000">
+                <a:alpha val="35000"/>
+              </a:srgbClr>
+            </a:outerShdw>
+          </a:effectLst>
+        </a:effectStyle>
+        <a:effectStyle>
+          <a:effectLst>
+            <a:outerShdw blurRad="40000" dist="23000" dir="5400000" rotWithShape="0">
+              <a:srgbClr val="000000">
+                <a:alpha val="35000"/>
+              </a:srgbClr>
+            </a:outerShdw>
+          </a:effectLst>
+          <a:scene3d>
+            <a:camera prst="orthographicFront">
+              <a:rot lat="0" lon="0" rev="0"/>
+            </a:camera>
+            <a:lightRig rig="threePt" dir="t">
+              <a:rot lat="0" lon="0" rev="1200000"/>
+            </a:lightRig>
+          </a:scene3d>
+          <a:sp3d>
+            <a:bevelT w="63500" h="25400"/>
+          </a:sp3d>
+        </a:effectStyle>
+      </a:effectStyleLst>
+      <a:bgFillStyleLst>
+        <a:solidFill>
+          <a:schemeClr val="phClr"/>
+        </a:solidFill>
+        <a:gradFill rotWithShape="1">
+          <a:gsLst>
+            <a:gs pos="0">
+              <a:schemeClr val="phClr">
+                <a:tint val="40000"/>
+                <a:satMod val="350000"/>
+              </a:schemeClr>
+            </a:gs>
+            <a:gs pos="40000">
+              <a:schemeClr val="phClr">
+                <a:tint val="45000"/>
+                <a:shade val="99000"/>
+                <a:satMod val="350000"/>
+              </a:schemeClr>
+            </a:gs>
+            <a:gs pos="100000">
+              <a:schemeClr val="phClr">
+                <a:shade val="20000"/>
+                <a:satMod val="255000"/>
+              </a:schemeClr>
+            </a:gs>
+          </a:gsLst>
+          <a:path path="circle">
+            <a:fillToRect l="50000" t="-80000" r="50000" b="180000"/>
+          </a:path>
+        </a:gradFill>
+        <a:gradFill rotWithShape="1">
+          <a:gsLst>
+            <a:gs pos="0">
+              <a:schemeClr val="phClr">
+                <a:tint val="80000"/>
+                <a:satMod val="300000"/>
+              </a:schemeClr>
+            </a:gs>
+            <a:gs pos="100000">
+              <a:schemeClr val="phClr">
+                <a:shade val="30000"/>
+                <a:satMod val="200000"/>
+              </a:schemeClr>
+            </a:gs>
+          </a:gsLst>
+          <a:path path="circle">
+            <a:fillToRect l="50000" t="50000" r="50000" b="50000"/>
+          </a:path>
+        </a:gradFill>
+      </a:bgFillStyleLst>
+    </a:fmtScheme>
+  </a:themeElements>
+</a:theme>
+</file>
+
+<file path=ppt/theme/theme2.xml><?xml version="1.0" encoding="utf-8"?>
 <a:theme xmlns:a="http://schemas.openxmlformats.org/drawingml/2006/main" xmlns:r="http://schemas.openxmlformats.org/officeDocument/2006/relationships">
   <a:themeElements>
     <a:clrScheme name="Default">
@@ -10781,283 +11166,4 @@
     </a:fmtScheme>
   </a:themeElements>
 </a:theme>
-</file>
-
-<file path=ppt/theme/theme2.xml><?xml version="1.0" encoding="utf-8"?>
-<a:theme xmlns:a="http://schemas.openxmlformats.org/drawingml/2006/main" xmlns:r="http://schemas.openxmlformats.org/officeDocument/2006/relationships" name="Streamline">
-  <a:themeElements>
-    <a:clrScheme name="Streamline">
-      <a:dk1>
-        <a:srgbClr val="1A9988"/>
-      </a:dk1>
-      <a:lt1>
-        <a:srgbClr val="FFFFFF"/>
-      </a:lt1>
-      <a:dk2>
-        <a:srgbClr val="1A1A1A"/>
-      </a:dk2>
-      <a:lt2>
-        <a:srgbClr val="E9EDEE"/>
-      </a:lt2>
-      <a:accent1>
-        <a:srgbClr val="595959"/>
-      </a:accent1>
-      <a:accent2>
-        <a:srgbClr val="6AA4C8"/>
-      </a:accent2>
-      <a:accent3>
-        <a:srgbClr val="EB5600"/>
-      </a:accent3>
-      <a:accent4>
-        <a:srgbClr val="A2FFE8"/>
-      </a:accent4>
-      <a:accent5>
-        <a:srgbClr val="1C3678"/>
-      </a:accent5>
-      <a:accent6>
-        <a:srgbClr val="FFB8A2"/>
-      </a:accent6>
-      <a:hlink>
-        <a:srgbClr val="1C3678"/>
-      </a:hlink>
-      <a:folHlink>
-        <a:srgbClr val="1C3678"/>
-      </a:folHlink>
-    </a:clrScheme>
-    <a:fontScheme name="Office">
-      <a:majorFont>
-        <a:latin typeface="Arial"/>
-        <a:ea typeface=""/>
-        <a:cs typeface=""/>
-        <a:font script="Jpan" typeface="ＭＳ Ｐゴシック"/>
-        <a:font script="Hang" typeface="맑은 고딕"/>
-        <a:font script="Hans" typeface="宋体"/>
-        <a:font script="Hant" typeface="新細明體"/>
-        <a:font script="Arab" typeface="Times New Roman"/>
-        <a:font script="Hebr" typeface="Times New Roman"/>
-        <a:font script="Thai" typeface="Angsana New"/>
-        <a:font script="Ethi" typeface="Nyala"/>
-        <a:font script="Beng" typeface="Vrinda"/>
-        <a:font script="Gujr" typeface="Shruti"/>
-        <a:font script="Khmr" typeface="MoolBoran"/>
-        <a:font script="Knda" typeface="Tunga"/>
-        <a:font script="Guru" typeface="Raavi"/>
-        <a:font script="Cans" typeface="Euphemia"/>
-        <a:font script="Cher" typeface="Plantagenet Cherokee"/>
-        <a:font script="Yiii" typeface="Microsoft Yi Baiti"/>
-        <a:font script="Tibt" typeface="Microsoft Himalaya"/>
-        <a:font script="Thaa" typeface="MV Boli"/>
-        <a:font script="Deva" typeface="Mangal"/>
-        <a:font script="Telu" typeface="Gautami"/>
-        <a:font script="Taml" typeface="Latha"/>
-        <a:font script="Syrc" typeface="Estrangelo Edessa"/>
-        <a:font script="Orya" typeface="Kalinga"/>
-        <a:font script="Mlym" typeface="Kartika"/>
-        <a:font script="Laoo" typeface="DokChampa"/>
-        <a:font script="Sinh" typeface="Iskoola Pota"/>
-        <a:font script="Mong" typeface="Mongolian Baiti"/>
-        <a:font script="Viet" typeface="Times New Roman"/>
-        <a:font script="Uigh" typeface="Microsoft Uighur"/>
-        <a:font script="Geor" typeface="Sylfaen"/>
-      </a:majorFont>
-      <a:minorFont>
-        <a:latin typeface="Arial"/>
-        <a:ea typeface=""/>
-        <a:cs typeface=""/>
-        <a:font script="Jpan" typeface="ＭＳ Ｐゴシック"/>
-        <a:font script="Hang" typeface="맑은 고딕"/>
-        <a:font script="Hans" typeface="宋体"/>
-        <a:font script="Hant" typeface="新細明體"/>
-        <a:font script="Arab" typeface="Arial"/>
-        <a:font script="Hebr" typeface="Arial"/>
-        <a:font script="Thai" typeface="Cordia New"/>
-        <a:font script="Ethi" typeface="Nyala"/>
-        <a:font script="Beng" typeface="Vrinda"/>
-        <a:font script="Gujr" typeface="Shruti"/>
-        <a:font script="Khmr" typeface="DaunPenh"/>
-        <a:font script="Knda" typeface="Tunga"/>
-        <a:font script="Guru" typeface="Raavi"/>
-        <a:font script="Cans" typeface="Euphemia"/>
-        <a:font script="Cher" typeface="Plantagenet Cherokee"/>
-        <a:font script="Yiii" typeface="Microsoft Yi Baiti"/>
-        <a:font script="Tibt" typeface="Microsoft Himalaya"/>
-        <a:font script="Thaa" typeface="MV Boli"/>
-        <a:font script="Deva" typeface="Mangal"/>
-        <a:font script="Telu" typeface="Gautami"/>
-        <a:font script="Taml" typeface="Latha"/>
-        <a:font script="Syrc" typeface="Estrangelo Edessa"/>
-        <a:font script="Orya" typeface="Kalinga"/>
-        <a:font script="Mlym" typeface="Kartika"/>
-        <a:font script="Laoo" typeface="DokChampa"/>
-        <a:font script="Sinh" typeface="Iskoola Pota"/>
-        <a:font script="Mong" typeface="Mongolian Baiti"/>
-        <a:font script="Viet" typeface="Arial"/>
-        <a:font script="Uigh" typeface="Microsoft Uighur"/>
-        <a:font script="Geor" typeface="Sylfaen"/>
-      </a:minorFont>
-    </a:fontScheme>
-    <a:fmtScheme name="Office">
-      <a:fillStyleLst>
-        <a:solidFill>
-          <a:schemeClr val="phClr"/>
-        </a:solidFill>
-        <a:gradFill rotWithShape="1">
-          <a:gsLst>
-            <a:gs pos="0">
-              <a:schemeClr val="phClr">
-                <a:tint val="50000"/>
-                <a:satMod val="300000"/>
-              </a:schemeClr>
-            </a:gs>
-            <a:gs pos="35000">
-              <a:schemeClr val="phClr">
-                <a:tint val="37000"/>
-                <a:satMod val="300000"/>
-              </a:schemeClr>
-            </a:gs>
-            <a:gs pos="100000">
-              <a:schemeClr val="phClr">
-                <a:tint val="15000"/>
-                <a:satMod val="350000"/>
-              </a:schemeClr>
-            </a:gs>
-          </a:gsLst>
-          <a:lin ang="16200000" scaled="1"/>
-        </a:gradFill>
-        <a:gradFill rotWithShape="1">
-          <a:gsLst>
-            <a:gs pos="0">
-              <a:schemeClr val="phClr">
-                <a:tint val="100000"/>
-                <a:shade val="100000"/>
-                <a:satMod val="130000"/>
-              </a:schemeClr>
-            </a:gs>
-            <a:gs pos="100000">
-              <a:schemeClr val="phClr">
-                <a:tint val="50000"/>
-                <a:shade val="100000"/>
-                <a:satMod val="350000"/>
-              </a:schemeClr>
-            </a:gs>
-          </a:gsLst>
-          <a:lin ang="16200000" scaled="0"/>
-        </a:gradFill>
-      </a:fillStyleLst>
-      <a:lnStyleLst>
-        <a:ln w="9525" cap="flat" cmpd="sng" algn="ctr">
-          <a:solidFill>
-            <a:schemeClr val="phClr">
-              <a:shade val="95000"/>
-              <a:satMod val="105000"/>
-            </a:schemeClr>
-          </a:solidFill>
-          <a:prstDash val="solid"/>
-        </a:ln>
-        <a:ln w="25400" cap="flat" cmpd="sng" algn="ctr">
-          <a:solidFill>
-            <a:schemeClr val="phClr"/>
-          </a:solidFill>
-          <a:prstDash val="solid"/>
-        </a:ln>
-        <a:ln w="38100" cap="flat" cmpd="sng" algn="ctr">
-          <a:solidFill>
-            <a:schemeClr val="phClr"/>
-          </a:solidFill>
-          <a:prstDash val="solid"/>
-        </a:ln>
-      </a:lnStyleLst>
-      <a:effectStyleLst>
-        <a:effectStyle>
-          <a:effectLst>
-            <a:outerShdw blurRad="40000" dist="20000" dir="5400000" rotWithShape="0">
-              <a:srgbClr val="000000">
-                <a:alpha val="38000"/>
-              </a:srgbClr>
-            </a:outerShdw>
-          </a:effectLst>
-        </a:effectStyle>
-        <a:effectStyle>
-          <a:effectLst>
-            <a:outerShdw blurRad="40000" dist="23000" dir="5400000" rotWithShape="0">
-              <a:srgbClr val="000000">
-                <a:alpha val="35000"/>
-              </a:srgbClr>
-            </a:outerShdw>
-          </a:effectLst>
-        </a:effectStyle>
-        <a:effectStyle>
-          <a:effectLst>
-            <a:outerShdw blurRad="40000" dist="23000" dir="5400000" rotWithShape="0">
-              <a:srgbClr val="000000">
-                <a:alpha val="35000"/>
-              </a:srgbClr>
-            </a:outerShdw>
-          </a:effectLst>
-          <a:scene3d>
-            <a:camera prst="orthographicFront">
-              <a:rot lat="0" lon="0" rev="0"/>
-            </a:camera>
-            <a:lightRig rig="threePt" dir="t">
-              <a:rot lat="0" lon="0" rev="1200000"/>
-            </a:lightRig>
-          </a:scene3d>
-          <a:sp3d>
-            <a:bevelT w="63500" h="25400"/>
-          </a:sp3d>
-        </a:effectStyle>
-      </a:effectStyleLst>
-      <a:bgFillStyleLst>
-        <a:solidFill>
-          <a:schemeClr val="phClr"/>
-        </a:solidFill>
-        <a:gradFill rotWithShape="1">
-          <a:gsLst>
-            <a:gs pos="0">
-              <a:schemeClr val="phClr">
-                <a:tint val="40000"/>
-                <a:satMod val="350000"/>
-              </a:schemeClr>
-            </a:gs>
-            <a:gs pos="40000">
-              <a:schemeClr val="phClr">
-                <a:tint val="45000"/>
-                <a:shade val="99000"/>
-                <a:satMod val="350000"/>
-              </a:schemeClr>
-            </a:gs>
-            <a:gs pos="100000">
-              <a:schemeClr val="phClr">
-                <a:shade val="20000"/>
-                <a:satMod val="255000"/>
-              </a:schemeClr>
-            </a:gs>
-          </a:gsLst>
-          <a:path path="circle">
-            <a:fillToRect l="50000" t="-80000" r="50000" b="180000"/>
-          </a:path>
-        </a:gradFill>
-        <a:gradFill rotWithShape="1">
-          <a:gsLst>
-            <a:gs pos="0">
-              <a:schemeClr val="phClr">
-                <a:tint val="80000"/>
-                <a:satMod val="300000"/>
-              </a:schemeClr>
-            </a:gs>
-            <a:gs pos="100000">
-              <a:schemeClr val="phClr">
-                <a:shade val="30000"/>
-                <a:satMod val="200000"/>
-              </a:schemeClr>
-            </a:gs>
-          </a:gsLst>
-          <a:path path="circle">
-            <a:fillToRect l="50000" t="50000" r="50000" b="50000"/>
-          </a:path>
-        </a:gradFill>
-      </a:bgFillStyleLst>
-    </a:fmtScheme>
-  </a:themeElements>
-</a:theme>
 </file>
--- a/Project-01/Group Project Presentation.pptx
+++ b/Project-01/Group Project Presentation.pptx
@@ -18,23 +18,26 @@
     <p:sldId id="263" r:id="rId13"/>
     <p:sldId id="264" r:id="rId14"/>
     <p:sldId id="265" r:id="rId15"/>
+    <p:sldId id="266" r:id="rId16"/>
+    <p:sldId id="267" r:id="rId17"/>
+    <p:sldId id="268" r:id="rId18"/>
   </p:sldIdLst>
   <p:sldSz cy="5143500" cx="9144000"/>
   <p:notesSz cx="6858000" cy="9144000"/>
   <p:embeddedFontLst>
     <p:embeddedFont>
       <p:font typeface="Raleway"/>
-      <p:regular r:id="rId16"/>
-      <p:bold r:id="rId17"/>
-      <p:italic r:id="rId18"/>
-      <p:boldItalic r:id="rId19"/>
+      <p:regular r:id="rId19"/>
+      <p:bold r:id="rId20"/>
+      <p:italic r:id="rId21"/>
+      <p:boldItalic r:id="rId22"/>
     </p:embeddedFont>
     <p:embeddedFont>
       <p:font typeface="Lato"/>
-      <p:regular r:id="rId20"/>
-      <p:bold r:id="rId21"/>
-      <p:italic r:id="rId22"/>
-      <p:boldItalic r:id="rId23"/>
+      <p:regular r:id="rId23"/>
+      <p:bold r:id="rId24"/>
+      <p:italic r:id="rId25"/>
+      <p:boldItalic r:id="rId26"/>
     </p:embeddedFont>
   </p:embeddedFontLst>
   <p:defaultTextStyle>
@@ -815,7 +818,7 @@
   <p:cSld>
     <p:spTree>
       <p:nvGrpSpPr>
-        <p:cNvPr id="136" name="Shape 136"/>
+        <p:cNvPr id="145" name="Shape 145"/>
         <p:cNvGrpSpPr/>
         <p:nvPr/>
       </p:nvGrpSpPr>
@@ -829,7 +832,7 @@
       </p:grpSpPr>
       <p:sp>
         <p:nvSpPr>
-          <p:cNvPr id="137" name="Google Shape;137;gbb5ae0c435_0_398:notes"/>
+          <p:cNvPr id="146" name="Google Shape;146;gbb5ae0c435_0_658:notes"/>
           <p:cNvSpPr/>
           <p:nvPr>
             <p:ph idx="2" type="sldImg"/>
@@ -864,7 +867,304 @@
       </p:sp>
       <p:sp>
         <p:nvSpPr>
-          <p:cNvPr id="138" name="Google Shape;138;gbb5ae0c435_0_398:notes"/>
+          <p:cNvPr id="147" name="Google Shape;147;gbb5ae0c435_0_658:notes"/>
+          <p:cNvSpPr txBox="1"/>
+          <p:nvPr>
+            <p:ph idx="1" type="body"/>
+          </p:nvPr>
+        </p:nvSpPr>
+        <p:spPr>
+          <a:xfrm>
+            <a:off x="685800" y="4343400"/>
+            <a:ext cx="5486400" cy="4114800"/>
+          </a:xfrm>
+          <a:prstGeom prst="rect">
+            <a:avLst/>
+          </a:prstGeom>
+        </p:spPr>
+        <p:txBody>
+          <a:bodyPr anchorCtr="0" anchor="t" bIns="91425" lIns="91425" spcFirstLastPara="1" rIns="91425" wrap="square" tIns="91425">
+            <a:noAutofit/>
+          </a:bodyPr>
+          <a:lstStyle/>
+          <a:p>
+            <a:pPr indent="0" lvl="0" marL="0" rtl="0" algn="l">
+              <a:spcBef>
+                <a:spcPts val="0"/>
+              </a:spcBef>
+              <a:spcAft>
+                <a:spcPts val="0"/>
+              </a:spcAft>
+              <a:buNone/>
+            </a:pPr>
+            <a:r>
+              <a:t/>
+            </a:r>
+            <a:endParaRPr/>
+          </a:p>
+        </p:txBody>
+      </p:sp>
+    </p:spTree>
+  </p:cSld>
+  <p:clrMapOvr>
+    <a:masterClrMapping/>
+  </p:clrMapOvr>
+</p:notes>
+</file>
+
+<file path=ppt/notesSlides/notesSlide11.xml><?xml version="1.0" encoding="utf-8"?>
+<p:notes xmlns:a="http://schemas.openxmlformats.org/drawingml/2006/main" xmlns:r="http://schemas.openxmlformats.org/officeDocument/2006/relationships" xmlns:mc="http://schemas.openxmlformats.org/markup-compatibility/2006" xmlns:mv="urn:schemas-microsoft-com:mac:vml" xmlns:p="http://schemas.openxmlformats.org/presentationml/2006/main" xmlns:c="http://schemas.openxmlformats.org/drawingml/2006/chart" xmlns:dgm="http://schemas.openxmlformats.org/drawingml/2006/diagram" xmlns:o="urn:schemas-microsoft-com:office:office" xmlns:v="urn:schemas-microsoft-com:vml" xmlns:pvml="urn:schemas-microsoft-com:office:powerpoint" xmlns:com="http://schemas.openxmlformats.org/drawingml/2006/compatibility" xmlns:p14="http://schemas.microsoft.com/office/powerpoint/2010/main" xmlns:p15="http://schemas.microsoft.com/office/powerpoint/2012/main" xmlns:ahyp="http://schemas.microsoft.com/office/drawing/2018/hyperlinkcolor" showMasterPhAnim="0" showMasterSp="0">
+  <p:cSld>
+    <p:spTree>
+      <p:nvGrpSpPr>
+        <p:cNvPr id="154" name="Shape 154"/>
+        <p:cNvGrpSpPr/>
+        <p:nvPr/>
+      </p:nvGrpSpPr>
+      <p:grpSpPr>
+        <a:xfrm>
+          <a:off x="0" y="0"/>
+          <a:ext cx="0" cy="0"/>
+          <a:chOff x="0" y="0"/>
+          <a:chExt cx="0" cy="0"/>
+        </a:xfrm>
+      </p:grpSpPr>
+      <p:sp>
+        <p:nvSpPr>
+          <p:cNvPr id="155" name="Google Shape;155;gbb0d8e30df_0_2:notes"/>
+          <p:cNvSpPr/>
+          <p:nvPr>
+            <p:ph idx="2" type="sldImg"/>
+          </p:nvPr>
+        </p:nvSpPr>
+        <p:spPr>
+          <a:xfrm>
+            <a:off x="381300" y="685800"/>
+            <a:ext cx="6096000" cy="3429000"/>
+          </a:xfrm>
+          <a:custGeom>
+            <a:rect b="b" l="l" r="r" t="t"/>
+            <a:pathLst>
+              <a:path extrusionOk="0" h="120000" w="120000">
+                <a:moveTo>
+                  <a:pt x="0" y="0"/>
+                </a:moveTo>
+                <a:lnTo>
+                  <a:pt x="120000" y="0"/>
+                </a:lnTo>
+                <a:lnTo>
+                  <a:pt x="120000" y="120000"/>
+                </a:lnTo>
+                <a:lnTo>
+                  <a:pt x="0" y="120000"/>
+                </a:lnTo>
+                <a:close/>
+              </a:path>
+            </a:pathLst>
+          </a:custGeom>
+        </p:spPr>
+      </p:sp>
+      <p:sp>
+        <p:nvSpPr>
+          <p:cNvPr id="156" name="Google Shape;156;gbb0d8e30df_0_2:notes"/>
+          <p:cNvSpPr txBox="1"/>
+          <p:nvPr>
+            <p:ph idx="1" type="body"/>
+          </p:nvPr>
+        </p:nvSpPr>
+        <p:spPr>
+          <a:xfrm>
+            <a:off x="685800" y="4343400"/>
+            <a:ext cx="5486400" cy="4114800"/>
+          </a:xfrm>
+          <a:prstGeom prst="rect">
+            <a:avLst/>
+          </a:prstGeom>
+        </p:spPr>
+        <p:txBody>
+          <a:bodyPr anchorCtr="0" anchor="t" bIns="91425" lIns="91425" spcFirstLastPara="1" rIns="91425" wrap="square" tIns="91425">
+            <a:noAutofit/>
+          </a:bodyPr>
+          <a:lstStyle/>
+          <a:p>
+            <a:pPr indent="0" lvl="0" marL="0" rtl="0" algn="l">
+              <a:spcBef>
+                <a:spcPts val="0"/>
+              </a:spcBef>
+              <a:spcAft>
+                <a:spcPts val="0"/>
+              </a:spcAft>
+              <a:buNone/>
+            </a:pPr>
+            <a:r>
+              <a:t/>
+            </a:r>
+            <a:endParaRPr/>
+          </a:p>
+        </p:txBody>
+      </p:sp>
+    </p:spTree>
+  </p:cSld>
+  <p:clrMapOvr>
+    <a:masterClrMapping/>
+  </p:clrMapOvr>
+</p:notes>
+</file>
+
+<file path=ppt/notesSlides/notesSlide12.xml><?xml version="1.0" encoding="utf-8"?>
+<p:notes xmlns:a="http://schemas.openxmlformats.org/drawingml/2006/main" xmlns:r="http://schemas.openxmlformats.org/officeDocument/2006/relationships" xmlns:mc="http://schemas.openxmlformats.org/markup-compatibility/2006" xmlns:mv="urn:schemas-microsoft-com:mac:vml" xmlns:p="http://schemas.openxmlformats.org/presentationml/2006/main" xmlns:c="http://schemas.openxmlformats.org/drawingml/2006/chart" xmlns:dgm="http://schemas.openxmlformats.org/drawingml/2006/diagram" xmlns:o="urn:schemas-microsoft-com:office:office" xmlns:v="urn:schemas-microsoft-com:vml" xmlns:pvml="urn:schemas-microsoft-com:office:powerpoint" xmlns:com="http://schemas.openxmlformats.org/drawingml/2006/compatibility" xmlns:p14="http://schemas.microsoft.com/office/powerpoint/2010/main" xmlns:p15="http://schemas.microsoft.com/office/powerpoint/2012/main" xmlns:ahyp="http://schemas.microsoft.com/office/drawing/2018/hyperlinkcolor" showMasterPhAnim="0" showMasterSp="0">
+  <p:cSld>
+    <p:spTree>
+      <p:nvGrpSpPr>
+        <p:cNvPr id="161" name="Shape 161"/>
+        <p:cNvGrpSpPr/>
+        <p:nvPr/>
+      </p:nvGrpSpPr>
+      <p:grpSpPr>
+        <a:xfrm>
+          <a:off x="0" y="0"/>
+          <a:ext cx="0" cy="0"/>
+          <a:chOff x="0" y="0"/>
+          <a:chExt cx="0" cy="0"/>
+        </a:xfrm>
+      </p:grpSpPr>
+      <p:sp>
+        <p:nvSpPr>
+          <p:cNvPr id="162" name="Google Shape;162;gbb0d8e30df_2_0:notes"/>
+          <p:cNvSpPr/>
+          <p:nvPr>
+            <p:ph idx="2" type="sldImg"/>
+          </p:nvPr>
+        </p:nvSpPr>
+        <p:spPr>
+          <a:xfrm>
+            <a:off x="381300" y="685800"/>
+            <a:ext cx="6096000" cy="3429000"/>
+          </a:xfrm>
+          <a:custGeom>
+            <a:rect b="b" l="l" r="r" t="t"/>
+            <a:pathLst>
+              <a:path extrusionOk="0" h="120000" w="120000">
+                <a:moveTo>
+                  <a:pt x="0" y="0"/>
+                </a:moveTo>
+                <a:lnTo>
+                  <a:pt x="120000" y="0"/>
+                </a:lnTo>
+                <a:lnTo>
+                  <a:pt x="120000" y="120000"/>
+                </a:lnTo>
+                <a:lnTo>
+                  <a:pt x="0" y="120000"/>
+                </a:lnTo>
+                <a:close/>
+              </a:path>
+            </a:pathLst>
+          </a:custGeom>
+        </p:spPr>
+      </p:sp>
+      <p:sp>
+        <p:nvSpPr>
+          <p:cNvPr id="163" name="Google Shape;163;gbb0d8e30df_2_0:notes"/>
+          <p:cNvSpPr txBox="1"/>
+          <p:nvPr>
+            <p:ph idx="1" type="body"/>
+          </p:nvPr>
+        </p:nvSpPr>
+        <p:spPr>
+          <a:xfrm>
+            <a:off x="685800" y="4343400"/>
+            <a:ext cx="5486400" cy="4114800"/>
+          </a:xfrm>
+          <a:prstGeom prst="rect">
+            <a:avLst/>
+          </a:prstGeom>
+        </p:spPr>
+        <p:txBody>
+          <a:bodyPr anchorCtr="0" anchor="t" bIns="91425" lIns="91425" spcFirstLastPara="1" rIns="91425" wrap="square" tIns="91425">
+            <a:noAutofit/>
+          </a:bodyPr>
+          <a:lstStyle/>
+          <a:p>
+            <a:pPr indent="0" lvl="0" marL="0" rtl="0" algn="l">
+              <a:spcBef>
+                <a:spcPts val="0"/>
+              </a:spcBef>
+              <a:spcAft>
+                <a:spcPts val="0"/>
+              </a:spcAft>
+              <a:buNone/>
+            </a:pPr>
+            <a:r>
+              <a:t/>
+            </a:r>
+            <a:endParaRPr/>
+          </a:p>
+        </p:txBody>
+      </p:sp>
+    </p:spTree>
+  </p:cSld>
+  <p:clrMapOvr>
+    <a:masterClrMapping/>
+  </p:clrMapOvr>
+</p:notes>
+</file>
+
+<file path=ppt/notesSlides/notesSlide13.xml><?xml version="1.0" encoding="utf-8"?>
+<p:notes xmlns:a="http://schemas.openxmlformats.org/drawingml/2006/main" xmlns:r="http://schemas.openxmlformats.org/officeDocument/2006/relationships" xmlns:mc="http://schemas.openxmlformats.org/markup-compatibility/2006" xmlns:mv="urn:schemas-microsoft-com:mac:vml" xmlns:p="http://schemas.openxmlformats.org/presentationml/2006/main" xmlns:c="http://schemas.openxmlformats.org/drawingml/2006/chart" xmlns:dgm="http://schemas.openxmlformats.org/drawingml/2006/diagram" xmlns:o="urn:schemas-microsoft-com:office:office" xmlns:v="urn:schemas-microsoft-com:vml" xmlns:pvml="urn:schemas-microsoft-com:office:powerpoint" xmlns:com="http://schemas.openxmlformats.org/drawingml/2006/compatibility" xmlns:p14="http://schemas.microsoft.com/office/powerpoint/2010/main" xmlns:p15="http://schemas.microsoft.com/office/powerpoint/2012/main" xmlns:ahyp="http://schemas.microsoft.com/office/drawing/2018/hyperlinkcolor" showMasterPhAnim="0" showMasterSp="0">
+  <p:cSld>
+    <p:spTree>
+      <p:nvGrpSpPr>
+        <p:cNvPr id="170" name="Shape 170"/>
+        <p:cNvGrpSpPr/>
+        <p:nvPr/>
+      </p:nvGrpSpPr>
+      <p:grpSpPr>
+        <a:xfrm>
+          <a:off x="0" y="0"/>
+          <a:ext cx="0" cy="0"/>
+          <a:chOff x="0" y="0"/>
+          <a:chExt cx="0" cy="0"/>
+        </a:xfrm>
+      </p:grpSpPr>
+      <p:sp>
+        <p:nvSpPr>
+          <p:cNvPr id="171" name="Google Shape;171;gbb5ae0c435_0_398:notes"/>
+          <p:cNvSpPr/>
+          <p:nvPr>
+            <p:ph idx="2" type="sldImg"/>
+          </p:nvPr>
+        </p:nvSpPr>
+        <p:spPr>
+          <a:xfrm>
+            <a:off x="381300" y="685800"/>
+            <a:ext cx="6096000" cy="3429000"/>
+          </a:xfrm>
+          <a:custGeom>
+            <a:rect b="b" l="l" r="r" t="t"/>
+            <a:pathLst>
+              <a:path extrusionOk="0" h="120000" w="120000">
+                <a:moveTo>
+                  <a:pt x="0" y="0"/>
+                </a:moveTo>
+                <a:lnTo>
+                  <a:pt x="120000" y="0"/>
+                </a:lnTo>
+                <a:lnTo>
+                  <a:pt x="120000" y="120000"/>
+                </a:lnTo>
+                <a:lnTo>
+                  <a:pt x="0" y="120000"/>
+                </a:lnTo>
+                <a:close/>
+              </a:path>
+            </a:pathLst>
+          </a:custGeom>
+        </p:spPr>
+      </p:sp>
+      <p:sp>
+        <p:nvSpPr>
+          <p:cNvPr id="172" name="Google Shape;172;gbb5ae0c435_0_398:notes"/>
           <p:cNvSpPr txBox="1"/>
           <p:nvPr>
             <p:ph idx="1" type="body"/>
@@ -1013,7 +1313,7 @@
   <p:cSld>
     <p:spTree>
       <p:nvGrpSpPr>
-        <p:cNvPr id="94" name="Shape 94"/>
+        <p:cNvPr id="95" name="Shape 95"/>
         <p:cNvGrpSpPr/>
         <p:nvPr/>
       </p:nvGrpSpPr>
@@ -1027,7 +1327,7 @@
       </p:grpSpPr>
       <p:sp>
         <p:nvSpPr>
-          <p:cNvPr id="95" name="Google Shape;95;gbb5ae0c435_0_383:notes"/>
+          <p:cNvPr id="96" name="Google Shape;96;gbb5ae0c435_0_383:notes"/>
           <p:cNvSpPr/>
           <p:nvPr>
             <p:ph idx="2" type="sldImg"/>
@@ -1062,7 +1362,7 @@
       </p:sp>
       <p:sp>
         <p:nvSpPr>
-          <p:cNvPr id="96" name="Google Shape;96;gbb5ae0c435_0_383:notes"/>
+          <p:cNvPr id="97" name="Google Shape;97;gbb5ae0c435_0_383:notes"/>
           <p:cNvSpPr txBox="1"/>
           <p:nvPr>
             <p:ph idx="1" type="body"/>
@@ -1112,7 +1412,7 @@
   <p:cSld>
     <p:spTree>
       <p:nvGrpSpPr>
-        <p:cNvPr id="100" name="Shape 100"/>
+        <p:cNvPr id="102" name="Shape 102"/>
         <p:cNvGrpSpPr/>
         <p:nvPr/>
       </p:nvGrpSpPr>
@@ -1126,7 +1426,7 @@
       </p:grpSpPr>
       <p:sp>
         <p:nvSpPr>
-          <p:cNvPr id="101" name="Google Shape;101;gbb5ae0c435_0_388:notes"/>
+          <p:cNvPr id="103" name="Google Shape;103;gbb5ae0c435_0_388:notes"/>
           <p:cNvSpPr/>
           <p:nvPr>
             <p:ph idx="2" type="sldImg"/>
@@ -1161,7 +1461,7 @@
       </p:sp>
       <p:sp>
         <p:nvSpPr>
-          <p:cNvPr id="102" name="Google Shape;102;gbb5ae0c435_0_388:notes"/>
+          <p:cNvPr id="104" name="Google Shape;104;gbb5ae0c435_0_388:notes"/>
           <p:cNvSpPr txBox="1"/>
           <p:nvPr>
             <p:ph idx="1" type="body"/>
@@ -1211,7 +1511,7 @@
   <p:cSld>
     <p:spTree>
       <p:nvGrpSpPr>
-        <p:cNvPr id="106" name="Shape 106"/>
+        <p:cNvPr id="109" name="Shape 109"/>
         <p:cNvGrpSpPr/>
         <p:nvPr/>
       </p:nvGrpSpPr>
@@ -1225,7 +1525,7 @@
       </p:grpSpPr>
       <p:sp>
         <p:nvSpPr>
-          <p:cNvPr id="107" name="Google Shape;107;gbb5ae0c435_0_421:notes"/>
+          <p:cNvPr id="110" name="Google Shape;110;gbb5ae0c435_0_421:notes"/>
           <p:cNvSpPr/>
           <p:nvPr>
             <p:ph idx="2" type="sldImg"/>
@@ -1260,7 +1560,7 @@
       </p:sp>
       <p:sp>
         <p:nvSpPr>
-          <p:cNvPr id="108" name="Google Shape;108;gbb5ae0c435_0_421:notes"/>
+          <p:cNvPr id="111" name="Google Shape;111;gbb5ae0c435_0_421:notes"/>
           <p:cNvSpPr txBox="1"/>
           <p:nvPr>
             <p:ph idx="1" type="body"/>
@@ -1310,7 +1610,7 @@
   <p:cSld>
     <p:spTree>
       <p:nvGrpSpPr>
-        <p:cNvPr id="112" name="Shape 112"/>
+        <p:cNvPr id="116" name="Shape 116"/>
         <p:cNvGrpSpPr/>
         <p:nvPr/>
       </p:nvGrpSpPr>
@@ -1324,7 +1624,7 @@
       </p:grpSpPr>
       <p:sp>
         <p:nvSpPr>
-          <p:cNvPr id="113" name="Google Shape;113;gbb5ae0c435_0_409:notes"/>
+          <p:cNvPr id="117" name="Google Shape;117;gbb5ae0c435_0_409:notes"/>
           <p:cNvSpPr/>
           <p:nvPr>
             <p:ph idx="2" type="sldImg"/>
@@ -1359,7 +1659,7 @@
       </p:sp>
       <p:sp>
         <p:nvSpPr>
-          <p:cNvPr id="114" name="Google Shape;114;gbb5ae0c435_0_409:notes"/>
+          <p:cNvPr id="118" name="Google Shape;118;gbb5ae0c435_0_409:notes"/>
           <p:cNvSpPr txBox="1"/>
           <p:nvPr>
             <p:ph idx="1" type="body"/>
@@ -1409,7 +1709,7 @@
   <p:cSld>
     <p:spTree>
       <p:nvGrpSpPr>
-        <p:cNvPr id="118" name="Shape 118"/>
+        <p:cNvPr id="123" name="Shape 123"/>
         <p:cNvGrpSpPr/>
         <p:nvPr/>
       </p:nvGrpSpPr>
@@ -1423,7 +1723,7 @@
       </p:grpSpPr>
       <p:sp>
         <p:nvSpPr>
-          <p:cNvPr id="119" name="Google Shape;119;gbb5ae0c435_0_415:notes"/>
+          <p:cNvPr id="124" name="Google Shape;124;gbb5ae0c435_0_415:notes"/>
           <p:cNvSpPr/>
           <p:nvPr>
             <p:ph idx="2" type="sldImg"/>
@@ -1458,7 +1758,7 @@
       </p:sp>
       <p:sp>
         <p:nvSpPr>
-          <p:cNvPr id="120" name="Google Shape;120;gbb5ae0c435_0_415:notes"/>
+          <p:cNvPr id="125" name="Google Shape;125;gbb5ae0c435_0_415:notes"/>
           <p:cNvSpPr txBox="1"/>
           <p:nvPr>
             <p:ph idx="1" type="body"/>
@@ -1508,7 +1808,7 @@
   <p:cSld>
     <p:spTree>
       <p:nvGrpSpPr>
-        <p:cNvPr id="124" name="Shape 124"/>
+        <p:cNvPr id="131" name="Shape 131"/>
         <p:cNvGrpSpPr/>
         <p:nvPr/>
       </p:nvGrpSpPr>
@@ -1522,7 +1822,7 @@
       </p:grpSpPr>
       <p:sp>
         <p:nvSpPr>
-          <p:cNvPr id="125" name="Google Shape;125;gbb5ae0c435_0_393:notes"/>
+          <p:cNvPr id="132" name="Google Shape;132;gbb0d8e30df_3_10:notes"/>
           <p:cNvSpPr/>
           <p:nvPr>
             <p:ph idx="2" type="sldImg"/>
@@ -1557,7 +1857,7 @@
       </p:sp>
       <p:sp>
         <p:nvSpPr>
-          <p:cNvPr id="126" name="Google Shape;126;gbb5ae0c435_0_393:notes"/>
+          <p:cNvPr id="133" name="Google Shape;133;gbb0d8e30df_3_10:notes"/>
           <p:cNvSpPr txBox="1"/>
           <p:nvPr>
             <p:ph idx="1" type="body"/>
@@ -1607,7 +1907,7 @@
   <p:cSld>
     <p:spTree>
       <p:nvGrpSpPr>
-        <p:cNvPr id="130" name="Shape 130"/>
+        <p:cNvPr id="138" name="Shape 138"/>
         <p:cNvGrpSpPr/>
         <p:nvPr/>
       </p:nvGrpSpPr>
@@ -1621,7 +1921,7 @@
       </p:grpSpPr>
       <p:sp>
         <p:nvSpPr>
-          <p:cNvPr id="131" name="Google Shape;131;gbb5ae0c435_0_658:notes"/>
+          <p:cNvPr id="139" name="Google Shape;139;gbb5ae0c435_0_393:notes"/>
           <p:cNvSpPr/>
           <p:nvPr>
             <p:ph idx="2" type="sldImg"/>
@@ -1656,7 +1956,7 @@
       </p:sp>
       <p:sp>
         <p:nvSpPr>
-          <p:cNvPr id="132" name="Google Shape;132;gbb5ae0c435_0_658:notes"/>
+          <p:cNvPr id="140" name="Google Shape;140;gbb5ae0c435_0_393:notes"/>
           <p:cNvSpPr txBox="1"/>
           <p:nvPr>
             <p:ph idx="1" type="body"/>
@@ -8024,7 +8324,7 @@
         </p:spPr>
         <p:txBody>
           <a:bodyPr anchorCtr="0" anchor="t" bIns="91425" lIns="91425" spcFirstLastPara="1" rIns="91425" wrap="square" tIns="91425">
-            <a:normAutofit/>
+            <a:normAutofit fontScale="90000"/>
           </a:bodyPr>
           <a:lstStyle/>
           <a:p>
@@ -8039,9 +8339,25 @@
             </a:pPr>
             <a:r>
               <a:rPr lang="en-GB"/>
-              <a:t>Group Project Analysis </a:t>
+              <a:t>Group Project 1:</a:t>
             </a:r>
             <a:endParaRPr/>
+          </a:p>
+          <a:p>
+            <a:pPr indent="0" lvl="0" marL="0" rtl="0" algn="l">
+              <a:spcBef>
+                <a:spcPts val="0"/>
+              </a:spcBef>
+              <a:spcAft>
+                <a:spcPts val="0"/>
+              </a:spcAft>
+              <a:buNone/>
+            </a:pPr>
+            <a:r>
+              <a:rPr i="1" lang="en-GB"/>
+              <a:t>Market Indicators &amp; Political Influences Related to Stock Market Index </a:t>
+            </a:r>
+            <a:endParaRPr i="1"/>
           </a:p>
         </p:txBody>
       </p:sp>
@@ -8055,7 +8371,7 @@
         </p:nvSpPr>
         <p:spPr>
           <a:xfrm>
-            <a:off x="729627" y="3172900"/>
+            <a:off x="727952" y="4112775"/>
             <a:ext cx="7688100" cy="541200"/>
           </a:xfrm>
           <a:prstGeom prst="rect">
@@ -8068,7 +8384,7 @@
           </a:bodyPr>
           <a:lstStyle/>
           <a:p>
-            <a:pPr indent="0" lvl="0" marL="0" rtl="0" algn="l">
+            <a:pPr indent="0" lvl="0" marL="0" rtl="0" algn="r">
               <a:spcBef>
                 <a:spcPts val="0"/>
               </a:spcBef>
@@ -8098,7 +8414,7 @@
   <p:cSld>
     <p:spTree>
       <p:nvGrpSpPr>
-        <p:cNvPr id="139" name="Shape 139"/>
+        <p:cNvPr id="148" name="Shape 148"/>
         <p:cNvGrpSpPr/>
         <p:nvPr/>
       </p:nvGrpSpPr>
@@ -8112,7 +8428,7 @@
       </p:grpSpPr>
       <p:sp>
         <p:nvSpPr>
-          <p:cNvPr id="140" name="Google Shape;140;p22"/>
+          <p:cNvPr id="149" name="Google Shape;149;p22"/>
           <p:cNvSpPr txBox="1"/>
           <p:nvPr>
             <p:ph type="title"/>
@@ -8144,6 +8460,684 @@
             </a:pPr>
             <a:r>
               <a:rPr lang="en-GB"/>
+              <a:t>Summary</a:t>
+            </a:r>
+            <a:endParaRPr/>
+          </a:p>
+        </p:txBody>
+      </p:sp>
+      <p:sp>
+        <p:nvSpPr>
+          <p:cNvPr id="150" name="Google Shape;150;p22"/>
+          <p:cNvSpPr txBox="1"/>
+          <p:nvPr>
+            <p:ph idx="1" type="body"/>
+          </p:nvPr>
+        </p:nvSpPr>
+        <p:spPr>
+          <a:xfrm>
+            <a:off x="195400" y="2010500"/>
+            <a:ext cx="8087700" cy="535200"/>
+          </a:xfrm>
+          <a:prstGeom prst="rect">
+            <a:avLst/>
+          </a:prstGeom>
+        </p:spPr>
+        <p:txBody>
+          <a:bodyPr anchorCtr="0" anchor="t" bIns="91425" lIns="91425" spcFirstLastPara="1" rIns="91425" wrap="square" tIns="91425">
+            <a:noAutofit/>
+          </a:bodyPr>
+          <a:lstStyle/>
+          <a:p>
+            <a:pPr indent="-304800" lvl="0" marL="457200" rtl="0" algn="l">
+              <a:spcBef>
+                <a:spcPts val="0"/>
+              </a:spcBef>
+              <a:spcAft>
+                <a:spcPts val="0"/>
+              </a:spcAft>
+              <a:buClr>
+                <a:srgbClr val="000000"/>
+              </a:buClr>
+              <a:buSzPts val="1200"/>
+              <a:buFont typeface="Trebuchet MS"/>
+              <a:buChar char="●"/>
+            </a:pPr>
+            <a:r>
+              <a:rPr lang="en-GB" sz="1200">
+                <a:solidFill>
+                  <a:srgbClr val="000000"/>
+                </a:solidFill>
+              </a:rPr>
+              <a:t>Crude Oil has become more correlated to S&amp;P 500 </a:t>
+            </a:r>
+            <a:endParaRPr sz="1200">
+              <a:solidFill>
+                <a:srgbClr val="000000"/>
+              </a:solidFill>
+            </a:endParaRPr>
+          </a:p>
+          <a:p>
+            <a:pPr indent="0" lvl="0" marL="457200" rtl="0" algn="l">
+              <a:spcBef>
+                <a:spcPts val="600"/>
+              </a:spcBef>
+              <a:spcAft>
+                <a:spcPts val="0"/>
+              </a:spcAft>
+              <a:buNone/>
+            </a:pPr>
+            <a:r>
+              <a:rPr lang="en-GB" sz="1200">
+                <a:solidFill>
+                  <a:srgbClr val="000000"/>
+                </a:solidFill>
+              </a:rPr>
+              <a:t>than gold.</a:t>
+            </a:r>
+            <a:endParaRPr sz="1200">
+              <a:solidFill>
+                <a:srgbClr val="000000"/>
+              </a:solidFill>
+            </a:endParaRPr>
+          </a:p>
+          <a:p>
+            <a:pPr indent="0" lvl="0" marL="0" rtl="0" algn="l">
+              <a:spcBef>
+                <a:spcPts val="600"/>
+              </a:spcBef>
+              <a:spcAft>
+                <a:spcPts val="1200"/>
+              </a:spcAft>
+              <a:buNone/>
+            </a:pPr>
+            <a:r>
+              <a:t/>
+            </a:r>
+            <a:endParaRPr sz="1000"/>
+          </a:p>
+        </p:txBody>
+      </p:sp>
+      <p:pic>
+        <p:nvPicPr>
+          <p:cNvPr id="151" name="Google Shape;151;p22"/>
+          <p:cNvPicPr preferRelativeResize="0"/>
+          <p:nvPr/>
+        </p:nvPicPr>
+        <p:blipFill rotWithShape="1">
+          <a:blip r:embed="rId3">
+            <a:alphaModFix/>
+          </a:blip>
+          <a:srcRect b="0" l="0" r="8966" t="0"/>
+          <a:stretch/>
+        </p:blipFill>
+        <p:spPr>
+          <a:xfrm>
+            <a:off x="4367625" y="1115375"/>
+            <a:ext cx="4050524" cy="2325426"/>
+          </a:xfrm>
+          <a:prstGeom prst="rect">
+            <a:avLst/>
+          </a:prstGeom>
+          <a:noFill/>
+          <a:ln>
+            <a:noFill/>
+          </a:ln>
+        </p:spPr>
+      </p:pic>
+      <p:pic>
+        <p:nvPicPr>
+          <p:cNvPr id="152" name="Google Shape;152;p22"/>
+          <p:cNvPicPr preferRelativeResize="0"/>
+          <p:nvPr/>
+        </p:nvPicPr>
+        <p:blipFill rotWithShape="1">
+          <a:blip r:embed="rId4">
+            <a:alphaModFix/>
+          </a:blip>
+          <a:srcRect b="0" l="0" r="8966" t="0"/>
+          <a:stretch/>
+        </p:blipFill>
+        <p:spPr>
+          <a:xfrm>
+            <a:off x="195400" y="2702350"/>
+            <a:ext cx="4050524" cy="2261100"/>
+          </a:xfrm>
+          <a:prstGeom prst="rect">
+            <a:avLst/>
+          </a:prstGeom>
+          <a:noFill/>
+          <a:ln>
+            <a:noFill/>
+          </a:ln>
+        </p:spPr>
+      </p:pic>
+      <p:sp>
+        <p:nvSpPr>
+          <p:cNvPr id="153" name="Google Shape;153;p22"/>
+          <p:cNvSpPr txBox="1"/>
+          <p:nvPr/>
+        </p:nvSpPr>
+        <p:spPr>
+          <a:xfrm>
+            <a:off x="4367625" y="3708125"/>
+            <a:ext cx="4449600" cy="766500"/>
+          </a:xfrm>
+          <a:prstGeom prst="rect">
+            <a:avLst/>
+          </a:prstGeom>
+          <a:noFill/>
+          <a:ln>
+            <a:noFill/>
+          </a:ln>
+        </p:spPr>
+        <p:txBody>
+          <a:bodyPr anchorCtr="0" anchor="t" bIns="91425" lIns="91425" spcFirstLastPara="1" rIns="91425" wrap="square" tIns="91425">
+            <a:spAutoFit/>
+          </a:bodyPr>
+          <a:lstStyle/>
+          <a:p>
+            <a:pPr indent="-304800" lvl="0" marL="457200" rtl="0" algn="l">
+              <a:lnSpc>
+                <a:spcPct val="115000"/>
+              </a:lnSpc>
+              <a:spcBef>
+                <a:spcPts val="0"/>
+              </a:spcBef>
+              <a:spcAft>
+                <a:spcPts val="0"/>
+              </a:spcAft>
+              <a:buClr>
+                <a:srgbClr val="000000"/>
+              </a:buClr>
+              <a:buSzPts val="1200"/>
+              <a:buFont typeface="Trebuchet MS"/>
+              <a:buChar char="●"/>
+            </a:pPr>
+            <a:r>
+              <a:rPr lang="en-GB" sz="1200">
+                <a:latin typeface="Lato"/>
+                <a:ea typeface="Lato"/>
+                <a:cs typeface="Lato"/>
+                <a:sym typeface="Lato"/>
+              </a:rPr>
+              <a:t>Cryptocurrencies have weak correlation to S&amp;P 500.</a:t>
+            </a:r>
+            <a:endParaRPr sz="1200">
+              <a:solidFill>
+                <a:schemeClr val="accent1"/>
+              </a:solidFill>
+              <a:latin typeface="Lato"/>
+              <a:ea typeface="Lato"/>
+              <a:cs typeface="Lato"/>
+              <a:sym typeface="Lato"/>
+            </a:endParaRPr>
+          </a:p>
+          <a:p>
+            <a:pPr indent="0" lvl="0" marL="0" rtl="0" algn="l">
+              <a:spcBef>
+                <a:spcPts val="1200"/>
+              </a:spcBef>
+              <a:spcAft>
+                <a:spcPts val="0"/>
+              </a:spcAft>
+              <a:buNone/>
+            </a:pPr>
+            <a:r>
+              <a:t/>
+            </a:r>
+            <a:endParaRPr>
+              <a:latin typeface="Lato"/>
+              <a:ea typeface="Lato"/>
+              <a:cs typeface="Lato"/>
+              <a:sym typeface="Lato"/>
+            </a:endParaRPr>
+          </a:p>
+        </p:txBody>
+      </p:sp>
+    </p:spTree>
+  </p:cSld>
+  <p:clrMapOvr>
+    <a:masterClrMapping/>
+  </p:clrMapOvr>
+</p:sld>
+</file>
+
+<file path=ppt/slides/slide11.xml><?xml version="1.0" encoding="utf-8"?>
+<p:sld xmlns:a="http://schemas.openxmlformats.org/drawingml/2006/main" xmlns:r="http://schemas.openxmlformats.org/officeDocument/2006/relationships" xmlns:mc="http://schemas.openxmlformats.org/markup-compatibility/2006" xmlns:mv="urn:schemas-microsoft-com:mac:vml" xmlns:p="http://schemas.openxmlformats.org/presentationml/2006/main" xmlns:c="http://schemas.openxmlformats.org/drawingml/2006/chart" xmlns:dgm="http://schemas.openxmlformats.org/drawingml/2006/diagram" xmlns:o="urn:schemas-microsoft-com:office:office" xmlns:v="urn:schemas-microsoft-com:vml" xmlns:pvml="urn:schemas-microsoft-com:office:powerpoint" xmlns:com="http://schemas.openxmlformats.org/drawingml/2006/compatibility" xmlns:p14="http://schemas.microsoft.com/office/powerpoint/2010/main" xmlns:p15="http://schemas.microsoft.com/office/powerpoint/2012/main" xmlns:ahyp="http://schemas.microsoft.com/office/drawing/2018/hyperlinkcolor">
+  <p:cSld>
+    <p:spTree>
+      <p:nvGrpSpPr>
+        <p:cNvPr id="157" name="Shape 157"/>
+        <p:cNvGrpSpPr/>
+        <p:nvPr/>
+      </p:nvGrpSpPr>
+      <p:grpSpPr>
+        <a:xfrm>
+          <a:off x="0" y="0"/>
+          <a:ext cx="0" cy="0"/>
+          <a:chOff x="0" y="0"/>
+          <a:chExt cx="0" cy="0"/>
+        </a:xfrm>
+      </p:grpSpPr>
+      <p:sp>
+        <p:nvSpPr>
+          <p:cNvPr id="158" name="Google Shape;158;p23"/>
+          <p:cNvSpPr txBox="1"/>
+          <p:nvPr>
+            <p:ph type="title"/>
+          </p:nvPr>
+        </p:nvSpPr>
+        <p:spPr>
+          <a:xfrm>
+            <a:off x="729450" y="1318650"/>
+            <a:ext cx="7688700" cy="535200"/>
+          </a:xfrm>
+          <a:prstGeom prst="rect">
+            <a:avLst/>
+          </a:prstGeom>
+        </p:spPr>
+        <p:txBody>
+          <a:bodyPr anchorCtr="0" anchor="t" bIns="91425" lIns="91425" spcFirstLastPara="1" rIns="91425" wrap="square" tIns="91425">
+            <a:normAutofit fontScale="90000"/>
+          </a:bodyPr>
+          <a:lstStyle/>
+          <a:p>
+            <a:pPr indent="0" lvl="0" marL="0" rtl="0" algn="l">
+              <a:spcBef>
+                <a:spcPts val="0"/>
+              </a:spcBef>
+              <a:spcAft>
+                <a:spcPts val="0"/>
+              </a:spcAft>
+              <a:buNone/>
+            </a:pPr>
+            <a:r>
+              <a:rPr lang="en-GB"/>
+              <a:t>Summary cont’d</a:t>
+            </a:r>
+            <a:endParaRPr/>
+          </a:p>
+        </p:txBody>
+      </p:sp>
+      <p:sp>
+        <p:nvSpPr>
+          <p:cNvPr id="159" name="Google Shape;159;p23"/>
+          <p:cNvSpPr txBox="1"/>
+          <p:nvPr>
+            <p:ph idx="1" type="body"/>
+          </p:nvPr>
+        </p:nvSpPr>
+        <p:spPr>
+          <a:xfrm>
+            <a:off x="729450" y="2078875"/>
+            <a:ext cx="7688700" cy="2261100"/>
+          </a:xfrm>
+          <a:prstGeom prst="rect">
+            <a:avLst/>
+          </a:prstGeom>
+        </p:spPr>
+        <p:txBody>
+          <a:bodyPr anchorCtr="0" anchor="t" bIns="91425" lIns="91425" spcFirstLastPara="1" rIns="91425" wrap="square" tIns="91425">
+            <a:normAutofit/>
+          </a:bodyPr>
+          <a:lstStyle/>
+          <a:p>
+            <a:pPr indent="-304800" lvl="0" marL="457200" rtl="0" algn="l">
+              <a:spcBef>
+                <a:spcPts val="0"/>
+              </a:spcBef>
+              <a:spcAft>
+                <a:spcPts val="0"/>
+              </a:spcAft>
+              <a:buClr>
+                <a:srgbClr val="000000"/>
+              </a:buClr>
+              <a:buSzPts val="1200"/>
+              <a:buChar char="●"/>
+            </a:pPr>
+            <a:r>
+              <a:rPr lang="en-GB" sz="1200">
+                <a:solidFill>
+                  <a:srgbClr val="000000"/>
+                </a:solidFill>
+              </a:rPr>
+              <a:t>USD has very little correlation to the S&amp;P 500</a:t>
+            </a:r>
+            <a:endParaRPr/>
+          </a:p>
+        </p:txBody>
+      </p:sp>
+      <p:pic>
+        <p:nvPicPr>
+          <p:cNvPr id="160" name="Google Shape;160;p23"/>
+          <p:cNvPicPr preferRelativeResize="0"/>
+          <p:nvPr/>
+        </p:nvPicPr>
+        <p:blipFill>
+          <a:blip r:embed="rId3">
+            <a:alphaModFix/>
+          </a:blip>
+          <a:stretch>
+            <a:fillRect/>
+          </a:stretch>
+        </p:blipFill>
+        <p:spPr>
+          <a:xfrm>
+            <a:off x="2131144" y="2463423"/>
+            <a:ext cx="4491304" cy="2261100"/>
+          </a:xfrm>
+          <a:prstGeom prst="rect">
+            <a:avLst/>
+          </a:prstGeom>
+          <a:noFill/>
+          <a:ln>
+            <a:noFill/>
+          </a:ln>
+        </p:spPr>
+      </p:pic>
+    </p:spTree>
+  </p:cSld>
+  <p:clrMapOvr>
+    <a:masterClrMapping/>
+  </p:clrMapOvr>
+</p:sld>
+</file>
+
+<file path=ppt/slides/slide12.xml><?xml version="1.0" encoding="utf-8"?>
+<p:sld xmlns:a="http://schemas.openxmlformats.org/drawingml/2006/main" xmlns:r="http://schemas.openxmlformats.org/officeDocument/2006/relationships" xmlns:mc="http://schemas.openxmlformats.org/markup-compatibility/2006" xmlns:mv="urn:schemas-microsoft-com:mac:vml" xmlns:p="http://schemas.openxmlformats.org/presentationml/2006/main" xmlns:c="http://schemas.openxmlformats.org/drawingml/2006/chart" xmlns:dgm="http://schemas.openxmlformats.org/drawingml/2006/diagram" xmlns:o="urn:schemas-microsoft-com:office:office" xmlns:v="urn:schemas-microsoft-com:vml" xmlns:pvml="urn:schemas-microsoft-com:office:powerpoint" xmlns:com="http://schemas.openxmlformats.org/drawingml/2006/compatibility" xmlns:p14="http://schemas.microsoft.com/office/powerpoint/2010/main" xmlns:p15="http://schemas.microsoft.com/office/powerpoint/2012/main" xmlns:ahyp="http://schemas.microsoft.com/office/drawing/2018/hyperlinkcolor">
+  <p:cSld>
+    <p:spTree>
+      <p:nvGrpSpPr>
+        <p:cNvPr id="164" name="Shape 164"/>
+        <p:cNvGrpSpPr/>
+        <p:nvPr/>
+      </p:nvGrpSpPr>
+      <p:grpSpPr>
+        <a:xfrm>
+          <a:off x="0" y="0"/>
+          <a:ext cx="0" cy="0"/>
+          <a:chOff x="0" y="0"/>
+          <a:chExt cx="0" cy="0"/>
+        </a:xfrm>
+      </p:grpSpPr>
+      <p:sp>
+        <p:nvSpPr>
+          <p:cNvPr id="165" name="Google Shape;165;p24"/>
+          <p:cNvSpPr txBox="1"/>
+          <p:nvPr>
+            <p:ph type="title"/>
+          </p:nvPr>
+        </p:nvSpPr>
+        <p:spPr>
+          <a:xfrm>
+            <a:off x="729450" y="1318650"/>
+            <a:ext cx="7688700" cy="535200"/>
+          </a:xfrm>
+          <a:prstGeom prst="rect">
+            <a:avLst/>
+          </a:prstGeom>
+        </p:spPr>
+        <p:txBody>
+          <a:bodyPr anchorCtr="0" anchor="t" bIns="91425" lIns="91425" spcFirstLastPara="1" rIns="91425" wrap="square" tIns="91425">
+            <a:normAutofit fontScale="90000"/>
+          </a:bodyPr>
+          <a:lstStyle/>
+          <a:p>
+            <a:pPr indent="0" lvl="0" marL="0" rtl="0" algn="l">
+              <a:spcBef>
+                <a:spcPts val="0"/>
+              </a:spcBef>
+              <a:spcAft>
+                <a:spcPts val="0"/>
+              </a:spcAft>
+              <a:buNone/>
+            </a:pPr>
+            <a:r>
+              <a:rPr lang="en-GB"/>
+              <a:t>Summary cont’d</a:t>
+            </a:r>
+            <a:endParaRPr/>
+          </a:p>
+        </p:txBody>
+      </p:sp>
+      <p:sp>
+        <p:nvSpPr>
+          <p:cNvPr id="166" name="Google Shape;166;p24"/>
+          <p:cNvSpPr txBox="1"/>
+          <p:nvPr>
+            <p:ph idx="1" type="body"/>
+          </p:nvPr>
+        </p:nvSpPr>
+        <p:spPr>
+          <a:xfrm>
+            <a:off x="241375" y="2078875"/>
+            <a:ext cx="7688700" cy="2261100"/>
+          </a:xfrm>
+          <a:prstGeom prst="rect">
+            <a:avLst/>
+          </a:prstGeom>
+        </p:spPr>
+        <p:txBody>
+          <a:bodyPr anchorCtr="0" anchor="t" bIns="91425" lIns="91425" spcFirstLastPara="1" rIns="91425" wrap="square" tIns="91425">
+            <a:normAutofit/>
+          </a:bodyPr>
+          <a:lstStyle/>
+          <a:p>
+            <a:pPr indent="-304800" lvl="0" marL="457200" rtl="0" algn="l">
+              <a:spcBef>
+                <a:spcPts val="0"/>
+              </a:spcBef>
+              <a:spcAft>
+                <a:spcPts val="0"/>
+              </a:spcAft>
+              <a:buClr>
+                <a:srgbClr val="000000"/>
+              </a:buClr>
+              <a:buSzPts val="1200"/>
+              <a:buChar char="●"/>
+            </a:pPr>
+            <a:r>
+              <a:rPr lang="en-GB" sz="1200">
+                <a:solidFill>
+                  <a:srgbClr val="000000"/>
+                </a:solidFill>
+              </a:rPr>
+              <a:t>No correlation with presidency and market indicators.</a:t>
+            </a:r>
+            <a:endParaRPr sz="1200">
+              <a:solidFill>
+                <a:srgbClr val="000000"/>
+              </a:solidFill>
+            </a:endParaRPr>
+          </a:p>
+          <a:p>
+            <a:pPr indent="-304800" lvl="0" marL="457200" rtl="0" algn="l">
+              <a:spcBef>
+                <a:spcPts val="0"/>
+              </a:spcBef>
+              <a:spcAft>
+                <a:spcPts val="0"/>
+              </a:spcAft>
+              <a:buClr>
+                <a:srgbClr val="000000"/>
+              </a:buClr>
+              <a:buSzPts val="1200"/>
+              <a:buChar char="●"/>
+            </a:pPr>
+            <a:r>
+              <a:rPr lang="en-GB" sz="1200">
+                <a:solidFill>
+                  <a:srgbClr val="000000"/>
+                </a:solidFill>
+              </a:rPr>
+              <a:t>No correlation with housing price index or inflation rate</a:t>
+            </a:r>
+            <a:endParaRPr sz="1200">
+              <a:solidFill>
+                <a:srgbClr val="000000"/>
+              </a:solidFill>
+            </a:endParaRPr>
+          </a:p>
+          <a:p>
+            <a:pPr indent="0" lvl="0" marL="0" rtl="0" algn="l">
+              <a:spcBef>
+                <a:spcPts val="600"/>
+              </a:spcBef>
+              <a:spcAft>
+                <a:spcPts val="1200"/>
+              </a:spcAft>
+              <a:buNone/>
+            </a:pPr>
+            <a:r>
+              <a:t/>
+            </a:r>
+            <a:endParaRPr/>
+          </a:p>
+        </p:txBody>
+      </p:sp>
+      <p:pic>
+        <p:nvPicPr>
+          <p:cNvPr id="167" name="Google Shape;167;p24"/>
+          <p:cNvPicPr preferRelativeResize="0"/>
+          <p:nvPr/>
+        </p:nvPicPr>
+        <p:blipFill>
+          <a:blip r:embed="rId3">
+            <a:alphaModFix/>
+          </a:blip>
+          <a:stretch>
+            <a:fillRect/>
+          </a:stretch>
+        </p:blipFill>
+        <p:spPr>
+          <a:xfrm>
+            <a:off x="4696325" y="877257"/>
+            <a:ext cx="4065075" cy="1949368"/>
+          </a:xfrm>
+          <a:prstGeom prst="rect">
+            <a:avLst/>
+          </a:prstGeom>
+          <a:noFill/>
+          <a:ln>
+            <a:noFill/>
+          </a:ln>
+        </p:spPr>
+      </p:pic>
+      <p:pic>
+        <p:nvPicPr>
+          <p:cNvPr id="168" name="Google Shape;168;p24"/>
+          <p:cNvPicPr preferRelativeResize="0"/>
+          <p:nvPr/>
+        </p:nvPicPr>
+        <p:blipFill rotWithShape="1">
+          <a:blip r:embed="rId4">
+            <a:alphaModFix/>
+          </a:blip>
+          <a:srcRect b="0" l="0" r="10801" t="0"/>
+          <a:stretch/>
+        </p:blipFill>
+        <p:spPr>
+          <a:xfrm>
+            <a:off x="241375" y="2954081"/>
+            <a:ext cx="3808100" cy="1847019"/>
+          </a:xfrm>
+          <a:prstGeom prst="rect">
+            <a:avLst/>
+          </a:prstGeom>
+          <a:noFill/>
+          <a:ln>
+            <a:noFill/>
+          </a:ln>
+        </p:spPr>
+      </p:pic>
+      <p:pic>
+        <p:nvPicPr>
+          <p:cNvPr id="169" name="Google Shape;169;p24"/>
+          <p:cNvPicPr preferRelativeResize="0"/>
+          <p:nvPr/>
+        </p:nvPicPr>
+        <p:blipFill>
+          <a:blip r:embed="rId5">
+            <a:alphaModFix/>
+          </a:blip>
+          <a:stretch>
+            <a:fillRect/>
+          </a:stretch>
+        </p:blipFill>
+        <p:spPr>
+          <a:xfrm>
+            <a:off x="4524925" y="2954075"/>
+            <a:ext cx="4236474" cy="1847025"/>
+          </a:xfrm>
+          <a:prstGeom prst="rect">
+            <a:avLst/>
+          </a:prstGeom>
+          <a:noFill/>
+          <a:ln>
+            <a:noFill/>
+          </a:ln>
+        </p:spPr>
+      </p:pic>
+    </p:spTree>
+  </p:cSld>
+  <p:clrMapOvr>
+    <a:masterClrMapping/>
+  </p:clrMapOvr>
+</p:sld>
+</file>
+
+<file path=ppt/slides/slide13.xml><?xml version="1.0" encoding="utf-8"?>
+<p:sld xmlns:a="http://schemas.openxmlformats.org/drawingml/2006/main" xmlns:r="http://schemas.openxmlformats.org/officeDocument/2006/relationships" xmlns:mc="http://schemas.openxmlformats.org/markup-compatibility/2006" xmlns:mv="urn:schemas-microsoft-com:mac:vml" xmlns:p="http://schemas.openxmlformats.org/presentationml/2006/main" xmlns:c="http://schemas.openxmlformats.org/drawingml/2006/chart" xmlns:dgm="http://schemas.openxmlformats.org/drawingml/2006/diagram" xmlns:o="urn:schemas-microsoft-com:office:office" xmlns:v="urn:schemas-microsoft-com:vml" xmlns:pvml="urn:schemas-microsoft-com:office:powerpoint" xmlns:com="http://schemas.openxmlformats.org/drawingml/2006/compatibility" xmlns:p14="http://schemas.microsoft.com/office/powerpoint/2010/main" xmlns:p15="http://schemas.microsoft.com/office/powerpoint/2012/main" xmlns:ahyp="http://schemas.microsoft.com/office/drawing/2018/hyperlinkcolor">
+  <p:cSld>
+    <p:spTree>
+      <p:nvGrpSpPr>
+        <p:cNvPr id="173" name="Shape 173"/>
+        <p:cNvGrpSpPr/>
+        <p:nvPr/>
+      </p:nvGrpSpPr>
+      <p:grpSpPr>
+        <a:xfrm>
+          <a:off x="0" y="0"/>
+          <a:ext cx="0" cy="0"/>
+          <a:chOff x="0" y="0"/>
+          <a:chExt cx="0" cy="0"/>
+        </a:xfrm>
+      </p:grpSpPr>
+      <p:sp>
+        <p:nvSpPr>
+          <p:cNvPr id="174" name="Google Shape;174;p25"/>
+          <p:cNvSpPr txBox="1"/>
+          <p:nvPr>
+            <p:ph type="title"/>
+          </p:nvPr>
+        </p:nvSpPr>
+        <p:spPr>
+          <a:xfrm>
+            <a:off x="729450" y="1318650"/>
+            <a:ext cx="7688700" cy="535200"/>
+          </a:xfrm>
+          <a:prstGeom prst="rect">
+            <a:avLst/>
+          </a:prstGeom>
+        </p:spPr>
+        <p:txBody>
+          <a:bodyPr anchorCtr="0" anchor="t" bIns="91425" lIns="91425" spcFirstLastPara="1" rIns="91425" wrap="square" tIns="91425">
+            <a:normAutofit fontScale="90000"/>
+          </a:bodyPr>
+          <a:lstStyle/>
+          <a:p>
+            <a:pPr indent="0" lvl="0" marL="0" rtl="0" algn="l">
+              <a:spcBef>
+                <a:spcPts val="0"/>
+              </a:spcBef>
+              <a:spcAft>
+                <a:spcPts val="0"/>
+              </a:spcAft>
+              <a:buNone/>
+            </a:pPr>
+            <a:r>
+              <a:rPr lang="en-GB"/>
               <a:t>Discussion</a:t>
             </a:r>
             <a:endParaRPr/>
@@ -8152,7 +9146,7 @@
       </p:sp>
       <p:sp>
         <p:nvSpPr>
-          <p:cNvPr id="141" name="Google Shape;141;p22"/>
+          <p:cNvPr id="175" name="Google Shape;175;p25"/>
           <p:cNvSpPr txBox="1"/>
           <p:nvPr>
             <p:ph idx="1" type="body"/>
@@ -8280,8 +9274,8 @@
         </p:nvSpPr>
         <p:spPr>
           <a:xfrm>
-            <a:off x="729450" y="2078875"/>
-            <a:ext cx="7688700" cy="2578200"/>
+            <a:off x="2872650" y="1853850"/>
+            <a:ext cx="5545500" cy="2578200"/>
           </a:xfrm>
           <a:prstGeom prst="rect">
             <a:avLst/>
@@ -8293,7 +9287,7 @@
           </a:bodyPr>
           <a:lstStyle/>
           <a:p>
-            <a:pPr indent="0" lvl="0" marL="457200" rtl="0" algn="l">
+            <a:pPr indent="0" lvl="0" marL="0" rtl="0" algn="l">
               <a:spcBef>
                 <a:spcPts val="0"/>
               </a:spcBef>
@@ -8303,23 +9297,23 @@
               <a:buNone/>
             </a:pPr>
             <a:r>
-              <a:rPr b="1" lang="en-GB" sz="800">
+              <a:rPr b="1" lang="en-GB" sz="1200">
                 <a:solidFill>
                   <a:srgbClr val="000000"/>
                 </a:solidFill>
               </a:rPr>
-              <a:t>Assumptions:</a:t>
+              <a:t>Objective:</a:t>
             </a:r>
-            <a:endParaRPr b="1" sz="800">
+            <a:endParaRPr sz="1200">
               <a:solidFill>
                 <a:srgbClr val="000000"/>
               </a:solidFill>
             </a:endParaRPr>
           </a:p>
           <a:p>
-            <a:pPr indent="-279400" lvl="0" marL="457200" rtl="0" algn="l">
-              <a:spcBef>
-                <a:spcPts val="1200"/>
+            <a:pPr indent="-292100" lvl="0" marL="457200" rtl="0" algn="l">
+              <a:spcBef>
+                <a:spcPts val="0"/>
               </a:spcBef>
               <a:spcAft>
                 <a:spcPts val="0"/>
@@ -8327,186 +9321,37 @@
               <a:buClr>
                 <a:srgbClr val="000000"/>
               </a:buClr>
-              <a:buSzPts val="800"/>
+              <a:buSzPts val="1000"/>
               <a:buChar char="●"/>
             </a:pPr>
             <a:r>
-              <a:rPr lang="en-GB" sz="800">
+              <a:rPr lang="en-GB" sz="1000">
                 <a:solidFill>
                   <a:srgbClr val="000000"/>
                 </a:solidFill>
               </a:rPr>
-              <a:t>From 1985 to early 2000, gold was used to hedge against market downturn. </a:t>
+              <a:t>To explore the accuracy of gold prices as a market indicator in comparison to other possible indicators. Further, we will experiment on combining these indicators with various weight to create a new and better indicator for stock market direction.</a:t>
             </a:r>
-            <a:endParaRPr sz="800">
+            <a:endParaRPr sz="1000">
               <a:solidFill>
                 <a:srgbClr val="000000"/>
               </a:solidFill>
             </a:endParaRPr>
           </a:p>
           <a:p>
-            <a:pPr indent="-279400" lvl="0" marL="457200" rtl="0" algn="l">
-              <a:spcBef>
-                <a:spcPts val="0"/>
-              </a:spcBef>
-              <a:spcAft>
-                <a:spcPts val="0"/>
-              </a:spcAft>
-              <a:buClr>
-                <a:srgbClr val="000000"/>
-              </a:buClr>
-              <a:buSzPts val="800"/>
-              <a:buChar char="●"/>
+            <a:pPr indent="0" lvl="0" marL="914400" rtl="0" algn="l">
+              <a:spcBef>
+                <a:spcPts val="0"/>
+              </a:spcBef>
+              <a:spcAft>
+                <a:spcPts val="0"/>
+              </a:spcAft>
+              <a:buNone/>
             </a:pPr>
             <a:r>
-              <a:rPr lang="en-GB" sz="800">
-                <a:solidFill>
-                  <a:srgbClr val="000000"/>
-                </a:solidFill>
-              </a:rPr>
-              <a:t>When investors were expecting a bear market, they sell shares in stock market and buy gold, causing decline in stock market indices and rise in gold prices.</a:t>
+              <a:t/>
             </a:r>
-            <a:endParaRPr sz="800">
-              <a:solidFill>
-                <a:srgbClr val="000000"/>
-              </a:solidFill>
-            </a:endParaRPr>
-          </a:p>
-          <a:p>
-            <a:pPr indent="-279400" lvl="0" marL="457200" rtl="0" algn="l">
-              <a:spcBef>
-                <a:spcPts val="0"/>
-              </a:spcBef>
-              <a:spcAft>
-                <a:spcPts val="0"/>
-              </a:spcAft>
-              <a:buClr>
-                <a:srgbClr val="000000"/>
-              </a:buClr>
-              <a:buSzPts val="800"/>
-              <a:buChar char="●"/>
-            </a:pPr>
-            <a:r>
-              <a:rPr lang="en-GB" sz="800">
-                <a:solidFill>
-                  <a:srgbClr val="000000"/>
-                </a:solidFill>
-              </a:rPr>
-              <a:t>Therefore, gold price could be used as indicator of stock market direction.</a:t>
-            </a:r>
-            <a:endParaRPr sz="800">
-              <a:solidFill>
-                <a:srgbClr val="000000"/>
-              </a:solidFill>
-            </a:endParaRPr>
-          </a:p>
-          <a:p>
-            <a:pPr indent="0" lvl="0" marL="450000" rtl="0" algn="l">
-              <a:spcBef>
-                <a:spcPts val="1200"/>
-              </a:spcBef>
-              <a:spcAft>
-                <a:spcPts val="0"/>
-              </a:spcAft>
-              <a:buNone/>
-            </a:pPr>
-            <a:r>
-              <a:rPr b="1" lang="en-GB" sz="800">
-                <a:solidFill>
-                  <a:srgbClr val="000000"/>
-                </a:solidFill>
-              </a:rPr>
-              <a:t>Hypothesis: </a:t>
-            </a:r>
-            <a:endParaRPr b="1" sz="800">
-              <a:solidFill>
-                <a:srgbClr val="000000"/>
-              </a:solidFill>
-            </a:endParaRPr>
-          </a:p>
-          <a:p>
-            <a:pPr indent="-279400" lvl="0" marL="457200" rtl="0" algn="l">
-              <a:spcBef>
-                <a:spcPts val="1200"/>
-              </a:spcBef>
-              <a:spcAft>
-                <a:spcPts val="0"/>
-              </a:spcAft>
-              <a:buClr>
-                <a:srgbClr val="000000"/>
-              </a:buClr>
-              <a:buSzPts val="800"/>
-              <a:buChar char="●"/>
-            </a:pPr>
-            <a:r>
-              <a:rPr lang="en-GB" sz="800">
-                <a:solidFill>
-                  <a:srgbClr val="000000"/>
-                </a:solidFill>
-              </a:rPr>
-              <a:t>The invention of paper gold and founding of commodities futures allowed investors to speculate on several types of commodities including gold. As a result, gold price loses some of it's property to suggest market direction as it is driven by investor's speculation.</a:t>
-            </a:r>
-            <a:endParaRPr sz="800">
-              <a:solidFill>
-                <a:srgbClr val="000000"/>
-              </a:solidFill>
-            </a:endParaRPr>
-          </a:p>
-          <a:p>
-            <a:pPr indent="457200" lvl="0" marL="0" rtl="0" algn="l">
-              <a:spcBef>
-                <a:spcPts val="1200"/>
-              </a:spcBef>
-              <a:spcAft>
-                <a:spcPts val="0"/>
-              </a:spcAft>
-              <a:buNone/>
-            </a:pPr>
-            <a:r>
-              <a:rPr b="1" lang="en-GB" sz="800">
-                <a:solidFill>
-                  <a:srgbClr val="000000"/>
-                </a:solidFill>
-              </a:rPr>
-              <a:t>Objective</a:t>
-            </a:r>
-            <a:r>
-              <a:rPr b="1" lang="en-GB" sz="800">
-                <a:solidFill>
-                  <a:srgbClr val="000000"/>
-                </a:solidFill>
-              </a:rPr>
-              <a:t>:</a:t>
-            </a:r>
-            <a:endParaRPr sz="800">
-              <a:solidFill>
-                <a:srgbClr val="000000"/>
-              </a:solidFill>
-            </a:endParaRPr>
-          </a:p>
-          <a:p>
-            <a:pPr indent="-279400" lvl="0" marL="457200" rtl="0" algn="l">
-              <a:spcBef>
-                <a:spcPts val="1200"/>
-              </a:spcBef>
-              <a:spcAft>
-                <a:spcPts val="0"/>
-              </a:spcAft>
-              <a:buClr>
-                <a:srgbClr val="000000"/>
-              </a:buClr>
-              <a:buSzPts val="800"/>
-              <a:buChar char="●"/>
-            </a:pPr>
-            <a:r>
-              <a:rPr lang="en-GB" sz="800">
-                <a:solidFill>
-                  <a:srgbClr val="000000"/>
-                </a:solidFill>
-              </a:rPr>
-              <a:t>To explore the accuracy of gold prices as a market indicator in comparison to other possible indicators. Further, we will experiment on combining these indicators with various weight to create a new and better indicator for stock market direction.</a:t>
-            </a:r>
-            <a:endParaRPr sz="800">
+            <a:endParaRPr sz="1000">
               <a:solidFill>
                 <a:srgbClr val="000000"/>
               </a:solidFill>
@@ -8515,17 +9360,177 @@
           <a:p>
             <a:pPr indent="0" lvl="0" marL="0" rtl="0" algn="l">
               <a:spcBef>
-                <a:spcPts val="1200"/>
-              </a:spcBef>
-              <a:spcAft>
-                <a:spcPts val="1200"/>
+                <a:spcPts val="0"/>
+              </a:spcBef>
+              <a:spcAft>
+                <a:spcPts val="0"/>
+              </a:spcAft>
+              <a:buNone/>
+            </a:pPr>
+            <a:r>
+              <a:rPr b="1" lang="en-GB" sz="1200">
+                <a:solidFill>
+                  <a:srgbClr val="000000"/>
+                </a:solidFill>
+              </a:rPr>
+              <a:t>Assumptions:</a:t>
+            </a:r>
+            <a:endParaRPr b="1" sz="1200">
+              <a:solidFill>
+                <a:srgbClr val="000000"/>
+              </a:solidFill>
+            </a:endParaRPr>
+          </a:p>
+          <a:p>
+            <a:pPr indent="-292100" lvl="0" marL="457200" rtl="0" algn="l">
+              <a:spcBef>
+                <a:spcPts val="0"/>
+              </a:spcBef>
+              <a:spcAft>
+                <a:spcPts val="0"/>
+              </a:spcAft>
+              <a:buClr>
+                <a:srgbClr val="000000"/>
+              </a:buClr>
+              <a:buSzPts val="1000"/>
+              <a:buChar char="●"/>
+            </a:pPr>
+            <a:r>
+              <a:rPr lang="en-GB" sz="1000">
+                <a:solidFill>
+                  <a:srgbClr val="000000"/>
+                </a:solidFill>
+              </a:rPr>
+              <a:t>From 1985 to early 2000, gold was used to hedge against market downturn. </a:t>
+            </a:r>
+            <a:endParaRPr sz="1000">
+              <a:solidFill>
+                <a:srgbClr val="000000"/>
+              </a:solidFill>
+            </a:endParaRPr>
+          </a:p>
+          <a:p>
+            <a:pPr indent="-292100" lvl="0" marL="457200" rtl="0" algn="l">
+              <a:spcBef>
+                <a:spcPts val="0"/>
+              </a:spcBef>
+              <a:spcAft>
+                <a:spcPts val="0"/>
+              </a:spcAft>
+              <a:buClr>
+                <a:srgbClr val="000000"/>
+              </a:buClr>
+              <a:buSzPts val="1000"/>
+              <a:buChar char="●"/>
+            </a:pPr>
+            <a:r>
+              <a:rPr lang="en-GB" sz="1000">
+                <a:solidFill>
+                  <a:srgbClr val="000000"/>
+                </a:solidFill>
+              </a:rPr>
+              <a:t>When investors were expecting a bear market, they sell shares in stock market and buy gold,  causing decline in stock market indices and rise in gold prices.</a:t>
+            </a:r>
+            <a:endParaRPr sz="1000">
+              <a:solidFill>
+                <a:srgbClr val="000000"/>
+              </a:solidFill>
+            </a:endParaRPr>
+          </a:p>
+          <a:p>
+            <a:pPr indent="-292100" lvl="0" marL="457200" rtl="0" algn="l">
+              <a:spcBef>
+                <a:spcPts val="0"/>
+              </a:spcBef>
+              <a:spcAft>
+                <a:spcPts val="0"/>
+              </a:spcAft>
+              <a:buClr>
+                <a:srgbClr val="000000"/>
+              </a:buClr>
+              <a:buSzPts val="1000"/>
+              <a:buChar char="●"/>
+            </a:pPr>
+            <a:r>
+              <a:rPr lang="en-GB" sz="1000">
+                <a:solidFill>
+                  <a:srgbClr val="000000"/>
+                </a:solidFill>
+              </a:rPr>
+              <a:t>Therefore, gold price could be used as indicator of stock market direction.</a:t>
+            </a:r>
+            <a:endParaRPr sz="1000">
+              <a:solidFill>
+                <a:srgbClr val="000000"/>
+              </a:solidFill>
+            </a:endParaRPr>
+          </a:p>
+          <a:p>
+            <a:pPr indent="0" lvl="0" marL="457200" rtl="0" algn="l">
+              <a:spcBef>
+                <a:spcPts val="0"/>
+              </a:spcBef>
+              <a:spcAft>
+                <a:spcPts val="0"/>
               </a:spcAft>
               <a:buNone/>
             </a:pPr>
             <a:r>
               <a:t/>
             </a:r>
-            <a:endParaRPr sz="800">
+            <a:endParaRPr sz="1000">
+              <a:solidFill>
+                <a:srgbClr val="000000"/>
+              </a:solidFill>
+            </a:endParaRPr>
+          </a:p>
+          <a:p>
+            <a:pPr indent="0" lvl="0" marL="0" rtl="0" algn="l">
+              <a:spcBef>
+                <a:spcPts val="0"/>
+              </a:spcBef>
+              <a:spcAft>
+                <a:spcPts val="0"/>
+              </a:spcAft>
+              <a:buNone/>
+            </a:pPr>
+            <a:r>
+              <a:rPr b="1" lang="en-GB" sz="1200">
+                <a:solidFill>
+                  <a:srgbClr val="000000"/>
+                </a:solidFill>
+              </a:rPr>
+              <a:t>Hypothesis: </a:t>
+            </a:r>
+            <a:endParaRPr b="1" sz="1200">
+              <a:solidFill>
+                <a:srgbClr val="000000"/>
+              </a:solidFill>
+            </a:endParaRPr>
+          </a:p>
+          <a:p>
+            <a:pPr indent="-292100" lvl="0" marL="457200" rtl="0" algn="l">
+              <a:spcBef>
+                <a:spcPts val="0"/>
+              </a:spcBef>
+              <a:spcAft>
+                <a:spcPts val="0"/>
+              </a:spcAft>
+              <a:buClr>
+                <a:srgbClr val="000000"/>
+              </a:buClr>
+              <a:buSzPts val="1000"/>
+              <a:buChar char="●"/>
+            </a:pPr>
+            <a:r>
+              <a:rPr lang="en-GB" sz="1000">
+                <a:solidFill>
+                  <a:srgbClr val="000000"/>
+                </a:solidFill>
+              </a:rPr>
+              <a:t>The invention of paper gold and founding of commodities futures allowed investors to speculate on several types of commodities including gold. As a result, gold price loses some of it's property to suggest market direction as it is driven by investor's speculation.</a:t>
+            </a:r>
+            <a:endParaRPr sz="1000">
               <a:solidFill>
                 <a:srgbClr val="000000"/>
               </a:solidFill>
@@ -8533,6 +9538,34 @@
           </a:p>
         </p:txBody>
       </p:sp>
+      <p:pic>
+        <p:nvPicPr>
+          <p:cNvPr id="94" name="Google Shape;94;p14"/>
+          <p:cNvPicPr preferRelativeResize="0"/>
+          <p:nvPr/>
+        </p:nvPicPr>
+        <p:blipFill>
+          <a:blip r:embed="rId3">
+            <a:alphaModFix/>
+          </a:blip>
+          <a:stretch>
+            <a:fillRect/>
+          </a:stretch>
+        </p:blipFill>
+        <p:spPr>
+          <a:xfrm>
+            <a:off x="555463" y="1963150"/>
+            <a:ext cx="2143125" cy="2143125"/>
+          </a:xfrm>
+          <a:prstGeom prst="rect">
+            <a:avLst/>
+          </a:prstGeom>
+          <a:noFill/>
+          <a:ln>
+            <a:noFill/>
+          </a:ln>
+        </p:spPr>
+      </p:pic>
     </p:spTree>
   </p:cSld>
   <p:clrMapOvr>
@@ -8546,7 +9579,7 @@
   <p:cSld>
     <p:spTree>
       <p:nvGrpSpPr>
-        <p:cNvPr id="97" name="Shape 97"/>
+        <p:cNvPr id="98" name="Shape 98"/>
         <p:cNvGrpSpPr/>
         <p:nvPr/>
       </p:nvGrpSpPr>
@@ -8560,7 +9593,7 @@
       </p:grpSpPr>
       <p:sp>
         <p:nvSpPr>
-          <p:cNvPr id="98" name="Google Shape;98;p15"/>
+          <p:cNvPr id="99" name="Google Shape;99;p15"/>
           <p:cNvSpPr txBox="1"/>
           <p:nvPr>
             <p:ph type="title"/>
@@ -8608,7 +9641,7 @@
       </p:sp>
       <p:sp>
         <p:nvSpPr>
-          <p:cNvPr id="99" name="Google Shape;99;p15"/>
+          <p:cNvPr id="100" name="Google Shape;100;p15"/>
           <p:cNvSpPr txBox="1"/>
           <p:nvPr>
             <p:ph idx="1" type="body"/>
@@ -8616,8 +9649,8 @@
         </p:nvSpPr>
         <p:spPr>
           <a:xfrm>
-            <a:off x="729450" y="2078875"/>
-            <a:ext cx="7688700" cy="2261100"/>
+            <a:off x="302675" y="1853850"/>
+            <a:ext cx="5124900" cy="3140100"/>
           </a:xfrm>
           <a:prstGeom prst="rect">
             <a:avLst/>
@@ -8639,21 +9672,21 @@
               <a:buNone/>
             </a:pPr>
             <a:r>
-              <a:rPr b="1" lang="en-GB" sz="1000">
+              <a:rPr b="1" lang="en-GB" sz="1200">
                 <a:solidFill>
                   <a:srgbClr val="000000"/>
                 </a:solidFill>
               </a:rPr>
               <a:t>Questions for Analysis:</a:t>
             </a:r>
-            <a:endParaRPr b="1" sz="1000">
+            <a:endParaRPr b="1" sz="1200">
               <a:solidFill>
                 <a:srgbClr val="000000"/>
               </a:solidFill>
             </a:endParaRPr>
           </a:p>
           <a:p>
-            <a:pPr indent="-292100" lvl="0" marL="457200" rtl="0" algn="l">
+            <a:pPr indent="-304800" lvl="0" marL="457200" rtl="0" algn="l">
               <a:spcBef>
                 <a:spcPts val="1200"/>
               </a:spcBef>
@@ -8663,25 +9696,25 @@
               <a:buClr>
                 <a:srgbClr val="000000"/>
               </a:buClr>
-              <a:buSzPts val="1000"/>
+              <a:buSzPts val="1200"/>
               <a:buAutoNum type="arabicParenR"/>
             </a:pPr>
             <a:r>
-              <a:rPr lang="en-GB" sz="1000">
+              <a:rPr lang="en-GB" sz="1200">
                 <a:solidFill>
                   <a:srgbClr val="000000"/>
                 </a:solidFill>
               </a:rPr>
               <a:t>Explore the relationship between S&amp;P 500, Dow Jones, Nasdaq, Gold, Silver, Oil, Crypo, GDP, House Price Index, Interest and Inflation Rates</a:t>
             </a:r>
-            <a:endParaRPr sz="1000">
+            <a:endParaRPr sz="1200">
               <a:solidFill>
                 <a:srgbClr val="000000"/>
               </a:solidFill>
             </a:endParaRPr>
           </a:p>
           <a:p>
-            <a:pPr indent="-292100" lvl="0" marL="457200" rtl="0" algn="l">
+            <a:pPr indent="-304800" lvl="0" marL="457200" rtl="0" algn="l">
               <a:spcBef>
                 <a:spcPts val="0"/>
               </a:spcBef>
@@ -8691,25 +9724,25 @@
               <a:buClr>
                 <a:srgbClr val="000000"/>
               </a:buClr>
-              <a:buSzPts val="1000"/>
+              <a:buSzPts val="1200"/>
               <a:buAutoNum type="arabicParenR"/>
             </a:pPr>
             <a:r>
-              <a:rPr lang="en-GB" sz="1000">
+              <a:rPr lang="en-GB" sz="1200">
                 <a:solidFill>
                   <a:srgbClr val="000000"/>
                 </a:solidFill>
               </a:rPr>
               <a:t>Find correlations from indices and commodities to compare which has the highest correlation to S&amp;P 500</a:t>
             </a:r>
-            <a:endParaRPr sz="1000">
+            <a:endParaRPr sz="1200">
               <a:solidFill>
                 <a:srgbClr val="000000"/>
               </a:solidFill>
             </a:endParaRPr>
           </a:p>
           <a:p>
-            <a:pPr indent="-292100" lvl="0" marL="457200" rtl="0" algn="l">
+            <a:pPr indent="-304800" lvl="0" marL="457200" rtl="0" algn="l">
               <a:spcBef>
                 <a:spcPts val="0"/>
               </a:spcBef>
@@ -8719,25 +9752,25 @@
               <a:buClr>
                 <a:srgbClr val="000000"/>
               </a:buClr>
-              <a:buSzPts val="1000"/>
+              <a:buSzPts val="1200"/>
               <a:buAutoNum type="arabicParenR"/>
             </a:pPr>
             <a:r>
-              <a:rPr lang="en-GB" sz="1000">
+              <a:rPr lang="en-GB" sz="1200">
                 <a:solidFill>
                   <a:srgbClr val="000000"/>
                 </a:solidFill>
               </a:rPr>
               <a:t>Combine data into portfolio to try to find a combination that leads to stronger indicator (higher correlation) for S&amp;P 500</a:t>
             </a:r>
-            <a:endParaRPr sz="1000">
+            <a:endParaRPr sz="1200">
               <a:solidFill>
                 <a:srgbClr val="000000"/>
               </a:solidFill>
             </a:endParaRPr>
           </a:p>
           <a:p>
-            <a:pPr indent="-292100" lvl="0" marL="457200" rtl="0" algn="l">
+            <a:pPr indent="-304800" lvl="0" marL="457200" rtl="0" algn="l">
               <a:spcBef>
                 <a:spcPts val="0"/>
               </a:spcBef>
@@ -8747,25 +9780,25 @@
               <a:buClr>
                 <a:srgbClr val="000000"/>
               </a:buClr>
-              <a:buSzPts val="1000"/>
+              <a:buSzPts val="1200"/>
               <a:buAutoNum type="arabicParenR"/>
             </a:pPr>
             <a:r>
-              <a:rPr lang="en-GB" sz="1000">
+              <a:rPr lang="en-GB" sz="1200">
                 <a:solidFill>
                   <a:srgbClr val="000000"/>
                 </a:solidFill>
               </a:rPr>
               <a:t>Does gold still have any utility in predicting market changes?</a:t>
             </a:r>
-            <a:endParaRPr sz="1000">
+            <a:endParaRPr sz="1200">
               <a:solidFill>
                 <a:srgbClr val="000000"/>
               </a:solidFill>
             </a:endParaRPr>
           </a:p>
           <a:p>
-            <a:pPr indent="-292100" lvl="0" marL="457200" rtl="0" algn="l">
+            <a:pPr indent="-304800" lvl="0" marL="457200" rtl="0" algn="l">
               <a:spcBef>
                 <a:spcPts val="0"/>
               </a:spcBef>
@@ -8775,25 +9808,25 @@
               <a:buClr>
                 <a:srgbClr val="000000"/>
               </a:buClr>
-              <a:buSzPts val="1000"/>
+              <a:buSzPts val="1200"/>
               <a:buAutoNum type="arabicParenR"/>
             </a:pPr>
             <a:r>
-              <a:rPr lang="en-GB" sz="1000">
+              <a:rPr lang="en-GB" sz="1200">
                 <a:solidFill>
                   <a:srgbClr val="000000"/>
                 </a:solidFill>
               </a:rPr>
               <a:t>Does S&amp;P 500 have correlation to GDP and Interest rate?</a:t>
             </a:r>
-            <a:endParaRPr sz="1000">
+            <a:endParaRPr sz="1200">
               <a:solidFill>
                 <a:srgbClr val="000000"/>
               </a:solidFill>
             </a:endParaRPr>
           </a:p>
           <a:p>
-            <a:pPr indent="-292100" lvl="0" marL="457200" rtl="0" algn="l">
+            <a:pPr indent="-304800" lvl="0" marL="457200" rtl="0" algn="l">
               <a:spcBef>
                 <a:spcPts val="0"/>
               </a:spcBef>
@@ -8803,18 +9836,18 @@
               <a:buClr>
                 <a:srgbClr val="000000"/>
               </a:buClr>
-              <a:buSzPts val="1000"/>
+              <a:buSzPts val="1200"/>
               <a:buAutoNum type="arabicParenR"/>
             </a:pPr>
             <a:r>
-              <a:rPr lang="en-GB" sz="1000">
+              <a:rPr lang="en-GB" sz="1200">
                 <a:solidFill>
                   <a:srgbClr val="000000"/>
                 </a:solidFill>
               </a:rPr>
               <a:t>Does president have any influence on stock market &amp; GDP?</a:t>
             </a:r>
-            <a:endParaRPr sz="1000">
+            <a:endParaRPr sz="1200">
               <a:solidFill>
                 <a:srgbClr val="000000"/>
               </a:solidFill>
@@ -8822,6 +9855,34 @@
           </a:p>
         </p:txBody>
       </p:sp>
+      <p:pic>
+        <p:nvPicPr>
+          <p:cNvPr id="101" name="Google Shape;101;p15"/>
+          <p:cNvPicPr preferRelativeResize="0"/>
+          <p:nvPr/>
+        </p:nvPicPr>
+        <p:blipFill>
+          <a:blip r:embed="rId3">
+            <a:alphaModFix/>
+          </a:blip>
+          <a:stretch>
+            <a:fillRect/>
+          </a:stretch>
+        </p:blipFill>
+        <p:spPr>
+          <a:xfrm>
+            <a:off x="5336512" y="1733850"/>
+            <a:ext cx="3417488" cy="2274175"/>
+          </a:xfrm>
+          <a:prstGeom prst="rect">
+            <a:avLst/>
+          </a:prstGeom>
+          <a:noFill/>
+          <a:ln>
+            <a:noFill/>
+          </a:ln>
+        </p:spPr>
+      </p:pic>
     </p:spTree>
   </p:cSld>
   <p:clrMapOvr>
@@ -8835,7 +9896,7 @@
   <p:cSld>
     <p:spTree>
       <p:nvGrpSpPr>
-        <p:cNvPr id="103" name="Shape 103"/>
+        <p:cNvPr id="105" name="Shape 105"/>
         <p:cNvGrpSpPr/>
         <p:nvPr/>
       </p:nvGrpSpPr>
@@ -8849,7 +9910,7 @@
       </p:grpSpPr>
       <p:sp>
         <p:nvSpPr>
-          <p:cNvPr id="104" name="Google Shape;104;p16"/>
+          <p:cNvPr id="106" name="Google Shape;106;p16"/>
           <p:cNvSpPr txBox="1"/>
           <p:nvPr>
             <p:ph type="title"/>
@@ -8889,7 +9950,7 @@
       </p:sp>
       <p:sp>
         <p:nvSpPr>
-          <p:cNvPr id="105" name="Google Shape;105;p16"/>
+          <p:cNvPr id="107" name="Google Shape;107;p16"/>
           <p:cNvSpPr txBox="1"/>
           <p:nvPr>
             <p:ph idx="1" type="body"/>
@@ -8897,8 +9958,8 @@
         </p:nvSpPr>
         <p:spPr>
           <a:xfrm>
-            <a:off x="729450" y="2078875"/>
-            <a:ext cx="7688700" cy="2261100"/>
+            <a:off x="729450" y="1987800"/>
+            <a:ext cx="7688700" cy="2671500"/>
           </a:xfrm>
           <a:prstGeom prst="rect">
             <a:avLst/>
@@ -8906,11 +9967,11 @@
         </p:spPr>
         <p:txBody>
           <a:bodyPr anchorCtr="0" anchor="t" bIns="91425" lIns="91425" spcFirstLastPara="1" rIns="91425" wrap="square" tIns="91425">
-            <a:normAutofit fontScale="85000"/>
+            <a:noAutofit/>
           </a:bodyPr>
           <a:lstStyle/>
           <a:p>
-            <a:pPr indent="-298767" lvl="0" marL="457200" rtl="0" algn="l">
+            <a:pPr indent="-304800" lvl="0" marL="457200" rtl="0" algn="l">
               <a:spcBef>
                 <a:spcPts val="0"/>
               </a:spcBef>
@@ -8920,41 +9981,25 @@
               <a:buClr>
                 <a:srgbClr val="000000"/>
               </a:buClr>
-              <a:buSzPct val="100000"/>
+              <a:buSzPts val="1200"/>
               <a:buChar char="●"/>
             </a:pPr>
             <a:r>
-              <a:rPr lang="en-GB">
+              <a:rPr lang="en-GB" sz="1200">
                 <a:solidFill>
                   <a:srgbClr val="000000"/>
                 </a:solidFill>
               </a:rPr>
-              <a:t>Data cleaning was challenging due to mixed labels in different files. Resulted in team re-</a:t>
+              <a:t>Data cleaning was challenging due to mixed labels in different files</a:t>
             </a:r>
-            <a:r>
-              <a:rPr lang="en-GB">
-                <a:solidFill>
-                  <a:srgbClr val="000000"/>
-                </a:solidFill>
-              </a:rPr>
-              <a:t>formatting</a:t>
-            </a:r>
-            <a:r>
-              <a:rPr lang="en-GB">
-                <a:solidFill>
-                  <a:srgbClr val="000000"/>
-                </a:solidFill>
-              </a:rPr>
-              <a:t> .csv files for consistency</a:t>
-            </a:r>
-            <a:endParaRPr>
+            <a:endParaRPr sz="1200">
               <a:solidFill>
                 <a:srgbClr val="000000"/>
               </a:solidFill>
             </a:endParaRPr>
           </a:p>
           <a:p>
-            <a:pPr indent="-298767" lvl="0" marL="457200" rtl="0" algn="l">
+            <a:pPr indent="-304800" lvl="1" marL="914400" rtl="0" algn="l">
               <a:spcBef>
                 <a:spcPts val="0"/>
               </a:spcBef>
@@ -8964,25 +10009,41 @@
               <a:buClr>
                 <a:srgbClr val="000000"/>
               </a:buClr>
-              <a:buSzPct val="100000"/>
-              <a:buChar char="●"/>
+              <a:buSzPts val="1200"/>
+              <a:buChar char="○"/>
             </a:pPr>
             <a:r>
-              <a:rPr lang="en-GB">
+              <a:rPr lang="en-GB" sz="1200">
                 <a:solidFill>
                   <a:srgbClr val="000000"/>
                 </a:solidFill>
               </a:rPr>
-              <a:t>Different datasets with same data have different formatting, so pulling S&amp;P 500 data from multiple sources leads to consistency issues</a:t>
+              <a:t>Resulted in team re-</a:t>
             </a:r>
-            <a:endParaRPr>
+            <a:r>
+              <a:rPr lang="en-GB" sz="1200">
+                <a:solidFill>
+                  <a:srgbClr val="000000"/>
+                </a:solidFill>
+              </a:rPr>
+              <a:t>formatting</a:t>
+            </a:r>
+            <a:r>
+              <a:rPr lang="en-GB" sz="1200">
+                <a:solidFill>
+                  <a:srgbClr val="000000"/>
+                </a:solidFill>
+              </a:rPr>
+              <a:t> .csv files for consistency</a:t>
+            </a:r>
+            <a:endParaRPr sz="1200">
               <a:solidFill>
                 <a:srgbClr val="000000"/>
               </a:solidFill>
             </a:endParaRPr>
           </a:p>
           <a:p>
-            <a:pPr indent="-287972" lvl="1" marL="914400" rtl="0" algn="l">
+            <a:pPr indent="-304800" lvl="0" marL="457200" rtl="0" algn="l">
               <a:spcBef>
                 <a:spcPts val="0"/>
               </a:spcBef>
@@ -8992,25 +10053,25 @@
               <a:buClr>
                 <a:srgbClr val="000000"/>
               </a:buClr>
-              <a:buSzPct val="100000"/>
-              <a:buChar char="○"/>
+              <a:buSzPts val="1200"/>
+              <a:buChar char="●"/>
             </a:pPr>
             <a:r>
-              <a:rPr lang="en-GB">
+              <a:rPr lang="en-GB" sz="1200">
                 <a:solidFill>
                   <a:srgbClr val="000000"/>
                 </a:solidFill>
               </a:rPr>
-              <a:t>Recommendation: create master file for variables or ensure team is only editing to most recent version of master file</a:t>
+              <a:t>Different datasets with same data have different formatting, so pulling S&amp;P 500 data from multiple sources leads to consistency issues</a:t>
             </a:r>
-            <a:endParaRPr>
+            <a:endParaRPr sz="1200">
               <a:solidFill>
                 <a:srgbClr val="000000"/>
               </a:solidFill>
             </a:endParaRPr>
           </a:p>
           <a:p>
-            <a:pPr indent="-298767" lvl="0" marL="457200" rtl="0" algn="l">
+            <a:pPr indent="-304800" lvl="1" marL="914400" rtl="0" algn="l">
               <a:spcBef>
                 <a:spcPts val="0"/>
               </a:spcBef>
@@ -9020,25 +10081,33 @@
               <a:buClr>
                 <a:srgbClr val="000000"/>
               </a:buClr>
-              <a:buSzPct val="100000"/>
-              <a:buChar char="●"/>
+              <a:buSzPts val="1200"/>
+              <a:buChar char="○"/>
             </a:pPr>
             <a:r>
-              <a:rPr lang="en-GB">
+              <a:rPr b="1" lang="en-GB" sz="1200">
                 <a:solidFill>
                   <a:srgbClr val="000000"/>
                 </a:solidFill>
               </a:rPr>
-              <a:t>Interestingly, noticed that libraries and dependencies ordering is important, otherwise may result in an error message:</a:t>
+              <a:t>Postmortem</a:t>
             </a:r>
-            <a:endParaRPr>
+            <a:r>
+              <a:rPr lang="en-GB" sz="1200">
+                <a:solidFill>
+                  <a:srgbClr val="000000"/>
+                </a:solidFill>
+              </a:rPr>
+              <a:t>: create master file for variables or ensure team is only editing to most recent version of master file</a:t>
+            </a:r>
+            <a:endParaRPr sz="1200">
               <a:solidFill>
                 <a:srgbClr val="000000"/>
               </a:solidFill>
             </a:endParaRPr>
           </a:p>
           <a:p>
-            <a:pPr indent="-287972" lvl="1" marL="914400" rtl="0" algn="l">
+            <a:pPr indent="-304800" lvl="0" marL="457200" rtl="0" algn="l">
               <a:spcBef>
                 <a:spcPts val="0"/>
               </a:spcBef>
@@ -9048,49 +10117,25 @@
               <a:buClr>
                 <a:srgbClr val="000000"/>
               </a:buClr>
-              <a:buSzPct val="100000"/>
-              <a:buChar char="○"/>
+              <a:buSzPts val="1200"/>
+              <a:buChar char="●"/>
             </a:pPr>
             <a:r>
-              <a:rPr lang="en-GB">
+              <a:rPr lang="en-GB" sz="1200">
                 <a:solidFill>
                   <a:srgbClr val="000000"/>
                 </a:solidFill>
               </a:rPr>
-              <a:t>E</a:t>
+              <a:t>Interestingly, noticed that libraries and dependencies ordering is important, otherwise may result in an error message:</a:t>
             </a:r>
-            <a:r>
-              <a:rPr lang="en-GB">
-                <a:solidFill>
-                  <a:srgbClr val="000000"/>
-                </a:solidFill>
-              </a:rPr>
-              <a:t>.g. </a:t>
-            </a:r>
-            <a:r>
-              <a:rPr lang="en-GB">
-                <a:solidFill>
-                  <a:srgbClr val="000000"/>
-                </a:solidFill>
-              </a:rPr>
-              <a:t>“</a:t>
-            </a:r>
-            <a:r>
-              <a:rPr lang="en-GB">
-                <a:solidFill>
-                  <a:srgbClr val="000000"/>
-                </a:solidFill>
-              </a:rPr>
-              <a:t>WARNING:param.panel_extension: A HoloViz extension was loaded previously. This means the extension is already initialized and the following Panel extensions could not be properly loaded: ['plotly']. If you are loading custom extensions with pn.extension(...) ensure that this is called before any other HoloViz extension such as hvPlot or HoloViews.”</a:t>
-            </a:r>
-            <a:endParaRPr>
+            <a:endParaRPr sz="1200">
               <a:solidFill>
                 <a:srgbClr val="000000"/>
               </a:solidFill>
             </a:endParaRPr>
           </a:p>
           <a:p>
-            <a:pPr indent="-298767" lvl="0" marL="457200" rtl="0" algn="l">
+            <a:pPr indent="-304800" lvl="1" marL="914400" rtl="0" algn="l">
               <a:spcBef>
                 <a:spcPts val="0"/>
               </a:spcBef>
@@ -9100,18 +10145,70 @@
               <a:buClr>
                 <a:srgbClr val="000000"/>
               </a:buClr>
-              <a:buSzPct val="100000"/>
+              <a:buSzPts val="1200"/>
+              <a:buChar char="○"/>
+            </a:pPr>
+            <a:r>
+              <a:rPr i="1" lang="en-GB" sz="1200">
+                <a:solidFill>
+                  <a:srgbClr val="000000"/>
+                </a:solidFill>
+              </a:rPr>
+              <a:t>E</a:t>
+            </a:r>
+            <a:r>
+              <a:rPr i="1" lang="en-GB" sz="1200">
+                <a:solidFill>
+                  <a:srgbClr val="000000"/>
+                </a:solidFill>
+              </a:rPr>
+              <a:t>.g. </a:t>
+            </a:r>
+            <a:r>
+              <a:rPr i="1" lang="en-GB" sz="1200">
+                <a:solidFill>
+                  <a:srgbClr val="000000"/>
+                </a:solidFill>
+              </a:rPr>
+              <a:t>“</a:t>
+            </a:r>
+            <a:r>
+              <a:rPr i="1" lang="en-GB" sz="1200">
+                <a:solidFill>
+                  <a:srgbClr val="000000"/>
+                </a:solidFill>
+              </a:rPr>
+              <a:t>WARNING:param.panel_extension: A HoloViz extension was loaded previously. This means the extension is already initialized and the following Panel extensions could not be properly loaded: ['plotly']. If you are loading custom extensions with pn.extension(...) ensure that this is called before any other HoloViz extension such as hvPlot or HoloViews.”</a:t>
+            </a:r>
+            <a:endParaRPr i="1" sz="1200">
+              <a:solidFill>
+                <a:srgbClr val="000000"/>
+              </a:solidFill>
+            </a:endParaRPr>
+          </a:p>
+          <a:p>
+            <a:pPr indent="-304800" lvl="0" marL="457200" rtl="0" algn="l">
+              <a:spcBef>
+                <a:spcPts val="0"/>
+              </a:spcBef>
+              <a:spcAft>
+                <a:spcPts val="0"/>
+              </a:spcAft>
+              <a:buClr>
+                <a:srgbClr val="000000"/>
+              </a:buClr>
+              <a:buSzPts val="1200"/>
               <a:buChar char="●"/>
             </a:pPr>
             <a:r>
-              <a:rPr lang="en-GB">
+              <a:rPr lang="en-GB" sz="1200">
                 <a:solidFill>
                   <a:srgbClr val="000000"/>
                 </a:solidFill>
               </a:rPr>
               <a:t>Multi-indexing is helpful to demonstrate changes when there is a significant different in variable values</a:t>
             </a:r>
-            <a:endParaRPr>
+            <a:endParaRPr sz="1200">
               <a:solidFill>
                 <a:srgbClr val="000000"/>
               </a:solidFill>
@@ -9119,6 +10216,34 @@
           </a:p>
         </p:txBody>
       </p:sp>
+      <p:pic>
+        <p:nvPicPr>
+          <p:cNvPr id="108" name="Google Shape;108;p16"/>
+          <p:cNvPicPr preferRelativeResize="0"/>
+          <p:nvPr/>
+        </p:nvPicPr>
+        <p:blipFill>
+          <a:blip r:embed="rId3">
+            <a:alphaModFix/>
+          </a:blip>
+          <a:stretch>
+            <a:fillRect/>
+          </a:stretch>
+        </p:blipFill>
+        <p:spPr>
+          <a:xfrm>
+            <a:off x="5911625" y="969475"/>
+            <a:ext cx="2202775" cy="1233550"/>
+          </a:xfrm>
+          <a:prstGeom prst="rect">
+            <a:avLst/>
+          </a:prstGeom>
+          <a:noFill/>
+          <a:ln>
+            <a:noFill/>
+          </a:ln>
+        </p:spPr>
+      </p:pic>
     </p:spTree>
   </p:cSld>
   <p:clrMapOvr>
@@ -9132,7 +10257,7 @@
   <p:cSld>
     <p:spTree>
       <p:nvGrpSpPr>
-        <p:cNvPr id="109" name="Shape 109"/>
+        <p:cNvPr id="112" name="Shape 112"/>
         <p:cNvGrpSpPr/>
         <p:nvPr/>
       </p:nvGrpSpPr>
@@ -9146,7 +10271,7 @@
       </p:grpSpPr>
       <p:sp>
         <p:nvSpPr>
-          <p:cNvPr id="110" name="Google Shape;110;p17"/>
+          <p:cNvPr id="113" name="Google Shape;113;p17"/>
           <p:cNvSpPr txBox="1"/>
           <p:nvPr>
             <p:ph type="title"/>
@@ -9178,15 +10303,31 @@
             </a:pPr>
             <a:r>
               <a:rPr lang="en-GB"/>
-              <a:t>Data Analysis: Indices</a:t>
+              <a:t>Data Analysis: </a:t>
             </a:r>
-            <a:endParaRPr/>
+            <a:endParaRPr i="1"/>
+          </a:p>
+          <a:p>
+            <a:pPr indent="0" lvl="0" marL="0" rtl="0" algn="l">
+              <a:spcBef>
+                <a:spcPts val="0"/>
+              </a:spcBef>
+              <a:spcAft>
+                <a:spcPts val="0"/>
+              </a:spcAft>
+              <a:buNone/>
+            </a:pPr>
+            <a:r>
+              <a:rPr i="1" lang="en-GB"/>
+              <a:t>Indices</a:t>
+            </a:r>
+            <a:endParaRPr i="1"/>
           </a:p>
         </p:txBody>
       </p:sp>
       <p:sp>
         <p:nvSpPr>
-          <p:cNvPr id="111" name="Google Shape;111;p17"/>
+          <p:cNvPr id="114" name="Google Shape;114;p17"/>
           <p:cNvSpPr txBox="1"/>
           <p:nvPr>
             <p:ph idx="1" type="body"/>
@@ -9194,8 +10335,8 @@
         </p:nvSpPr>
         <p:spPr>
           <a:xfrm>
-            <a:off x="729450" y="2078875"/>
-            <a:ext cx="7688700" cy="2261100"/>
+            <a:off x="4336550" y="1863263"/>
+            <a:ext cx="4680000" cy="3107700"/>
           </a:xfrm>
           <a:prstGeom prst="rect">
             <a:avLst/>
@@ -9207,7 +10348,7 @@
           </a:bodyPr>
           <a:lstStyle/>
           <a:p>
-            <a:pPr indent="-292100" lvl="0" marL="457200" rtl="0" algn="l">
+            <a:pPr indent="-304800" lvl="0" marL="457200" rtl="0" algn="l">
               <a:spcBef>
                 <a:spcPts val="0"/>
               </a:spcBef>
@@ -9217,25 +10358,25 @@
               <a:buClr>
                 <a:srgbClr val="000000"/>
               </a:buClr>
-              <a:buSzPts val="1000"/>
+              <a:buSzPts val="1200"/>
               <a:buChar char="●"/>
             </a:pPr>
             <a:r>
-              <a:rPr lang="en-GB" sz="1000">
+              <a:rPr lang="en-GB" sz="1200">
                 <a:solidFill>
                   <a:srgbClr val="000000"/>
                 </a:solidFill>
               </a:rPr>
-              <a:t>From 1985 to early 2000, gold was used to hedge against market downturn. </a:t>
+              <a:t>The correlation started to change to positive due to creation of paper gold and commodities market in 1970's. </a:t>
             </a:r>
-            <a:endParaRPr sz="1000">
+            <a:endParaRPr sz="1200">
               <a:solidFill>
                 <a:srgbClr val="000000"/>
               </a:solidFill>
             </a:endParaRPr>
           </a:p>
           <a:p>
-            <a:pPr indent="-292100" lvl="0" marL="457200" rtl="0" algn="l">
+            <a:pPr indent="-304800" lvl="1" marL="914400" rtl="0" algn="l">
               <a:spcBef>
                 <a:spcPts val="0"/>
               </a:spcBef>
@@ -9245,25 +10386,25 @@
               <a:buClr>
                 <a:srgbClr val="000000"/>
               </a:buClr>
-              <a:buSzPts val="1000"/>
-              <a:buChar char="●"/>
+              <a:buSzPts val="1200"/>
+              <a:buChar char="○"/>
             </a:pPr>
             <a:r>
-              <a:rPr lang="en-GB" sz="1000">
+              <a:rPr lang="en-GB" sz="1200">
                 <a:solidFill>
                   <a:srgbClr val="000000"/>
                 </a:solidFill>
               </a:rPr>
-              <a:t>When investors were expecting a bear market, they sell shares in stock market and buy gold, causing decline in stock market indices and rise in gold prices. </a:t>
+              <a:t>However, it took some time for the paper gold and commodities futures market to be popularized and accessible to retail investors; therefore, the transition was not apparent until mid 2000's. </a:t>
             </a:r>
-            <a:endParaRPr sz="1000">
+            <a:endParaRPr sz="1200">
               <a:solidFill>
                 <a:srgbClr val="000000"/>
               </a:solidFill>
             </a:endParaRPr>
           </a:p>
           <a:p>
-            <a:pPr indent="-292100" lvl="0" marL="457200" rtl="0" algn="l">
+            <a:pPr indent="-304800" lvl="0" marL="457200" rtl="0" algn="l">
               <a:spcBef>
                 <a:spcPts val="0"/>
               </a:spcBef>
@@ -9273,25 +10414,25 @@
               <a:buClr>
                 <a:srgbClr val="000000"/>
               </a:buClr>
-              <a:buSzPts val="1000"/>
+              <a:buSzPts val="1200"/>
               <a:buChar char="●"/>
             </a:pPr>
             <a:r>
-              <a:rPr lang="en-GB" sz="1000">
+              <a:rPr lang="en-GB" sz="1200">
                 <a:solidFill>
                   <a:srgbClr val="000000"/>
                 </a:solidFill>
               </a:rPr>
-              <a:t>Hence, gold price moved in the opposite direction of S&amp;P 500 index. This is shown as negative (inverse) correlation until early 2000. </a:t>
+              <a:t>Commodities market allows  traders and investors to speculate on future commodities prices. </a:t>
             </a:r>
-            <a:endParaRPr sz="1000">
+            <a:endParaRPr sz="1200">
               <a:solidFill>
                 <a:srgbClr val="000000"/>
               </a:solidFill>
             </a:endParaRPr>
           </a:p>
           <a:p>
-            <a:pPr indent="-292100" lvl="0" marL="457200" rtl="0" algn="l">
+            <a:pPr indent="-304800" lvl="1" marL="914400" rtl="0" algn="l">
               <a:spcBef>
                 <a:spcPts val="0"/>
               </a:spcBef>
@@ -9301,25 +10442,25 @@
               <a:buClr>
                 <a:srgbClr val="000000"/>
               </a:buClr>
-              <a:buSzPts val="1000"/>
-              <a:buChar char="●"/>
+              <a:buSzPts val="1200"/>
+              <a:buChar char="○"/>
             </a:pPr>
             <a:r>
-              <a:rPr lang="en-GB" sz="1000">
+              <a:rPr lang="en-GB" sz="1200">
                 <a:solidFill>
                   <a:srgbClr val="000000"/>
                 </a:solidFill>
               </a:rPr>
-              <a:t>The correlation started to change to positive due to creation of paper gold and commodities market in 1970's. </a:t>
+              <a:t>As a result, the gold price correlation began to shift to positive territory</a:t>
             </a:r>
-            <a:endParaRPr sz="1000">
+            <a:endParaRPr sz="1200">
               <a:solidFill>
                 <a:srgbClr val="000000"/>
               </a:solidFill>
             </a:endParaRPr>
           </a:p>
           <a:p>
-            <a:pPr indent="-292100" lvl="0" marL="457200" rtl="0" algn="l">
+            <a:pPr indent="-304800" lvl="0" marL="457200" rtl="0" algn="l">
               <a:spcBef>
                 <a:spcPts val="0"/>
               </a:spcBef>
@@ -9329,25 +10470,25 @@
               <a:buClr>
                 <a:srgbClr val="000000"/>
               </a:buClr>
-              <a:buSzPts val="1000"/>
+              <a:buSzPts val="1200"/>
               <a:buChar char="●"/>
             </a:pPr>
             <a:r>
-              <a:rPr lang="en-GB" sz="1000">
+              <a:rPr lang="en-GB" sz="1200">
                 <a:solidFill>
                   <a:srgbClr val="000000"/>
                 </a:solidFill>
               </a:rPr>
-              <a:t>However, it took some time for the paper gold and commodities futures market to be popularized and accessible to retail investors; therefore, the transition was not apparent until mid 2000's. </a:t>
+              <a:t>Since 2007, Crude Oil &gt;  Gold correlation  to S&amp;P 500</a:t>
             </a:r>
-            <a:endParaRPr sz="1000">
+            <a:endParaRPr sz="1200">
               <a:solidFill>
                 <a:srgbClr val="000000"/>
               </a:solidFill>
             </a:endParaRPr>
           </a:p>
           <a:p>
-            <a:pPr indent="-292100" lvl="0" marL="457200" rtl="0" algn="l">
+            <a:pPr indent="-304800" lvl="0" marL="457200" rtl="0" algn="l">
               <a:spcBef>
                 <a:spcPts val="0"/>
               </a:spcBef>
@@ -9357,74 +10498,37 @@
               <a:buClr>
                 <a:srgbClr val="000000"/>
               </a:buClr>
-              <a:buSzPts val="1000"/>
+              <a:buSzPts val="1200"/>
               <a:buChar char="●"/>
             </a:pPr>
             <a:r>
-              <a:rPr lang="en-GB" sz="1000">
+              <a:rPr lang="en-GB" sz="1200">
                 <a:solidFill>
                   <a:srgbClr val="000000"/>
                 </a:solidFill>
               </a:rPr>
-              <a:t>The commodities market allowed traders and investors to speculate on future commodities prices. As a result, the gold price correlation began to shift to positive territory. </a:t>
+              <a:t>Cryptocurrencies have weak correlation to S&amp;P 500</a:t>
             </a:r>
-            <a:endParaRPr sz="1000">
+            <a:endParaRPr sz="1200">
               <a:solidFill>
                 <a:srgbClr val="000000"/>
               </a:solidFill>
             </a:endParaRPr>
           </a:p>
           <a:p>
-            <a:pPr indent="-292100" lvl="0" marL="457200" rtl="0" algn="l">
-              <a:spcBef>
-                <a:spcPts val="0"/>
-              </a:spcBef>
-              <a:spcAft>
-                <a:spcPts val="0"/>
-              </a:spcAft>
-              <a:buClr>
-                <a:srgbClr val="000000"/>
-              </a:buClr>
-              <a:buSzPts val="1000"/>
-              <a:buChar char="●"/>
+            <a:pPr indent="0" lvl="0" marL="0" rtl="0" algn="l">
+              <a:spcBef>
+                <a:spcPts val="1200"/>
+              </a:spcBef>
+              <a:spcAft>
+                <a:spcPts val="1200"/>
+              </a:spcAft>
+              <a:buNone/>
             </a:pPr>
             <a:r>
-              <a:rPr lang="en-GB" sz="1000">
-                <a:solidFill>
-                  <a:srgbClr val="000000"/>
-                </a:solidFill>
-              </a:rPr>
-              <a:t>Since 2007, we noticed that Crude Oil has become more correlated to S&amp;P 500.</a:t>
+              <a:t/>
             </a:r>
-            <a:endParaRPr sz="1000">
-              <a:solidFill>
-                <a:srgbClr val="000000"/>
-              </a:solidFill>
-            </a:endParaRPr>
-          </a:p>
-          <a:p>
-            <a:pPr indent="-292100" lvl="0" marL="457200" rtl="0" algn="l">
-              <a:spcBef>
-                <a:spcPts val="0"/>
-              </a:spcBef>
-              <a:spcAft>
-                <a:spcPts val="0"/>
-              </a:spcAft>
-              <a:buClr>
-                <a:srgbClr val="000000"/>
-              </a:buClr>
-              <a:buSzPts val="1000"/>
-              <a:buChar char="●"/>
-            </a:pPr>
-            <a:r>
-              <a:rPr lang="en-GB" sz="1000">
-                <a:solidFill>
-                  <a:srgbClr val="000000"/>
-                </a:solidFill>
-              </a:rPr>
-              <a:t>Cryptocurrencies have weak correlation to S&amp;P 500.</a:t>
-            </a:r>
-            <a:endParaRPr sz="1000">
+            <a:endParaRPr sz="1200">
               <a:solidFill>
                 <a:srgbClr val="000000"/>
               </a:solidFill>
@@ -9432,6 +10536,33 @@
           </a:p>
         </p:txBody>
       </p:sp>
+      <p:pic>
+        <p:nvPicPr>
+          <p:cNvPr id="115" name="Google Shape;115;p17"/>
+          <p:cNvPicPr preferRelativeResize="0"/>
+          <p:nvPr/>
+        </p:nvPicPr>
+        <p:blipFill rotWithShape="1">
+          <a:blip r:embed="rId3">
+            <a:alphaModFix/>
+          </a:blip>
+          <a:srcRect b="0" l="0" r="0" t="17115"/>
+          <a:stretch/>
+        </p:blipFill>
+        <p:spPr>
+          <a:xfrm>
+            <a:off x="218250" y="2444313"/>
+            <a:ext cx="4353748" cy="1945574"/>
+          </a:xfrm>
+          <a:prstGeom prst="rect">
+            <a:avLst/>
+          </a:prstGeom>
+          <a:noFill/>
+          <a:ln>
+            <a:noFill/>
+          </a:ln>
+        </p:spPr>
+      </p:pic>
     </p:spTree>
   </p:cSld>
   <p:clrMapOvr>
@@ -9445,7 +10576,7 @@
   <p:cSld>
     <p:spTree>
       <p:nvGrpSpPr>
-        <p:cNvPr id="115" name="Shape 115"/>
+        <p:cNvPr id="119" name="Shape 119"/>
         <p:cNvGrpSpPr/>
         <p:nvPr/>
       </p:nvGrpSpPr>
@@ -9459,7 +10590,7 @@
       </p:grpSpPr>
       <p:sp>
         <p:nvSpPr>
-          <p:cNvPr id="116" name="Google Shape;116;p18"/>
+          <p:cNvPr id="120" name="Google Shape;120;p18"/>
           <p:cNvSpPr txBox="1"/>
           <p:nvPr>
             <p:ph type="title"/>
@@ -9495,7 +10626,194 @@
                   <a:srgbClr val="000000"/>
                 </a:solidFill>
               </a:rPr>
-              <a:t>Data Analysis: Commodities</a:t>
+              <a:t>Data Analysis: </a:t>
+            </a:r>
+            <a:endParaRPr i="1">
+              <a:solidFill>
+                <a:srgbClr val="000000"/>
+              </a:solidFill>
+            </a:endParaRPr>
+          </a:p>
+          <a:p>
+            <a:pPr indent="0" lvl="0" marL="0" rtl="0" algn="l">
+              <a:spcBef>
+                <a:spcPts val="0"/>
+              </a:spcBef>
+              <a:spcAft>
+                <a:spcPts val="0"/>
+              </a:spcAft>
+              <a:buNone/>
+            </a:pPr>
+            <a:r>
+              <a:rPr i="1" lang="en-GB">
+                <a:solidFill>
+                  <a:srgbClr val="000000"/>
+                </a:solidFill>
+              </a:rPr>
+              <a:t>Commodities</a:t>
+            </a:r>
+            <a:endParaRPr i="1">
+              <a:solidFill>
+                <a:srgbClr val="000000"/>
+              </a:solidFill>
+            </a:endParaRPr>
+          </a:p>
+        </p:txBody>
+      </p:sp>
+      <p:sp>
+        <p:nvSpPr>
+          <p:cNvPr id="121" name="Google Shape;121;p18"/>
+          <p:cNvSpPr txBox="1"/>
+          <p:nvPr>
+            <p:ph idx="1" type="body"/>
+          </p:nvPr>
+        </p:nvSpPr>
+        <p:spPr>
+          <a:xfrm>
+            <a:off x="5111950" y="965425"/>
+            <a:ext cx="3901800" cy="3807000"/>
+          </a:xfrm>
+          <a:prstGeom prst="rect">
+            <a:avLst/>
+          </a:prstGeom>
+        </p:spPr>
+        <p:txBody>
+          <a:bodyPr anchorCtr="0" anchor="t" bIns="91425" lIns="91425" spcFirstLastPara="1" rIns="91425" wrap="square" tIns="91425">
+            <a:noAutofit/>
+          </a:bodyPr>
+          <a:lstStyle/>
+          <a:p>
+            <a:pPr indent="-311150" lvl="0" marL="457200" rtl="0" algn="l">
+              <a:spcBef>
+                <a:spcPts val="0"/>
+              </a:spcBef>
+              <a:spcAft>
+                <a:spcPts val="0"/>
+              </a:spcAft>
+              <a:buClr>
+                <a:srgbClr val="000000"/>
+              </a:buClr>
+              <a:buSzPts val="1300"/>
+              <a:buChar char="●"/>
+            </a:pPr>
+            <a:r>
+              <a:rPr lang="en-GB">
+                <a:solidFill>
+                  <a:srgbClr val="000000"/>
+                </a:solidFill>
+              </a:rPr>
+              <a:t>US Dollar index has very little correlation with the S&amp;P 500 index throughout time</a:t>
+            </a:r>
+            <a:endParaRPr>
+              <a:solidFill>
+                <a:srgbClr val="000000"/>
+              </a:solidFill>
+            </a:endParaRPr>
+          </a:p>
+          <a:p>
+            <a:pPr indent="-298450" lvl="1" marL="914400" rtl="0" algn="l">
+              <a:spcBef>
+                <a:spcPts val="0"/>
+              </a:spcBef>
+              <a:spcAft>
+                <a:spcPts val="0"/>
+              </a:spcAft>
+              <a:buClr>
+                <a:srgbClr val="000000"/>
+              </a:buClr>
+              <a:buSzPts val="1100"/>
+              <a:buChar char="○"/>
+            </a:pPr>
+            <a:r>
+              <a:rPr lang="en-GB" sz="1300">
+                <a:solidFill>
+                  <a:srgbClr val="000000"/>
+                </a:solidFill>
+              </a:rPr>
+              <a:t>l</a:t>
+            </a:r>
+            <a:r>
+              <a:rPr lang="en-GB" sz="1300">
+                <a:solidFill>
+                  <a:srgbClr val="000000"/>
+                </a:solidFill>
+              </a:rPr>
+              <a:t>ikely  a result of the money market being used as a very liquid, non-risky area of investment especially being in the form of a strong world currency such as the USD</a:t>
+            </a:r>
+            <a:endParaRPr sz="1300">
+              <a:solidFill>
+                <a:srgbClr val="000000"/>
+              </a:solidFill>
+            </a:endParaRPr>
+          </a:p>
+          <a:p>
+            <a:pPr indent="-311150" lvl="0" marL="457200" rtl="0" algn="l">
+              <a:spcBef>
+                <a:spcPts val="0"/>
+              </a:spcBef>
+              <a:spcAft>
+                <a:spcPts val="0"/>
+              </a:spcAft>
+              <a:buClr>
+                <a:srgbClr val="000000"/>
+              </a:buClr>
+              <a:buSzPts val="1300"/>
+              <a:buChar char="●"/>
+            </a:pPr>
+            <a:r>
+              <a:rPr lang="en-GB">
+                <a:solidFill>
+                  <a:srgbClr val="000000"/>
+                </a:solidFill>
+              </a:rPr>
+              <a:t>The West Texas Intermediate (WTI) is more correlated to the S&amp;P 500 index and the WTI stock has become more so in the more recent years</a:t>
+            </a:r>
+            <a:endParaRPr>
+              <a:solidFill>
+                <a:srgbClr val="000000"/>
+              </a:solidFill>
+            </a:endParaRPr>
+          </a:p>
+          <a:p>
+            <a:pPr indent="-311150" lvl="1" marL="914400" rtl="0" algn="l">
+              <a:spcBef>
+                <a:spcPts val="0"/>
+              </a:spcBef>
+              <a:spcAft>
+                <a:spcPts val="0"/>
+              </a:spcAft>
+              <a:buClr>
+                <a:srgbClr val="000000"/>
+              </a:buClr>
+              <a:buSzPts val="1300"/>
+              <a:buChar char="○"/>
+            </a:pPr>
+            <a:r>
+              <a:rPr lang="en-GB" sz="1300">
+                <a:solidFill>
+                  <a:srgbClr val="000000"/>
+                </a:solidFill>
+              </a:rPr>
+              <a:t>likely due to investor speculation on these kinds of commodities in more recent years as the future of the oil industry is unknown, combined with various political influences affecting supply</a:t>
+            </a:r>
+            <a:endParaRPr sz="1400">
+              <a:solidFill>
+                <a:srgbClr val="000000"/>
+              </a:solidFill>
+            </a:endParaRPr>
+          </a:p>
+          <a:p>
+            <a:pPr indent="0" lvl="0" marL="0" rtl="0" algn="l">
+              <a:spcBef>
+                <a:spcPts val="600"/>
+              </a:spcBef>
+              <a:spcAft>
+                <a:spcPts val="600"/>
+              </a:spcAft>
+              <a:buNone/>
+            </a:pPr>
+            <a:r>
+              <a:t/>
             </a:r>
             <a:endParaRPr>
               <a:solidFill>
@@ -9505,220 +10823,34 @@
           </a:p>
         </p:txBody>
       </p:sp>
-      <p:sp>
-        <p:nvSpPr>
-          <p:cNvPr id="117" name="Google Shape;117;p18"/>
-          <p:cNvSpPr txBox="1"/>
-          <p:nvPr>
-            <p:ph idx="1" type="body"/>
-          </p:nvPr>
-        </p:nvSpPr>
+      <p:pic>
+        <p:nvPicPr>
+          <p:cNvPr id="122" name="Google Shape;122;p18"/>
+          <p:cNvPicPr preferRelativeResize="0"/>
+          <p:nvPr/>
+        </p:nvPicPr>
+        <p:blipFill>
+          <a:blip r:embed="rId3">
+            <a:alphaModFix/>
+          </a:blip>
+          <a:stretch>
+            <a:fillRect/>
+          </a:stretch>
+        </p:blipFill>
         <p:spPr>
           <a:xfrm>
-            <a:off x="729450" y="2078875"/>
-            <a:ext cx="7688700" cy="2261100"/>
+            <a:off x="143350" y="2571750"/>
+            <a:ext cx="5191600" cy="2369099"/>
           </a:xfrm>
           <a:prstGeom prst="rect">
             <a:avLst/>
           </a:prstGeom>
+          <a:noFill/>
+          <a:ln>
+            <a:noFill/>
+          </a:ln>
         </p:spPr>
-        <p:txBody>
-          <a:bodyPr anchorCtr="0" anchor="t" bIns="91425" lIns="91425" spcFirstLastPara="1" rIns="91425" wrap="square" tIns="91425">
-            <a:normAutofit/>
-          </a:bodyPr>
-          <a:lstStyle/>
-          <a:p>
-            <a:pPr indent="-292100" lvl="0" marL="457200" rtl="0" algn="l">
-              <a:spcBef>
-                <a:spcPts val="0"/>
-              </a:spcBef>
-              <a:spcAft>
-                <a:spcPts val="0"/>
-              </a:spcAft>
-              <a:buClr>
-                <a:srgbClr val="000000"/>
-              </a:buClr>
-              <a:buSzPts val="1000"/>
-              <a:buFont typeface="Trebuchet MS"/>
-              <a:buChar char="●"/>
-            </a:pPr>
-            <a:r>
-              <a:rPr lang="en-GB" sz="1000">
-                <a:solidFill>
-                  <a:srgbClr val="000000"/>
-                </a:solidFill>
-                <a:latin typeface="Trebuchet MS"/>
-                <a:ea typeface="Trebuchet MS"/>
-                <a:cs typeface="Trebuchet MS"/>
-                <a:sym typeface="Trebuchet MS"/>
-              </a:rPr>
-              <a:t>US Dollar index has very little correlation with the S&amp;P 500 index throughout time. </a:t>
-            </a:r>
-            <a:endParaRPr sz="1000">
-              <a:solidFill>
-                <a:srgbClr val="000000"/>
-              </a:solidFill>
-              <a:latin typeface="Trebuchet MS"/>
-              <a:ea typeface="Trebuchet MS"/>
-              <a:cs typeface="Trebuchet MS"/>
-              <a:sym typeface="Trebuchet MS"/>
-            </a:endParaRPr>
-          </a:p>
-          <a:p>
-            <a:pPr indent="-292100" lvl="1" marL="914400" rtl="0" algn="l">
-              <a:spcBef>
-                <a:spcPts val="0"/>
-              </a:spcBef>
-              <a:spcAft>
-                <a:spcPts val="0"/>
-              </a:spcAft>
-              <a:buClr>
-                <a:srgbClr val="000000"/>
-              </a:buClr>
-              <a:buSzPts val="1000"/>
-              <a:buFont typeface="Trebuchet MS"/>
-              <a:buChar char="○"/>
-            </a:pPr>
-            <a:r>
-              <a:rPr lang="en-GB" sz="1000">
-                <a:solidFill>
-                  <a:srgbClr val="000000"/>
-                </a:solidFill>
-                <a:latin typeface="Trebuchet MS"/>
-                <a:ea typeface="Trebuchet MS"/>
-                <a:cs typeface="Trebuchet MS"/>
-                <a:sym typeface="Trebuchet MS"/>
-              </a:rPr>
-              <a:t>This is probably a result of the money market being used as a very liquid, non-risky area of investment especially being in the form of a strong world currency such as the USD. </a:t>
-            </a:r>
-            <a:endParaRPr sz="1000">
-              <a:solidFill>
-                <a:srgbClr val="000000"/>
-              </a:solidFill>
-              <a:latin typeface="Trebuchet MS"/>
-              <a:ea typeface="Trebuchet MS"/>
-              <a:cs typeface="Trebuchet MS"/>
-              <a:sym typeface="Trebuchet MS"/>
-            </a:endParaRPr>
-          </a:p>
-          <a:p>
-            <a:pPr indent="-292100" lvl="0" marL="457200" rtl="0" algn="l">
-              <a:spcBef>
-                <a:spcPts val="0"/>
-              </a:spcBef>
-              <a:spcAft>
-                <a:spcPts val="0"/>
-              </a:spcAft>
-              <a:buClr>
-                <a:srgbClr val="000000"/>
-              </a:buClr>
-              <a:buSzPts val="1000"/>
-              <a:buFont typeface="Trebuchet MS"/>
-              <a:buChar char="●"/>
-            </a:pPr>
-            <a:r>
-              <a:rPr lang="en-GB" sz="1000">
-                <a:solidFill>
-                  <a:srgbClr val="000000"/>
-                </a:solidFill>
-                <a:latin typeface="Trebuchet MS"/>
-                <a:ea typeface="Trebuchet MS"/>
-                <a:cs typeface="Trebuchet MS"/>
-                <a:sym typeface="Trebuchet MS"/>
-              </a:rPr>
-              <a:t>The West Texas Intermediate (WTI) is more correlated to the S&amp;P 500 index and the WTI stock has become more so in the more recent years. </a:t>
-            </a:r>
-            <a:endParaRPr sz="1000">
-              <a:solidFill>
-                <a:srgbClr val="000000"/>
-              </a:solidFill>
-              <a:latin typeface="Trebuchet MS"/>
-              <a:ea typeface="Trebuchet MS"/>
-              <a:cs typeface="Trebuchet MS"/>
-              <a:sym typeface="Trebuchet MS"/>
-            </a:endParaRPr>
-          </a:p>
-          <a:p>
-            <a:pPr indent="-292100" lvl="1" marL="914400" rtl="0" algn="l">
-              <a:spcBef>
-                <a:spcPts val="0"/>
-              </a:spcBef>
-              <a:spcAft>
-                <a:spcPts val="0"/>
-              </a:spcAft>
-              <a:buClr>
-                <a:srgbClr val="000000"/>
-              </a:buClr>
-              <a:buSzPts val="1000"/>
-              <a:buFont typeface="Trebuchet MS"/>
-              <a:buChar char="○"/>
-            </a:pPr>
-            <a:r>
-              <a:rPr lang="en-GB" sz="1000">
-                <a:solidFill>
-                  <a:srgbClr val="000000"/>
-                </a:solidFill>
-                <a:latin typeface="Trebuchet MS"/>
-                <a:ea typeface="Trebuchet MS"/>
-                <a:cs typeface="Trebuchet MS"/>
-                <a:sym typeface="Trebuchet MS"/>
-              </a:rPr>
-              <a:t>This increase in correlation is likely due to investors beginning to speculate on these kinds of commodities in more recent years as the future of the oil industry is unknown, combined with various political influences affecting supply.</a:t>
-            </a:r>
-            <a:endParaRPr sz="1000">
-              <a:solidFill>
-                <a:srgbClr val="000000"/>
-              </a:solidFill>
-              <a:latin typeface="Trebuchet MS"/>
-              <a:ea typeface="Trebuchet MS"/>
-              <a:cs typeface="Trebuchet MS"/>
-              <a:sym typeface="Trebuchet MS"/>
-            </a:endParaRPr>
-          </a:p>
-          <a:p>
-            <a:pPr indent="0" lvl="0" marL="0" rtl="0" algn="l">
-              <a:spcBef>
-                <a:spcPts val="600"/>
-              </a:spcBef>
-              <a:spcAft>
-                <a:spcPts val="0"/>
-              </a:spcAft>
-              <a:buNone/>
-            </a:pPr>
-            <a:r>
-              <a:t/>
-            </a:r>
-            <a:endParaRPr sz="1000">
-              <a:solidFill>
-                <a:srgbClr val="000000"/>
-              </a:solidFill>
-              <a:latin typeface="Arial"/>
-              <a:ea typeface="Arial"/>
-              <a:cs typeface="Arial"/>
-              <a:sym typeface="Arial"/>
-            </a:endParaRPr>
-          </a:p>
-          <a:p>
-            <a:pPr indent="0" lvl="0" marL="0" rtl="0" algn="l">
-              <a:spcBef>
-                <a:spcPts val="0"/>
-              </a:spcBef>
-              <a:spcAft>
-                <a:spcPts val="1200"/>
-              </a:spcAft>
-              <a:buNone/>
-            </a:pPr>
-            <a:r>
-              <a:t/>
-            </a:r>
-            <a:endParaRPr sz="1000">
-              <a:solidFill>
-                <a:srgbClr val="000000"/>
-              </a:solidFill>
-            </a:endParaRPr>
-          </a:p>
-        </p:txBody>
-      </p:sp>
+      </p:pic>
     </p:spTree>
   </p:cSld>
   <p:clrMapOvr>
@@ -9732,7 +10864,7 @@
   <p:cSld>
     <p:spTree>
       <p:nvGrpSpPr>
-        <p:cNvPr id="121" name="Shape 121"/>
+        <p:cNvPr id="126" name="Shape 126"/>
         <p:cNvGrpSpPr/>
         <p:nvPr/>
       </p:nvGrpSpPr>
@@ -9746,7 +10878,7 @@
       </p:grpSpPr>
       <p:sp>
         <p:nvSpPr>
-          <p:cNvPr id="122" name="Google Shape;122;p19"/>
+          <p:cNvPr id="127" name="Google Shape;127;p19"/>
           <p:cNvSpPr txBox="1"/>
           <p:nvPr>
             <p:ph type="title"/>
@@ -9778,7 +10910,23 @@
             </a:pPr>
             <a:r>
               <a:rPr lang="en-GB"/>
-              <a:t>Data Analysis: Economic indicators</a:t>
+              <a:t>Data Analysis: </a:t>
+            </a:r>
+            <a:endParaRPr/>
+          </a:p>
+          <a:p>
+            <a:pPr indent="0" lvl="0" marL="0" rtl="0" algn="l">
+              <a:spcBef>
+                <a:spcPts val="0"/>
+              </a:spcBef>
+              <a:spcAft>
+                <a:spcPts val="0"/>
+              </a:spcAft>
+              <a:buNone/>
+            </a:pPr>
+            <a:r>
+              <a:rPr i="1" lang="en-GB"/>
+              <a:t>Economic indicators</a:t>
             </a:r>
             <a:br>
               <a:rPr lang="en-GB"/>
@@ -9789,7 +10937,7 @@
       </p:sp>
       <p:sp>
         <p:nvSpPr>
-          <p:cNvPr id="123" name="Google Shape;123;p19"/>
+          <p:cNvPr id="128" name="Google Shape;128;p19"/>
           <p:cNvSpPr txBox="1"/>
           <p:nvPr>
             <p:ph idx="1" type="body"/>
@@ -9797,8 +10945,8 @@
         </p:nvSpPr>
         <p:spPr>
           <a:xfrm>
-            <a:off x="729450" y="2078875"/>
-            <a:ext cx="7688700" cy="2261100"/>
+            <a:off x="727650" y="2395500"/>
+            <a:ext cx="2977200" cy="2748000"/>
           </a:xfrm>
           <a:prstGeom prst="rect">
             <a:avLst/>
@@ -9820,23 +10968,23 @@
               <a:buNone/>
             </a:pPr>
             <a:r>
-              <a:rPr b="1" lang="en-GB" sz="1000">
+              <a:rPr b="1" lang="en-GB" sz="1400">
                 <a:solidFill>
                   <a:srgbClr val="000000"/>
                 </a:solidFill>
               </a:rPr>
               <a:t>Does S&amp;P 500 have correlation to GDP and Interest rate?</a:t>
             </a:r>
-            <a:endParaRPr b="1" sz="1000">
+            <a:endParaRPr b="1" sz="1400">
               <a:solidFill>
                 <a:srgbClr val="000000"/>
               </a:solidFill>
             </a:endParaRPr>
           </a:p>
           <a:p>
-            <a:pPr indent="-292100" lvl="0" marL="457200" rtl="0" algn="l">
-              <a:spcBef>
-                <a:spcPts val="600"/>
+            <a:pPr indent="-317500" lvl="0" marL="457200" rtl="0" algn="l">
+              <a:spcBef>
+                <a:spcPts val="0"/>
               </a:spcBef>
               <a:spcAft>
                 <a:spcPts val="0"/>
@@ -9844,25 +10992,25 @@
               <a:buClr>
                 <a:srgbClr val="000000"/>
               </a:buClr>
-              <a:buSzPts val="1000"/>
+              <a:buSzPts val="1400"/>
               <a:buChar char="●"/>
             </a:pPr>
             <a:r>
-              <a:rPr lang="en-GB" sz="1000">
+              <a:rPr lang="en-GB" sz="1400">
                 <a:solidFill>
                   <a:srgbClr val="000000"/>
                 </a:solidFill>
               </a:rPr>
-              <a:t>Interest rate and S&amp;P 500 index has a very little to no correlation between them.</a:t>
+              <a:t>Interest rate and S&amp;P 500 index has a very little to no correlation between them</a:t>
             </a:r>
-            <a:endParaRPr sz="1000">
+            <a:endParaRPr sz="1400">
               <a:solidFill>
                 <a:srgbClr val="000000"/>
               </a:solidFill>
             </a:endParaRPr>
           </a:p>
           <a:p>
-            <a:pPr indent="-292100" lvl="0" marL="457200" rtl="0" algn="l">
+            <a:pPr indent="-317500" lvl="0" marL="457200" rtl="0" algn="l">
               <a:spcBef>
                 <a:spcPts val="0"/>
               </a:spcBef>
@@ -9872,18 +11020,18 @@
               <a:buClr>
                 <a:srgbClr val="000000"/>
               </a:buClr>
-              <a:buSzPts val="1000"/>
+              <a:buSzPts val="1400"/>
               <a:buChar char="●"/>
             </a:pPr>
             <a:r>
-              <a:rPr lang="en-GB" sz="1000">
+              <a:rPr lang="en-GB" sz="1400">
                 <a:solidFill>
                   <a:srgbClr val="000000"/>
                 </a:solidFill>
               </a:rPr>
-              <a:t>GDP seems similar to S&amp;P 500, line trends positively for both and heat map shows some correlation between them as well.</a:t>
+              <a:t>GDP seems similar to S&amp;P 500, line trends positively for both and heat map shows some correlation between them as well</a:t>
             </a:r>
-            <a:endParaRPr sz="1000">
+            <a:endParaRPr sz="1400">
               <a:solidFill>
                 <a:srgbClr val="000000"/>
               </a:solidFill>
@@ -9900,98 +11048,14 @@
               <a:buNone/>
             </a:pPr>
             <a:r>
-              <a:rPr b="1" lang="en-GB" sz="1000">
+              <a:rPr lang="en-GB" sz="1200">
                 <a:solidFill>
                   <a:srgbClr val="000000"/>
                 </a:solidFill>
               </a:rPr>
-              <a:t>Does president have any influence on stock market &amp; GDP?</a:t>
+              <a:t> </a:t>
             </a:r>
-            <a:endParaRPr b="1" sz="1000">
-              <a:solidFill>
-                <a:srgbClr val="000000"/>
-              </a:solidFill>
-            </a:endParaRPr>
-          </a:p>
-          <a:p>
-            <a:pPr indent="-292100" lvl="0" marL="457200" rtl="0" algn="l">
-              <a:spcBef>
-                <a:spcPts val="600"/>
-              </a:spcBef>
-              <a:spcAft>
-                <a:spcPts val="0"/>
-              </a:spcAft>
-              <a:buClr>
-                <a:srgbClr val="000000"/>
-              </a:buClr>
-              <a:buSzPts val="1000"/>
-              <a:buChar char="●"/>
-            </a:pPr>
-            <a:r>
-              <a:rPr lang="en-GB" sz="1000">
-                <a:solidFill>
-                  <a:srgbClr val="000000"/>
-                </a:solidFill>
-              </a:rPr>
-              <a:t>President’s impact on the economy (Stock market) has a little impact on growth and changes in stock market. Observing the S&amp;P 500 growing positively through all year regardless of the president. </a:t>
-            </a:r>
-            <a:endParaRPr sz="1000">
-              <a:solidFill>
-                <a:srgbClr val="000000"/>
-              </a:solidFill>
-            </a:endParaRPr>
-          </a:p>
-          <a:p>
-            <a:pPr indent="-292100" lvl="0" marL="457200" rtl="0" algn="l">
-              <a:spcBef>
-                <a:spcPts val="0"/>
-              </a:spcBef>
-              <a:spcAft>
-                <a:spcPts val="0"/>
-              </a:spcAft>
-              <a:buClr>
-                <a:srgbClr val="000000"/>
-              </a:buClr>
-              <a:buSzPts val="1000"/>
-              <a:buChar char="●"/>
-            </a:pPr>
-            <a:r>
-              <a:rPr lang="en-GB" sz="1000">
-                <a:solidFill>
-                  <a:srgbClr val="000000"/>
-                </a:solidFill>
-              </a:rPr>
-              <a:t>GDP seems similar to S&amp;P 500-line trends positively regardless of president. The fluctuation in the market are mostly likely due to external factors (COVID, 9/11, Recession of 2008) likely unrelated to presidential policies.</a:t>
-            </a:r>
-            <a:endParaRPr sz="1000">
-              <a:solidFill>
-                <a:srgbClr val="000000"/>
-              </a:solidFill>
-            </a:endParaRPr>
-          </a:p>
-          <a:p>
-            <a:pPr indent="-292100" lvl="0" marL="457200" rtl="0" algn="l">
-              <a:spcBef>
-                <a:spcPts val="0"/>
-              </a:spcBef>
-              <a:spcAft>
-                <a:spcPts val="0"/>
-              </a:spcAft>
-              <a:buClr>
-                <a:srgbClr val="000000"/>
-              </a:buClr>
-              <a:buSzPts val="1000"/>
-              <a:buChar char="●"/>
-            </a:pPr>
-            <a:r>
-              <a:rPr lang="en-GB" sz="1000">
-                <a:solidFill>
-                  <a:srgbClr val="000000"/>
-                </a:solidFill>
-              </a:rPr>
-              <a:t>According to indicators analysed in this research shows that president has little to no influence on the stock market. </a:t>
-            </a:r>
-            <a:endParaRPr sz="1000">
+            <a:endParaRPr sz="1200">
               <a:solidFill>
                 <a:srgbClr val="000000"/>
               </a:solidFill>
@@ -10003,60 +11067,73 @@
                 <a:spcPts val="600"/>
               </a:spcBef>
               <a:spcAft>
-                <a:spcPts val="0"/>
+                <a:spcPts val="1200"/>
               </a:spcAft>
               <a:buNone/>
             </a:pPr>
             <a:r>
               <a:t/>
             </a:r>
-            <a:endParaRPr sz="1000">
-              <a:solidFill>
-                <a:srgbClr val="000000"/>
-              </a:solidFill>
-            </a:endParaRPr>
-          </a:p>
-          <a:p>
-            <a:pPr indent="0" lvl="0" marL="0" rtl="0" algn="l">
-              <a:spcBef>
-                <a:spcPts val="600"/>
-              </a:spcBef>
-              <a:spcAft>
-                <a:spcPts val="0"/>
-              </a:spcAft>
-              <a:buNone/>
-            </a:pPr>
-            <a:r>
-              <a:rPr lang="en-GB" sz="1000">
-                <a:solidFill>
-                  <a:srgbClr val="000000"/>
-                </a:solidFill>
-              </a:rPr>
-              <a:t> </a:t>
-            </a:r>
-            <a:endParaRPr sz="1000">
-              <a:solidFill>
-                <a:srgbClr val="000000"/>
-              </a:solidFill>
-            </a:endParaRPr>
-          </a:p>
-          <a:p>
-            <a:pPr indent="0" lvl="0" marL="0" rtl="0" algn="l">
-              <a:spcBef>
-                <a:spcPts val="600"/>
-              </a:spcBef>
-              <a:spcAft>
-                <a:spcPts val="1200"/>
-              </a:spcAft>
-              <a:buNone/>
-            </a:pPr>
-            <a:r>
-              <a:t/>
-            </a:r>
-            <a:endParaRPr sz="1000"/>
+            <a:endParaRPr sz="1200"/>
           </a:p>
         </p:txBody>
       </p:sp>
+      <p:pic>
+        <p:nvPicPr>
+          <p:cNvPr id="129" name="Google Shape;129;p19"/>
+          <p:cNvPicPr preferRelativeResize="0"/>
+          <p:nvPr/>
+        </p:nvPicPr>
+        <p:blipFill>
+          <a:blip r:embed="rId3">
+            <a:alphaModFix/>
+          </a:blip>
+          <a:stretch>
+            <a:fillRect/>
+          </a:stretch>
+        </p:blipFill>
+        <p:spPr>
+          <a:xfrm>
+            <a:off x="4572005" y="985976"/>
+            <a:ext cx="3586646" cy="1585775"/>
+          </a:xfrm>
+          <a:prstGeom prst="rect">
+            <a:avLst/>
+          </a:prstGeom>
+          <a:noFill/>
+          <a:ln>
+            <a:noFill/>
+          </a:ln>
+        </p:spPr>
+      </p:pic>
+      <p:pic>
+        <p:nvPicPr>
+          <p:cNvPr id="130" name="Google Shape;130;p19"/>
+          <p:cNvPicPr preferRelativeResize="0"/>
+          <p:nvPr/>
+        </p:nvPicPr>
+        <p:blipFill>
+          <a:blip r:embed="rId4">
+            <a:alphaModFix/>
+          </a:blip>
+          <a:stretch>
+            <a:fillRect/>
+          </a:stretch>
+        </p:blipFill>
+        <p:spPr>
+          <a:xfrm>
+            <a:off x="4394376" y="2736925"/>
+            <a:ext cx="4021974" cy="2065150"/>
+          </a:xfrm>
+          <a:prstGeom prst="rect">
+            <a:avLst/>
+          </a:prstGeom>
+          <a:noFill/>
+          <a:ln>
+            <a:noFill/>
+          </a:ln>
+        </p:spPr>
+      </p:pic>
     </p:spTree>
   </p:cSld>
   <p:clrMapOvr>
@@ -10070,7 +11147,7 @@
   <p:cSld>
     <p:spTree>
       <p:nvGrpSpPr>
-        <p:cNvPr id="127" name="Shape 127"/>
+        <p:cNvPr id="134" name="Shape 134"/>
         <p:cNvGrpSpPr/>
         <p:nvPr/>
       </p:nvGrpSpPr>
@@ -10084,7 +11161,319 @@
       </p:grpSpPr>
       <p:sp>
         <p:nvSpPr>
-          <p:cNvPr id="128" name="Google Shape;128;p20"/>
+          <p:cNvPr id="135" name="Google Shape;135;p20"/>
+          <p:cNvSpPr txBox="1"/>
+          <p:nvPr>
+            <p:ph type="title"/>
+          </p:nvPr>
+        </p:nvSpPr>
+        <p:spPr>
+          <a:xfrm>
+            <a:off x="663925" y="1239000"/>
+            <a:ext cx="7688700" cy="535200"/>
+          </a:xfrm>
+          <a:prstGeom prst="rect">
+            <a:avLst/>
+          </a:prstGeom>
+        </p:spPr>
+        <p:txBody>
+          <a:bodyPr anchorCtr="0" anchor="t" bIns="91425" lIns="91425" spcFirstLastPara="1" rIns="91425" wrap="square" tIns="91425">
+            <a:normAutofit fontScale="90000"/>
+          </a:bodyPr>
+          <a:lstStyle/>
+          <a:p>
+            <a:pPr indent="0" lvl="0" marL="0" rtl="0" algn="l">
+              <a:spcBef>
+                <a:spcPts val="0"/>
+              </a:spcBef>
+              <a:spcAft>
+                <a:spcPts val="0"/>
+              </a:spcAft>
+              <a:buNone/>
+            </a:pPr>
+            <a:r>
+              <a:rPr lang="en-GB"/>
+              <a:t>Data Analysis: </a:t>
+            </a:r>
+            <a:endParaRPr/>
+          </a:p>
+          <a:p>
+            <a:pPr indent="0" lvl="0" marL="0" rtl="0" algn="l">
+              <a:spcBef>
+                <a:spcPts val="0"/>
+              </a:spcBef>
+              <a:spcAft>
+                <a:spcPts val="0"/>
+              </a:spcAft>
+              <a:buNone/>
+            </a:pPr>
+            <a:r>
+              <a:rPr i="1" lang="en-GB"/>
+              <a:t>Economic indicators (cont’d)</a:t>
+            </a:r>
+            <a:br>
+              <a:rPr lang="en-GB"/>
+            </a:br>
+            <a:endParaRPr/>
+          </a:p>
+          <a:p>
+            <a:pPr indent="0" lvl="0" marL="0" rtl="0" algn="l">
+              <a:spcBef>
+                <a:spcPts val="0"/>
+              </a:spcBef>
+              <a:spcAft>
+                <a:spcPts val="0"/>
+              </a:spcAft>
+              <a:buNone/>
+            </a:pPr>
+            <a:r>
+              <a:t/>
+            </a:r>
+            <a:endParaRPr/>
+          </a:p>
+        </p:txBody>
+      </p:sp>
+      <p:sp>
+        <p:nvSpPr>
+          <p:cNvPr id="136" name="Google Shape;136;p20"/>
+          <p:cNvSpPr txBox="1"/>
+          <p:nvPr>
+            <p:ph idx="1" type="body"/>
+          </p:nvPr>
+        </p:nvSpPr>
+        <p:spPr>
+          <a:xfrm>
+            <a:off x="354925" y="1990875"/>
+            <a:ext cx="3966600" cy="2409300"/>
+          </a:xfrm>
+          <a:prstGeom prst="rect">
+            <a:avLst/>
+          </a:prstGeom>
+        </p:spPr>
+        <p:txBody>
+          <a:bodyPr anchorCtr="0" anchor="t" bIns="91425" lIns="91425" spcFirstLastPara="1" rIns="91425" wrap="square" tIns="91425">
+            <a:noAutofit/>
+          </a:bodyPr>
+          <a:lstStyle/>
+          <a:p>
+            <a:pPr indent="0" lvl="0" marL="0" rtl="0" algn="l">
+              <a:spcBef>
+                <a:spcPts val="0"/>
+              </a:spcBef>
+              <a:spcAft>
+                <a:spcPts val="0"/>
+              </a:spcAft>
+              <a:buSzPts val="935"/>
+              <a:buNone/>
+            </a:pPr>
+            <a:r>
+              <a:rPr b="1" lang="en-GB" sz="1200">
+                <a:solidFill>
+                  <a:srgbClr val="000000"/>
+                </a:solidFill>
+              </a:rPr>
+              <a:t>Does Presidency have any influence on stock market &amp; GDP?</a:t>
+            </a:r>
+            <a:endParaRPr b="1" sz="1200">
+              <a:solidFill>
+                <a:srgbClr val="000000"/>
+              </a:solidFill>
+            </a:endParaRPr>
+          </a:p>
+          <a:p>
+            <a:pPr indent="-304800" lvl="0" marL="457200" rtl="0" algn="l">
+              <a:spcBef>
+                <a:spcPts val="0"/>
+              </a:spcBef>
+              <a:spcAft>
+                <a:spcPts val="0"/>
+              </a:spcAft>
+              <a:buClr>
+                <a:srgbClr val="000000"/>
+              </a:buClr>
+              <a:buSzPts val="1200"/>
+              <a:buChar char="●"/>
+            </a:pPr>
+            <a:r>
+              <a:rPr lang="en-GB" sz="1200">
+                <a:solidFill>
+                  <a:srgbClr val="000000"/>
+                </a:solidFill>
+              </a:rPr>
+              <a:t>Little impact on growth and changes in stock market</a:t>
+            </a:r>
+            <a:endParaRPr sz="1200">
+              <a:solidFill>
+                <a:srgbClr val="000000"/>
+              </a:solidFill>
+            </a:endParaRPr>
+          </a:p>
+          <a:p>
+            <a:pPr indent="-304800" lvl="1" marL="914400" rtl="0" algn="l">
+              <a:spcBef>
+                <a:spcPts val="0"/>
+              </a:spcBef>
+              <a:spcAft>
+                <a:spcPts val="0"/>
+              </a:spcAft>
+              <a:buClr>
+                <a:srgbClr val="000000"/>
+              </a:buClr>
+              <a:buSzPts val="1200"/>
+              <a:buChar char="○"/>
+            </a:pPr>
+            <a:r>
+              <a:rPr lang="en-GB" sz="1200">
+                <a:solidFill>
+                  <a:srgbClr val="000000"/>
+                </a:solidFill>
+              </a:rPr>
+              <a:t>Observe  the S&amp;P 500 growing positively through all year regardless of the president </a:t>
+            </a:r>
+            <a:endParaRPr sz="1200">
+              <a:solidFill>
+                <a:srgbClr val="000000"/>
+              </a:solidFill>
+            </a:endParaRPr>
+          </a:p>
+          <a:p>
+            <a:pPr indent="-304800" lvl="0" marL="457200" rtl="0" algn="l">
+              <a:spcBef>
+                <a:spcPts val="0"/>
+              </a:spcBef>
+              <a:spcAft>
+                <a:spcPts val="0"/>
+              </a:spcAft>
+              <a:buClr>
+                <a:srgbClr val="000000"/>
+              </a:buClr>
+              <a:buSzPts val="1200"/>
+              <a:buChar char="●"/>
+            </a:pPr>
+            <a:r>
+              <a:rPr lang="en-GB" sz="1200">
+                <a:solidFill>
+                  <a:srgbClr val="000000"/>
+                </a:solidFill>
+              </a:rPr>
+              <a:t>GDP trends positively regardless of president. </a:t>
+            </a:r>
+            <a:endParaRPr sz="1200">
+              <a:solidFill>
+                <a:srgbClr val="000000"/>
+              </a:solidFill>
+            </a:endParaRPr>
+          </a:p>
+          <a:p>
+            <a:pPr indent="-304800" lvl="1" marL="914400" rtl="0" algn="l">
+              <a:spcBef>
+                <a:spcPts val="0"/>
+              </a:spcBef>
+              <a:spcAft>
+                <a:spcPts val="0"/>
+              </a:spcAft>
+              <a:buClr>
+                <a:srgbClr val="000000"/>
+              </a:buClr>
+              <a:buSzPts val="1200"/>
+              <a:buChar char="○"/>
+            </a:pPr>
+            <a:r>
+              <a:rPr lang="en-GB" sz="1200">
+                <a:solidFill>
+                  <a:srgbClr val="000000"/>
+                </a:solidFill>
+              </a:rPr>
+              <a:t>fluctuation in the market are mostly likely due to external factors (COVID, 9/11, Recession of 2008) likely unrelated to presidential policies.</a:t>
+            </a:r>
+            <a:endParaRPr sz="1200">
+              <a:solidFill>
+                <a:srgbClr val="000000"/>
+              </a:solidFill>
+            </a:endParaRPr>
+          </a:p>
+          <a:p>
+            <a:pPr indent="-304800" lvl="0" marL="457200" rtl="0" algn="l">
+              <a:spcBef>
+                <a:spcPts val="0"/>
+              </a:spcBef>
+              <a:spcAft>
+                <a:spcPts val="0"/>
+              </a:spcAft>
+              <a:buClr>
+                <a:srgbClr val="000000"/>
+              </a:buClr>
+              <a:buSzPts val="1200"/>
+              <a:buChar char="●"/>
+            </a:pPr>
+            <a:r>
+              <a:rPr lang="en-GB" sz="1200">
+                <a:solidFill>
+                  <a:srgbClr val="000000"/>
+                </a:solidFill>
+              </a:rPr>
+              <a:t>According to indicators analysed in this research shows that president has little to no influence on the stock market</a:t>
+            </a:r>
+            <a:endParaRPr b="1" sz="1200"/>
+          </a:p>
+        </p:txBody>
+      </p:sp>
+      <p:pic>
+        <p:nvPicPr>
+          <p:cNvPr id="137" name="Google Shape;137;p20"/>
+          <p:cNvPicPr preferRelativeResize="0"/>
+          <p:nvPr/>
+        </p:nvPicPr>
+        <p:blipFill>
+          <a:blip r:embed="rId3">
+            <a:alphaModFix/>
+          </a:blip>
+          <a:stretch>
+            <a:fillRect/>
+          </a:stretch>
+        </p:blipFill>
+        <p:spPr>
+          <a:xfrm>
+            <a:off x="4490725" y="2067062"/>
+            <a:ext cx="4434726" cy="2771875"/>
+          </a:xfrm>
+          <a:prstGeom prst="rect">
+            <a:avLst/>
+          </a:prstGeom>
+          <a:noFill/>
+          <a:ln>
+            <a:noFill/>
+          </a:ln>
+        </p:spPr>
+      </p:pic>
+    </p:spTree>
+  </p:cSld>
+  <p:clrMapOvr>
+    <a:masterClrMapping/>
+  </p:clrMapOvr>
+</p:sld>
+</file>
+
+<file path=ppt/slides/slide9.xml><?xml version="1.0" encoding="utf-8"?>
+<p:sld xmlns:a="http://schemas.openxmlformats.org/drawingml/2006/main" xmlns:r="http://schemas.openxmlformats.org/officeDocument/2006/relationships" xmlns:mc="http://schemas.openxmlformats.org/markup-compatibility/2006" xmlns:mv="urn:schemas-microsoft-com:mac:vml" xmlns:p="http://schemas.openxmlformats.org/presentationml/2006/main" xmlns:c="http://schemas.openxmlformats.org/drawingml/2006/chart" xmlns:dgm="http://schemas.openxmlformats.org/drawingml/2006/diagram" xmlns:o="urn:schemas-microsoft-com:office:office" xmlns:v="urn:schemas-microsoft-com:vml" xmlns:pvml="urn:schemas-microsoft-com:office:powerpoint" xmlns:com="http://schemas.openxmlformats.org/drawingml/2006/compatibility" xmlns:p14="http://schemas.microsoft.com/office/powerpoint/2010/main" xmlns:p15="http://schemas.microsoft.com/office/powerpoint/2012/main" xmlns:ahyp="http://schemas.microsoft.com/office/drawing/2018/hyperlinkcolor">
+  <p:cSld>
+    <p:spTree>
+      <p:nvGrpSpPr>
+        <p:cNvPr id="141" name="Shape 141"/>
+        <p:cNvGrpSpPr/>
+        <p:nvPr/>
+      </p:nvGrpSpPr>
+      <p:grpSpPr>
+        <a:xfrm>
+          <a:off x="0" y="0"/>
+          <a:ext cx="0" cy="0"/>
+          <a:chOff x="0" y="0"/>
+          <a:chExt cx="0" cy="0"/>
+        </a:xfrm>
+      </p:grpSpPr>
+      <p:sp>
+        <p:nvSpPr>
+          <p:cNvPr id="142" name="Google Shape;142;p21"/>
           <p:cNvSpPr txBox="1"/>
           <p:nvPr>
             <p:ph type="title"/>
@@ -10124,7 +11513,7 @@
       </p:sp>
       <p:sp>
         <p:nvSpPr>
-          <p:cNvPr id="129" name="Google Shape;129;p20"/>
+          <p:cNvPr id="143" name="Google Shape;143;p21"/>
           <p:cNvSpPr txBox="1"/>
           <p:nvPr>
             <p:ph idx="1" type="body"/>
@@ -10132,8 +11521,8 @@
         </p:nvSpPr>
         <p:spPr>
           <a:xfrm>
-            <a:off x="729450" y="2078875"/>
-            <a:ext cx="7688700" cy="2261100"/>
+            <a:off x="310500" y="1999550"/>
+            <a:ext cx="6837000" cy="2973300"/>
           </a:xfrm>
           <a:prstGeom prst="rect">
             <a:avLst/>
@@ -10145,7 +11534,7 @@
           </a:bodyPr>
           <a:lstStyle/>
           <a:p>
-            <a:pPr indent="-292100" lvl="0" marL="457200" rtl="0" algn="l">
+            <a:pPr indent="-304800" lvl="0" marL="457200" rtl="0" algn="l">
               <a:spcBef>
                 <a:spcPts val="0"/>
               </a:spcBef>
@@ -10155,25 +11544,33 @@
               <a:buClr>
                 <a:srgbClr val="000000"/>
               </a:buClr>
-              <a:buSzPts val="1000"/>
+              <a:buSzPts val="1200"/>
               <a:buChar char="●"/>
             </a:pPr>
             <a:r>
-              <a:rPr lang="en-GB" sz="1000">
+              <a:rPr lang="en-GB" sz="1200">
                 <a:solidFill>
                   <a:srgbClr val="000000"/>
                 </a:solidFill>
               </a:rPr>
-              <a:t>The commodity with highest correlation to S&amp;P 500 is crude oil (0.14). The second highest correlation is silver (0.1).</a:t>
+              <a:t>Highest correlation to stock market index: Crude Oil </a:t>
             </a:r>
-            <a:endParaRPr sz="1000">
+            <a:r>
+              <a:rPr lang="en-GB" sz="1200">
+                <a:solidFill>
+                  <a:srgbClr val="000000"/>
+                </a:solidFill>
+              </a:rPr>
+              <a:t>(0.14)</a:t>
+            </a:r>
+            <a:endParaRPr sz="1200">
               <a:solidFill>
                 <a:srgbClr val="000000"/>
               </a:solidFill>
             </a:endParaRPr>
           </a:p>
           <a:p>
-            <a:pPr indent="-292100" lvl="0" marL="457200" rtl="0" algn="l">
+            <a:pPr indent="-304800" lvl="0" marL="457200" rtl="0" algn="l">
               <a:spcBef>
                 <a:spcPts val="0"/>
               </a:spcBef>
@@ -10183,25 +11580,25 @@
               <a:buClr>
                 <a:srgbClr val="000000"/>
               </a:buClr>
-              <a:buSzPts val="1000"/>
+              <a:buSzPts val="1200"/>
               <a:buChar char="●"/>
             </a:pPr>
             <a:r>
-              <a:rPr lang="en-GB" sz="1000">
+              <a:rPr lang="en-GB" sz="1200">
                 <a:solidFill>
                   <a:srgbClr val="000000"/>
                 </a:solidFill>
               </a:rPr>
-              <a:t>I experimented with various combinations and found that an equal weight between crude oil and silver will provide highest correlation (0.16).</a:t>
+              <a:t>Second highest correlation: Silver (0.1)</a:t>
             </a:r>
-            <a:endParaRPr sz="1000">
+            <a:endParaRPr sz="1200">
               <a:solidFill>
                 <a:srgbClr val="000000"/>
               </a:solidFill>
             </a:endParaRPr>
           </a:p>
           <a:p>
-            <a:pPr indent="-292100" lvl="0" marL="457200" rtl="0" algn="l">
+            <a:pPr indent="-304800" lvl="0" marL="457200" rtl="0" algn="l">
               <a:spcBef>
                 <a:spcPts val="0"/>
               </a:spcBef>
@@ -10211,25 +11608,25 @@
               <a:buClr>
                 <a:srgbClr val="000000"/>
               </a:buClr>
-              <a:buSzPts val="1000"/>
+              <a:buSzPts val="1200"/>
               <a:buChar char="●"/>
             </a:pPr>
             <a:r>
-              <a:rPr lang="en-GB" sz="1000">
+              <a:rPr lang="en-GB" sz="1200">
                 <a:solidFill>
                   <a:srgbClr val="000000"/>
                 </a:solidFill>
               </a:rPr>
-              <a:t>When graphed the cumulative return, I noticed that the crude oil and silver combination moves in the same direction as S&amp;P500 in the last 5 years. This is because upto 2015, US and Saudi Arabia have been manipulating oil prices in oil price war. Further, gold and silver have been used as hedging commodities.</a:t>
+              <a:t>Tested various combinations and determined that an equal weight between crude oil and silver will provide highest correlation (0.16)</a:t>
             </a:r>
-            <a:endParaRPr sz="1000">
+            <a:endParaRPr sz="1200">
               <a:solidFill>
                 <a:srgbClr val="000000"/>
               </a:solidFill>
             </a:endParaRPr>
           </a:p>
           <a:p>
-            <a:pPr indent="-292100" lvl="0" marL="457200" rtl="0" algn="l">
+            <a:pPr indent="-304800" lvl="0" marL="457200" rtl="0" algn="l">
               <a:spcBef>
                 <a:spcPts val="0"/>
               </a:spcBef>
@@ -10239,25 +11636,25 @@
               <a:buClr>
                 <a:srgbClr val="000000"/>
               </a:buClr>
-              <a:buSzPts val="1000"/>
+              <a:buSzPts val="1200"/>
               <a:buChar char="●"/>
             </a:pPr>
             <a:r>
-              <a:rPr lang="en-GB" sz="1000">
+              <a:rPr lang="en-GB" sz="1200">
                 <a:solidFill>
                   <a:srgbClr val="000000"/>
                 </a:solidFill>
               </a:rPr>
-              <a:t>As seen in correlation plots, oil and silver have slightly higher correlation to S&amp;P500 in the past 5 years.</a:t>
+              <a:t>When silver &amp; crude oil portfolio returns are  graphed, we can see the trend moves in the same direction as S&amp;P500 in the last 5 years. </a:t>
             </a:r>
-            <a:endParaRPr sz="1000">
+            <a:endParaRPr sz="1200">
               <a:solidFill>
                 <a:srgbClr val="000000"/>
               </a:solidFill>
             </a:endParaRPr>
           </a:p>
           <a:p>
-            <a:pPr indent="-292100" lvl="0" marL="457200" rtl="0" algn="l">
+            <a:pPr indent="-304800" lvl="1" marL="914400" rtl="0" algn="l">
               <a:spcBef>
                 <a:spcPts val="0"/>
               </a:spcBef>
@@ -10267,129 +11664,25 @@
               <a:buClr>
                 <a:srgbClr val="000000"/>
               </a:buClr>
-              <a:buSzPts val="1000"/>
-              <a:buChar char="●"/>
+              <a:buSzPts val="1200"/>
+              <a:buChar char="○"/>
             </a:pPr>
             <a:r>
-              <a:rPr lang="en-GB" sz="1000">
+              <a:rPr lang="en-GB" sz="1200">
                 <a:solidFill>
                   <a:srgbClr val="000000"/>
                 </a:solidFill>
               </a:rPr>
-              <a:t>When looking at beta graphs, I noticed that crude oil and silver have lower beta than other commodities indicating lower volatility to S&amp;P 500.</a:t>
+              <a:t>likely due to  up to 2015, US and Saudi Arabia have been manipulating oil prices in oil price war. </a:t>
             </a:r>
-            <a:endParaRPr sz="1000">
+            <a:endParaRPr sz="1200">
               <a:solidFill>
                 <a:srgbClr val="000000"/>
               </a:solidFill>
             </a:endParaRPr>
           </a:p>
           <a:p>
-            <a:pPr indent="0" lvl="0" marL="457200" rtl="0" algn="l">
-              <a:spcBef>
-                <a:spcPts val="1200"/>
-              </a:spcBef>
-              <a:spcAft>
-                <a:spcPts val="1200"/>
-              </a:spcAft>
-              <a:buNone/>
-            </a:pPr>
-            <a:r>
-              <a:t/>
-            </a:r>
-            <a:endParaRPr sz="1000"/>
-          </a:p>
-        </p:txBody>
-      </p:sp>
-    </p:spTree>
-  </p:cSld>
-  <p:clrMapOvr>
-    <a:masterClrMapping/>
-  </p:clrMapOvr>
-</p:sld>
-</file>
-
-<file path=ppt/slides/slide9.xml><?xml version="1.0" encoding="utf-8"?>
-<p:sld xmlns:a="http://schemas.openxmlformats.org/drawingml/2006/main" xmlns:r="http://schemas.openxmlformats.org/officeDocument/2006/relationships" xmlns:mc="http://schemas.openxmlformats.org/markup-compatibility/2006" xmlns:mv="urn:schemas-microsoft-com:mac:vml" xmlns:p="http://schemas.openxmlformats.org/presentationml/2006/main" xmlns:c="http://schemas.openxmlformats.org/drawingml/2006/chart" xmlns:dgm="http://schemas.openxmlformats.org/drawingml/2006/diagram" xmlns:o="urn:schemas-microsoft-com:office:office" xmlns:v="urn:schemas-microsoft-com:vml" xmlns:pvml="urn:schemas-microsoft-com:office:powerpoint" xmlns:com="http://schemas.openxmlformats.org/drawingml/2006/compatibility" xmlns:p14="http://schemas.microsoft.com/office/powerpoint/2010/main" xmlns:p15="http://schemas.microsoft.com/office/powerpoint/2012/main" xmlns:ahyp="http://schemas.microsoft.com/office/drawing/2018/hyperlinkcolor">
-  <p:cSld>
-    <p:spTree>
-      <p:nvGrpSpPr>
-        <p:cNvPr id="133" name="Shape 133"/>
-        <p:cNvGrpSpPr/>
-        <p:nvPr/>
-      </p:nvGrpSpPr>
-      <p:grpSpPr>
-        <a:xfrm>
-          <a:off x="0" y="0"/>
-          <a:ext cx="0" cy="0"/>
-          <a:chOff x="0" y="0"/>
-          <a:chExt cx="0" cy="0"/>
-        </a:xfrm>
-      </p:grpSpPr>
-      <p:sp>
-        <p:nvSpPr>
-          <p:cNvPr id="134" name="Google Shape;134;p21"/>
-          <p:cNvSpPr txBox="1"/>
-          <p:nvPr>
-            <p:ph type="title"/>
-          </p:nvPr>
-        </p:nvSpPr>
-        <p:spPr>
-          <a:xfrm>
-            <a:off x="729450" y="1318650"/>
-            <a:ext cx="7688700" cy="535200"/>
-          </a:xfrm>
-          <a:prstGeom prst="rect">
-            <a:avLst/>
-          </a:prstGeom>
-        </p:spPr>
-        <p:txBody>
-          <a:bodyPr anchorCtr="0" anchor="t" bIns="91425" lIns="91425" spcFirstLastPara="1" rIns="91425" wrap="square" tIns="91425">
-            <a:normAutofit fontScale="90000"/>
-          </a:bodyPr>
-          <a:lstStyle/>
-          <a:p>
-            <a:pPr indent="0" lvl="0" marL="0" rtl="0" algn="l">
-              <a:spcBef>
-                <a:spcPts val="0"/>
-              </a:spcBef>
-              <a:spcAft>
-                <a:spcPts val="0"/>
-              </a:spcAft>
-              <a:buNone/>
-            </a:pPr>
-            <a:r>
-              <a:rPr lang="en-GB"/>
-              <a:t>Summary</a:t>
-            </a:r>
-            <a:endParaRPr/>
-          </a:p>
-        </p:txBody>
-      </p:sp>
-      <p:sp>
-        <p:nvSpPr>
-          <p:cNvPr id="135" name="Google Shape;135;p21"/>
-          <p:cNvSpPr txBox="1"/>
-          <p:nvPr>
-            <p:ph idx="1" type="body"/>
-          </p:nvPr>
-        </p:nvSpPr>
-        <p:spPr>
-          <a:xfrm>
-            <a:off x="727650" y="2065150"/>
-            <a:ext cx="7688700" cy="2261100"/>
-          </a:xfrm>
-          <a:prstGeom prst="rect">
-            <a:avLst/>
-          </a:prstGeom>
-        </p:spPr>
-        <p:txBody>
-          <a:bodyPr anchorCtr="0" anchor="t" bIns="91425" lIns="91425" spcFirstLastPara="1" rIns="91425" wrap="square" tIns="91425">
-            <a:normAutofit/>
-          </a:bodyPr>
-          <a:lstStyle/>
-          <a:p>
-            <a:pPr indent="-292100" lvl="0" marL="457200" rtl="0" algn="l">
+            <a:pPr indent="-304800" lvl="1" marL="914400" rtl="0" algn="l">
               <a:spcBef>
                 <a:spcPts val="0"/>
               </a:spcBef>
@@ -10399,26 +11692,25 @@
               <a:buClr>
                 <a:srgbClr val="000000"/>
               </a:buClr>
-              <a:buSzPts val="1000"/>
-              <a:buFont typeface="Trebuchet MS"/>
-              <a:buChar char="●"/>
+              <a:buSzPts val="1200"/>
+              <a:buChar char="○"/>
             </a:pPr>
             <a:r>
-              <a:rPr lang="en-GB" sz="1000">
+              <a:rPr lang="en-GB" sz="1200">
                 <a:solidFill>
                   <a:srgbClr val="000000"/>
                 </a:solidFill>
               </a:rPr>
-              <a:t>Crude Oil has become more correlated to S&amp;P 500 than gold.</a:t>
+              <a:t>also, gold and silver have been used as hedging commodities</a:t>
             </a:r>
-            <a:endParaRPr sz="1000">
+            <a:endParaRPr sz="1200">
               <a:solidFill>
                 <a:srgbClr val="000000"/>
               </a:solidFill>
             </a:endParaRPr>
           </a:p>
           <a:p>
-            <a:pPr indent="-292100" lvl="0" marL="457200" rtl="0" algn="l">
+            <a:pPr indent="-304800" lvl="0" marL="457200" rtl="0" algn="l">
               <a:spcBef>
                 <a:spcPts val="0"/>
               </a:spcBef>
@@ -10428,58 +11720,25 @@
               <a:buClr>
                 <a:srgbClr val="000000"/>
               </a:buClr>
-              <a:buSzPts val="1000"/>
-              <a:buFont typeface="Trebuchet MS"/>
+              <a:buSzPts val="1200"/>
               <a:buChar char="●"/>
             </a:pPr>
             <a:r>
-              <a:rPr lang="en-GB" sz="1000">
+              <a:rPr lang="en-GB" sz="1200">
                 <a:solidFill>
                   <a:srgbClr val="000000"/>
                 </a:solidFill>
-                <a:latin typeface="Trebuchet MS"/>
-                <a:ea typeface="Trebuchet MS"/>
-                <a:cs typeface="Trebuchet MS"/>
-                <a:sym typeface="Trebuchet MS"/>
               </a:rPr>
-              <a:t>USD has v</a:t>
+              <a:t>Oil and silver have slightly higher correlation to S&amp;P 500 in the past 5 years</a:t>
             </a:r>
-            <a:r>
-              <a:rPr lang="en-GB" sz="1000">
-                <a:solidFill>
-                  <a:srgbClr val="000000"/>
-                </a:solidFill>
-                <a:latin typeface="Trebuchet MS"/>
-                <a:ea typeface="Trebuchet MS"/>
-                <a:cs typeface="Trebuchet MS"/>
-                <a:sym typeface="Trebuchet MS"/>
-              </a:rPr>
-              <a:t>ery little</a:t>
-            </a:r>
-            <a:r>
-              <a:rPr lang="en-GB" sz="1000">
-                <a:solidFill>
-                  <a:srgbClr val="000000"/>
-                </a:solidFill>
-                <a:latin typeface="Trebuchet MS"/>
-                <a:ea typeface="Trebuchet MS"/>
-                <a:cs typeface="Trebuchet MS"/>
-                <a:sym typeface="Trebuchet MS"/>
-              </a:rPr>
-              <a:t> correlation to the S&amp;P 500.</a:t>
-            </a:r>
-            <a:endParaRPr sz="1000">
+            <a:endParaRPr sz="1200">
               <a:solidFill>
                 <a:srgbClr val="000000"/>
               </a:solidFill>
-              <a:latin typeface="Trebuchet MS"/>
-              <a:ea typeface="Trebuchet MS"/>
-              <a:cs typeface="Trebuchet MS"/>
-              <a:sym typeface="Trebuchet MS"/>
             </a:endParaRPr>
           </a:p>
           <a:p>
-            <a:pPr indent="-292100" lvl="0" marL="457200" rtl="0" algn="l">
+            <a:pPr indent="-304800" lvl="0" marL="457200" rtl="0" algn="l">
               <a:spcBef>
                 <a:spcPts val="0"/>
               </a:spcBef>
@@ -10489,119 +11748,49 @@
               <a:buClr>
                 <a:srgbClr val="000000"/>
               </a:buClr>
-              <a:buSzPts val="1000"/>
-              <a:buFont typeface="Trebuchet MS"/>
+              <a:buSzPts val="1200"/>
               <a:buChar char="●"/>
             </a:pPr>
             <a:r>
-              <a:rPr lang="en-GB" sz="1000">
+              <a:rPr lang="en-GB" sz="1200">
                 <a:solidFill>
                   <a:srgbClr val="000000"/>
                 </a:solidFill>
-                <a:latin typeface="Trebuchet MS"/>
-                <a:ea typeface="Trebuchet MS"/>
-                <a:cs typeface="Trebuchet MS"/>
-                <a:sym typeface="Trebuchet MS"/>
               </a:rPr>
-              <a:t>No correlation with presidency and market indicators.</a:t>
+              <a:t>When looking at beta graphs, I noticed that crude oil and silver have lower beta than other commodities indicating lower volatility to S&amp;P 500</a:t>
             </a:r>
-            <a:endParaRPr sz="1000">
-              <a:solidFill>
-                <a:srgbClr val="000000"/>
-              </a:solidFill>
-              <a:latin typeface="Trebuchet MS"/>
-              <a:ea typeface="Trebuchet MS"/>
-              <a:cs typeface="Trebuchet MS"/>
-              <a:sym typeface="Trebuchet MS"/>
-            </a:endParaRPr>
-          </a:p>
-          <a:p>
-            <a:pPr indent="-292100" lvl="0" marL="457200" rtl="0" algn="l">
-              <a:spcBef>
-                <a:spcPts val="0"/>
-              </a:spcBef>
-              <a:spcAft>
-                <a:spcPts val="0"/>
-              </a:spcAft>
-              <a:buClr>
-                <a:srgbClr val="000000"/>
-              </a:buClr>
-              <a:buSzPts val="1000"/>
-              <a:buFont typeface="Trebuchet MS"/>
-              <a:buChar char="●"/>
-            </a:pPr>
-            <a:r>
-              <a:rPr lang="en-GB" sz="1000">
-                <a:solidFill>
-                  <a:srgbClr val="000000"/>
-                </a:solidFill>
-                <a:latin typeface="Trebuchet MS"/>
-                <a:ea typeface="Trebuchet MS"/>
-                <a:cs typeface="Trebuchet MS"/>
-                <a:sym typeface="Trebuchet MS"/>
-              </a:rPr>
-              <a:t>No correlation with housing price index or inflation rate.</a:t>
-            </a:r>
-            <a:endParaRPr sz="1000">
-              <a:solidFill>
-                <a:srgbClr val="000000"/>
-              </a:solidFill>
-              <a:latin typeface="Trebuchet MS"/>
-              <a:ea typeface="Trebuchet MS"/>
-              <a:cs typeface="Trebuchet MS"/>
-              <a:sym typeface="Trebuchet MS"/>
-            </a:endParaRPr>
-          </a:p>
-          <a:p>
-            <a:pPr indent="-292100" lvl="0" marL="457200" rtl="0" algn="l">
-              <a:spcBef>
-                <a:spcPts val="0"/>
-              </a:spcBef>
-              <a:spcAft>
-                <a:spcPts val="0"/>
-              </a:spcAft>
-              <a:buClr>
-                <a:srgbClr val="000000"/>
-              </a:buClr>
-              <a:buSzPts val="1000"/>
-              <a:buFont typeface="Trebuchet MS"/>
-              <a:buChar char="●"/>
-            </a:pPr>
-            <a:r>
-              <a:rPr lang="en-GB" sz="1000">
-                <a:solidFill>
-                  <a:srgbClr val="000000"/>
-                </a:solidFill>
-              </a:rPr>
-              <a:t>Cryptocurrencies have weak correlation to S&amp;P 500.</a:t>
-            </a:r>
-            <a:endParaRPr sz="1000">
-              <a:solidFill>
-                <a:srgbClr val="000000"/>
-              </a:solidFill>
-              <a:latin typeface="Trebuchet MS"/>
-              <a:ea typeface="Trebuchet MS"/>
-              <a:cs typeface="Trebuchet MS"/>
-              <a:sym typeface="Trebuchet MS"/>
-            </a:endParaRPr>
-          </a:p>
-          <a:p>
-            <a:pPr indent="0" lvl="0" marL="0" rtl="0" algn="l">
-              <a:spcBef>
-                <a:spcPts val="1200"/>
-              </a:spcBef>
-              <a:spcAft>
-                <a:spcPts val="1200"/>
-              </a:spcAft>
-              <a:buNone/>
-            </a:pPr>
-            <a:r>
-              <a:t/>
-            </a:r>
-            <a:endParaRPr sz="1000"/>
+            <a:endParaRPr sz="1200"/>
           </a:p>
         </p:txBody>
       </p:sp>
+      <p:pic>
+        <p:nvPicPr>
+          <p:cNvPr id="144" name="Google Shape;144;p21"/>
+          <p:cNvPicPr preferRelativeResize="0"/>
+          <p:nvPr/>
+        </p:nvPicPr>
+        <p:blipFill>
+          <a:blip r:embed="rId3">
+            <a:alphaModFix/>
+          </a:blip>
+          <a:stretch>
+            <a:fillRect/>
+          </a:stretch>
+        </p:blipFill>
+        <p:spPr>
+          <a:xfrm>
+            <a:off x="5793125" y="790900"/>
+            <a:ext cx="2876550" cy="1590675"/>
+          </a:xfrm>
+          <a:prstGeom prst="rect">
+            <a:avLst/>
+          </a:prstGeom>
+          <a:noFill/>
+          <a:ln>
+            <a:noFill/>
+          </a:ln>
+        </p:spPr>
+      </p:pic>
     </p:spTree>
   </p:cSld>
   <p:clrMapOvr>
